--- a/tfboys.pptx
+++ b/tfboys.pptx
@@ -5,7 +5,7 @@
     <p:sldMasterId id="2147483648" r:id="rId1"/>
   </p:sldMasterIdLst>
   <p:notesMasterIdLst>
-    <p:notesMasterId r:id="rId10"/>
+    <p:notesMasterId r:id="rId13"/>
   </p:notesMasterIdLst>
   <p:sldIdLst>
     <p:sldId id="256" r:id="rId2"/>
@@ -15,7 +15,10 @@
     <p:sldId id="284" r:id="rId6"/>
     <p:sldId id="286" r:id="rId7"/>
     <p:sldId id="285" r:id="rId8"/>
-    <p:sldId id="272" r:id="rId9"/>
+    <p:sldId id="287" r:id="rId9"/>
+    <p:sldId id="288" r:id="rId10"/>
+    <p:sldId id="289" r:id="rId11"/>
+    <p:sldId id="272" r:id="rId12"/>
   </p:sldIdLst>
   <p:sldSz cx="12192000" cy="6858000"/>
   <p:notesSz cx="6858000" cy="9144000"/>
@@ -4044,6 +4047,2396 @@
     <p:extLst>
       <p:ext uri="{BB962C8B-B14F-4D97-AF65-F5344CB8AC3E}">
         <p14:creationId xmlns:p14="http://schemas.microsoft.com/office/powerpoint/2010/main" val="390640369"/>
+      </p:ext>
+    </p:extLst>
+  </p:cSld>
+  <p:clrMapOvr>
+    <a:masterClrMapping/>
+  </p:clrMapOvr>
+  <p:timing>
+    <p:tnLst>
+      <p:par>
+        <p:cTn id="1" dur="indefinite" restart="never" nodeType="tmRoot"/>
+      </p:par>
+    </p:tnLst>
+  </p:timing>
+</p:sld>
+</file>
+
+<file path=ppt/slides/slide10.xml><?xml version="1.0" encoding="utf-8"?>
+<p:sld xmlns:a="http://schemas.openxmlformats.org/drawingml/2006/main" xmlns:r="http://schemas.openxmlformats.org/officeDocument/2006/relationships" xmlns:p="http://schemas.openxmlformats.org/presentationml/2006/main">
+  <p:cSld>
+    <p:spTree>
+      <p:nvGrpSpPr>
+        <p:cNvPr id="1" name=""/>
+        <p:cNvGrpSpPr/>
+        <p:nvPr/>
+      </p:nvGrpSpPr>
+      <p:grpSpPr>
+        <a:xfrm>
+          <a:off x="0" y="0"/>
+          <a:ext cx="0" cy="0"/>
+          <a:chOff x="0" y="0"/>
+          <a:chExt cx="0" cy="0"/>
+        </a:xfrm>
+      </p:grpSpPr>
+      <p:pic>
+        <p:nvPicPr>
+          <p:cNvPr id="8" name="内容占位符 7"/>
+          <p:cNvPicPr>
+            <a:picLocks noGrp="1" noChangeAspect="1"/>
+          </p:cNvPicPr>
+          <p:nvPr>
+            <p:ph idx="1"/>
+          </p:nvPr>
+        </p:nvPicPr>
+        <p:blipFill>
+          <a:blip r:embed="rId2">
+            <a:extLst>
+              <a:ext uri="{28A0092B-C50C-407E-A947-70E740481C1C}">
+                <a14:useLocalDpi xmlns:a14="http://schemas.microsoft.com/office/drawing/2010/main" val="0"/>
+              </a:ext>
+            </a:extLst>
+          </a:blip>
+          <a:stretch>
+            <a:fillRect/>
+          </a:stretch>
+        </p:blipFill>
+        <p:spPr>
+          <a:xfrm>
+            <a:off x="-449251" y="-1118025"/>
+            <a:ext cx="13039702" cy="2652243"/>
+          </a:xfrm>
+        </p:spPr>
+      </p:pic>
+      <p:sp>
+        <p:nvSpPr>
+          <p:cNvPr id="2" name="标题 1">
+            <a:extLst>
+              <a:ext uri="{FF2B5EF4-FFF2-40B4-BE49-F238E27FC236}">
+                <a16:creationId xmlns:a16="http://schemas.microsoft.com/office/drawing/2014/main" xmlns="" id="{729E7753-D934-41AF-979C-BE3013383BDA}"/>
+              </a:ext>
+            </a:extLst>
+          </p:cNvPr>
+          <p:cNvSpPr>
+            <a:spLocks noGrp="1"/>
+          </p:cNvSpPr>
+          <p:nvPr>
+            <p:ph type="title"/>
+          </p:nvPr>
+        </p:nvSpPr>
+        <p:spPr>
+          <a:xfrm>
+            <a:off x="1077849" y="-45562"/>
+            <a:ext cx="10515600" cy="1325563"/>
+          </a:xfrm>
+        </p:spPr>
+        <p:txBody>
+          <a:bodyPr>
+            <a:normAutofit/>
+          </a:bodyPr>
+          <a:lstStyle/>
+          <a:p>
+            <a:r>
+              <a:rPr lang="en-US" altLang="zh-CN" b="1" dirty="0" smtClean="0"/>
+              <a:t>6.</a:t>
+            </a:r>
+            <a:r>
+              <a:rPr lang="zh-CN" altLang="en-US" b="1" dirty="0" smtClean="0"/>
+              <a:t> </a:t>
+            </a:r>
+            <a:r>
+              <a:rPr lang="en-US" altLang="zh-CN" b="1" dirty="0" smtClean="0"/>
+              <a:t>Pros</a:t>
+            </a:r>
+            <a:r>
+              <a:rPr lang="zh-CN" altLang="en-US" b="1" dirty="0" smtClean="0"/>
+              <a:t> </a:t>
+            </a:r>
+            <a:r>
+              <a:rPr lang="en-US" altLang="zh-CN" b="1" dirty="0" smtClean="0"/>
+              <a:t>and cons</a:t>
+            </a:r>
+            <a:endParaRPr lang="en-HK" b="1" dirty="0"/>
+          </a:p>
+        </p:txBody>
+      </p:sp>
+      <p:pic>
+        <p:nvPicPr>
+          <p:cNvPr id="4" name="图形 3">
+            <a:extLst>
+              <a:ext uri="{FF2B5EF4-FFF2-40B4-BE49-F238E27FC236}">
+                <a16:creationId xmlns:a16="http://schemas.microsoft.com/office/drawing/2014/main" xmlns="" id="{3EF556CA-30DB-46CA-B010-E7BC06705578}"/>
+              </a:ext>
+            </a:extLst>
+          </p:cNvPr>
+          <p:cNvPicPr>
+            <a:picLocks noChangeAspect="1"/>
+          </p:cNvPicPr>
+          <p:nvPr/>
+        </p:nvPicPr>
+        <p:blipFill>
+          <a:blip r:embed="rId3">
+            <a:extLst>
+              <a:ext uri="{96DAC541-7B7A-43D3-8B79-37D633B846F1}">
+                <asvg:svgBlip xmlns:asvg="http://schemas.microsoft.com/office/drawing/2016/SVG/main" xmlns="" r:embed="rId5"/>
+              </a:ext>
+            </a:extLst>
+          </a:blip>
+          <a:stretch>
+            <a:fillRect/>
+          </a:stretch>
+        </p:blipFill>
+        <p:spPr>
+          <a:xfrm>
+            <a:off x="-50800" y="6122728"/>
+            <a:ext cx="12242800" cy="1278197"/>
+          </a:xfrm>
+          <a:prstGeom prst="rect">
+            <a:avLst/>
+          </a:prstGeom>
+        </p:spPr>
+      </p:pic>
+      <p:sp>
+        <p:nvSpPr>
+          <p:cNvPr id="5" name="箭头: 五边形 4">
+            <a:extLst>
+              <a:ext uri="{FF2B5EF4-FFF2-40B4-BE49-F238E27FC236}">
+                <a16:creationId xmlns:a16="http://schemas.microsoft.com/office/drawing/2014/main" xmlns="" id="{61E862C7-DDED-46B2-88A9-92A4D3F40475}"/>
+              </a:ext>
+            </a:extLst>
+          </p:cNvPr>
+          <p:cNvSpPr/>
+          <p:nvPr/>
+        </p:nvSpPr>
+        <p:spPr>
+          <a:xfrm rot="5400000">
+            <a:off x="-60257" y="234315"/>
+            <a:ext cx="1234440" cy="765810"/>
+          </a:xfrm>
+          <a:prstGeom prst="homePlate">
+            <a:avLst/>
+          </a:prstGeom>
+          <a:solidFill>
+            <a:srgbClr val="034246"/>
+          </a:solidFill>
+        </p:spPr>
+        <p:style>
+          <a:lnRef idx="2">
+            <a:schemeClr val="accent1">
+              <a:shade val="50000"/>
+            </a:schemeClr>
+          </a:lnRef>
+          <a:fillRef idx="1">
+            <a:schemeClr val="accent1"/>
+          </a:fillRef>
+          <a:effectRef idx="0">
+            <a:schemeClr val="accent1"/>
+          </a:effectRef>
+          <a:fontRef idx="minor">
+            <a:schemeClr val="lt1"/>
+          </a:fontRef>
+        </p:style>
+        <p:txBody>
+          <a:bodyPr rtlCol="0" anchor="ctr"/>
+          <a:lstStyle/>
+          <a:p>
+            <a:pPr algn="ctr"/>
+            <a:endParaRPr lang="en-HK"/>
+          </a:p>
+        </p:txBody>
+      </p:sp>
+      <p:pic>
+        <p:nvPicPr>
+          <p:cNvPr id="6" name="图形 5">
+            <a:extLst>
+              <a:ext uri="{FF2B5EF4-FFF2-40B4-BE49-F238E27FC236}">
+                <a16:creationId xmlns:a16="http://schemas.microsoft.com/office/drawing/2014/main" xmlns="" id="{217E1EC4-7E0E-4611-9AC8-528215714F14}"/>
+              </a:ext>
+            </a:extLst>
+          </p:cNvPr>
+          <p:cNvPicPr>
+            <a:picLocks noChangeAspect="1"/>
+          </p:cNvPicPr>
+          <p:nvPr/>
+        </p:nvPicPr>
+        <p:blipFill>
+          <a:blip r:embed="rId6">
+            <a:extLst>
+              <a:ext uri="{96DAC541-7B7A-43D3-8B79-37D633B846F1}">
+                <asvg:svgBlip xmlns:asvg="http://schemas.microsoft.com/office/drawing/2016/SVG/main" xmlns="" r:embed="rId7"/>
+              </a:ext>
+            </a:extLst>
+          </a:blip>
+          <a:stretch>
+            <a:fillRect/>
+          </a:stretch>
+        </p:blipFill>
+        <p:spPr>
+          <a:xfrm>
+            <a:off x="312039" y="103823"/>
+            <a:ext cx="489848" cy="717523"/>
+          </a:xfrm>
+          <a:prstGeom prst="rect">
+            <a:avLst/>
+          </a:prstGeom>
+        </p:spPr>
+      </p:pic>
+      <p:sp>
+        <p:nvSpPr>
+          <p:cNvPr id="13" name="椭圆 12"/>
+          <p:cNvSpPr/>
+          <p:nvPr/>
+        </p:nvSpPr>
+        <p:spPr>
+          <a:xfrm>
+            <a:off x="801887" y="1943340"/>
+            <a:ext cx="275962" cy="308541"/>
+          </a:xfrm>
+          <a:prstGeom prst="ellipse">
+            <a:avLst/>
+          </a:prstGeom>
+        </p:spPr>
+        <p:style>
+          <a:lnRef idx="2">
+            <a:schemeClr val="accent1">
+              <a:shade val="50000"/>
+            </a:schemeClr>
+          </a:lnRef>
+          <a:fillRef idx="1">
+            <a:schemeClr val="accent1"/>
+          </a:fillRef>
+          <a:effectRef idx="0">
+            <a:schemeClr val="accent1"/>
+          </a:effectRef>
+          <a:fontRef idx="minor">
+            <a:schemeClr val="lt1"/>
+          </a:fontRef>
+        </p:style>
+        <p:txBody>
+          <a:bodyPr rtlCol="0" anchor="ctr"/>
+          <a:lstStyle/>
+          <a:p>
+            <a:pPr algn="ctr"/>
+            <a:endParaRPr kumimoji="1" lang="zh-CN" altLang="en-US"/>
+          </a:p>
+        </p:txBody>
+      </p:sp>
+      <p:sp>
+        <p:nvSpPr>
+          <p:cNvPr id="14" name="椭圆 13"/>
+          <p:cNvSpPr/>
+          <p:nvPr/>
+        </p:nvSpPr>
+        <p:spPr>
+          <a:xfrm>
+            <a:off x="801887" y="2343699"/>
+            <a:ext cx="275962" cy="308541"/>
+          </a:xfrm>
+          <a:prstGeom prst="ellipse">
+            <a:avLst/>
+          </a:prstGeom>
+        </p:spPr>
+        <p:style>
+          <a:lnRef idx="2">
+            <a:schemeClr val="accent1">
+              <a:shade val="50000"/>
+            </a:schemeClr>
+          </a:lnRef>
+          <a:fillRef idx="1">
+            <a:schemeClr val="accent1"/>
+          </a:fillRef>
+          <a:effectRef idx="0">
+            <a:schemeClr val="accent1"/>
+          </a:effectRef>
+          <a:fontRef idx="minor">
+            <a:schemeClr val="lt1"/>
+          </a:fontRef>
+        </p:style>
+        <p:txBody>
+          <a:bodyPr rtlCol="0" anchor="ctr"/>
+          <a:lstStyle/>
+          <a:p>
+            <a:pPr algn="ctr"/>
+            <a:endParaRPr kumimoji="1" lang="zh-CN" altLang="en-US"/>
+          </a:p>
+        </p:txBody>
+      </p:sp>
+      <p:sp>
+        <p:nvSpPr>
+          <p:cNvPr id="15" name="椭圆 14"/>
+          <p:cNvSpPr/>
+          <p:nvPr/>
+        </p:nvSpPr>
+        <p:spPr>
+          <a:xfrm>
+            <a:off x="801887" y="2785122"/>
+            <a:ext cx="275962" cy="308541"/>
+          </a:xfrm>
+          <a:prstGeom prst="ellipse">
+            <a:avLst/>
+          </a:prstGeom>
+        </p:spPr>
+        <p:style>
+          <a:lnRef idx="2">
+            <a:schemeClr val="accent1">
+              <a:shade val="50000"/>
+            </a:schemeClr>
+          </a:lnRef>
+          <a:fillRef idx="1">
+            <a:schemeClr val="accent1"/>
+          </a:fillRef>
+          <a:effectRef idx="0">
+            <a:schemeClr val="accent1"/>
+          </a:effectRef>
+          <a:fontRef idx="minor">
+            <a:schemeClr val="lt1"/>
+          </a:fontRef>
+        </p:style>
+        <p:txBody>
+          <a:bodyPr rtlCol="0" anchor="ctr"/>
+          <a:lstStyle/>
+          <a:p>
+            <a:pPr algn="ctr"/>
+            <a:endParaRPr kumimoji="1" lang="zh-CN" altLang="en-US"/>
+          </a:p>
+        </p:txBody>
+      </p:sp>
+      <p:sp>
+        <p:nvSpPr>
+          <p:cNvPr id="16" name="椭圆 15"/>
+          <p:cNvSpPr/>
+          <p:nvPr/>
+        </p:nvSpPr>
+        <p:spPr>
+          <a:xfrm>
+            <a:off x="1590572" y="1634799"/>
+            <a:ext cx="275962" cy="308541"/>
+          </a:xfrm>
+          <a:prstGeom prst="ellipse">
+            <a:avLst/>
+          </a:prstGeom>
+          <a:solidFill>
+            <a:schemeClr val="accent2"/>
+          </a:solidFill>
+        </p:spPr>
+        <p:style>
+          <a:lnRef idx="2">
+            <a:schemeClr val="accent1">
+              <a:shade val="50000"/>
+            </a:schemeClr>
+          </a:lnRef>
+          <a:fillRef idx="1">
+            <a:schemeClr val="accent1"/>
+          </a:fillRef>
+          <a:effectRef idx="0">
+            <a:schemeClr val="accent1"/>
+          </a:effectRef>
+          <a:fontRef idx="minor">
+            <a:schemeClr val="lt1"/>
+          </a:fontRef>
+        </p:style>
+        <p:txBody>
+          <a:bodyPr rtlCol="0" anchor="ctr"/>
+          <a:lstStyle/>
+          <a:p>
+            <a:pPr algn="ctr"/>
+            <a:endParaRPr kumimoji="1" lang="zh-CN" altLang="en-US"/>
+          </a:p>
+        </p:txBody>
+      </p:sp>
+      <p:sp>
+        <p:nvSpPr>
+          <p:cNvPr id="17" name="椭圆 16"/>
+          <p:cNvSpPr/>
+          <p:nvPr/>
+        </p:nvSpPr>
+        <p:spPr>
+          <a:xfrm>
+            <a:off x="1590572" y="2143867"/>
+            <a:ext cx="275962" cy="308541"/>
+          </a:xfrm>
+          <a:prstGeom prst="ellipse">
+            <a:avLst/>
+          </a:prstGeom>
+          <a:solidFill>
+            <a:schemeClr val="accent2"/>
+          </a:solidFill>
+        </p:spPr>
+        <p:style>
+          <a:lnRef idx="2">
+            <a:schemeClr val="accent1">
+              <a:shade val="50000"/>
+            </a:schemeClr>
+          </a:lnRef>
+          <a:fillRef idx="1">
+            <a:schemeClr val="accent1"/>
+          </a:fillRef>
+          <a:effectRef idx="0">
+            <a:schemeClr val="accent1"/>
+          </a:effectRef>
+          <a:fontRef idx="minor">
+            <a:schemeClr val="lt1"/>
+          </a:fontRef>
+        </p:style>
+        <p:txBody>
+          <a:bodyPr rtlCol="0" anchor="ctr"/>
+          <a:lstStyle/>
+          <a:p>
+            <a:pPr algn="ctr"/>
+            <a:endParaRPr kumimoji="1" lang="zh-CN" altLang="en-US"/>
+          </a:p>
+        </p:txBody>
+      </p:sp>
+      <p:sp>
+        <p:nvSpPr>
+          <p:cNvPr id="18" name="椭圆 17"/>
+          <p:cNvSpPr/>
+          <p:nvPr/>
+        </p:nvSpPr>
+        <p:spPr>
+          <a:xfrm>
+            <a:off x="1590572" y="2652240"/>
+            <a:ext cx="275962" cy="308541"/>
+          </a:xfrm>
+          <a:prstGeom prst="ellipse">
+            <a:avLst/>
+          </a:prstGeom>
+          <a:solidFill>
+            <a:schemeClr val="accent2"/>
+          </a:solidFill>
+        </p:spPr>
+        <p:style>
+          <a:lnRef idx="2">
+            <a:schemeClr val="accent1">
+              <a:shade val="50000"/>
+            </a:schemeClr>
+          </a:lnRef>
+          <a:fillRef idx="1">
+            <a:schemeClr val="accent1"/>
+          </a:fillRef>
+          <a:effectRef idx="0">
+            <a:schemeClr val="accent1"/>
+          </a:effectRef>
+          <a:fontRef idx="minor">
+            <a:schemeClr val="lt1"/>
+          </a:fontRef>
+        </p:style>
+        <p:txBody>
+          <a:bodyPr rtlCol="0" anchor="ctr"/>
+          <a:lstStyle/>
+          <a:p>
+            <a:pPr algn="ctr"/>
+            <a:endParaRPr kumimoji="1" lang="zh-CN" altLang="en-US"/>
+          </a:p>
+        </p:txBody>
+      </p:sp>
+      <p:sp>
+        <p:nvSpPr>
+          <p:cNvPr id="19" name="椭圆 18"/>
+          <p:cNvSpPr/>
+          <p:nvPr/>
+        </p:nvSpPr>
+        <p:spPr>
+          <a:xfrm>
+            <a:off x="1590572" y="3152323"/>
+            <a:ext cx="275962" cy="308541"/>
+          </a:xfrm>
+          <a:prstGeom prst="ellipse">
+            <a:avLst/>
+          </a:prstGeom>
+          <a:solidFill>
+            <a:schemeClr val="accent2"/>
+          </a:solidFill>
+        </p:spPr>
+        <p:style>
+          <a:lnRef idx="2">
+            <a:schemeClr val="accent1">
+              <a:shade val="50000"/>
+            </a:schemeClr>
+          </a:lnRef>
+          <a:fillRef idx="1">
+            <a:schemeClr val="accent1"/>
+          </a:fillRef>
+          <a:effectRef idx="0">
+            <a:schemeClr val="accent1"/>
+          </a:effectRef>
+          <a:fontRef idx="minor">
+            <a:schemeClr val="lt1"/>
+          </a:fontRef>
+        </p:style>
+        <p:txBody>
+          <a:bodyPr rtlCol="0" anchor="ctr"/>
+          <a:lstStyle/>
+          <a:p>
+            <a:pPr algn="ctr"/>
+            <a:endParaRPr kumimoji="1" lang="zh-CN" altLang="en-US"/>
+          </a:p>
+        </p:txBody>
+      </p:sp>
+      <p:sp>
+        <p:nvSpPr>
+          <p:cNvPr id="20" name="椭圆 19"/>
+          <p:cNvSpPr/>
+          <p:nvPr/>
+        </p:nvSpPr>
+        <p:spPr>
+          <a:xfrm>
+            <a:off x="2241276" y="1630417"/>
+            <a:ext cx="275962" cy="308541"/>
+          </a:xfrm>
+          <a:prstGeom prst="ellipse">
+            <a:avLst/>
+          </a:prstGeom>
+          <a:solidFill>
+            <a:schemeClr val="accent2"/>
+          </a:solidFill>
+        </p:spPr>
+        <p:style>
+          <a:lnRef idx="2">
+            <a:schemeClr val="accent1">
+              <a:shade val="50000"/>
+            </a:schemeClr>
+          </a:lnRef>
+          <a:fillRef idx="1">
+            <a:schemeClr val="accent1"/>
+          </a:fillRef>
+          <a:effectRef idx="0">
+            <a:schemeClr val="accent1"/>
+          </a:effectRef>
+          <a:fontRef idx="minor">
+            <a:schemeClr val="lt1"/>
+          </a:fontRef>
+        </p:style>
+        <p:txBody>
+          <a:bodyPr rtlCol="0" anchor="ctr"/>
+          <a:lstStyle/>
+          <a:p>
+            <a:pPr algn="ctr"/>
+            <a:endParaRPr kumimoji="1" lang="zh-CN" altLang="en-US"/>
+          </a:p>
+        </p:txBody>
+      </p:sp>
+      <p:sp>
+        <p:nvSpPr>
+          <p:cNvPr id="21" name="椭圆 20"/>
+          <p:cNvSpPr/>
+          <p:nvPr/>
+        </p:nvSpPr>
+        <p:spPr>
+          <a:xfrm>
+            <a:off x="2241276" y="2145317"/>
+            <a:ext cx="275962" cy="308541"/>
+          </a:xfrm>
+          <a:prstGeom prst="ellipse">
+            <a:avLst/>
+          </a:prstGeom>
+          <a:solidFill>
+            <a:schemeClr val="accent2"/>
+          </a:solidFill>
+        </p:spPr>
+        <p:style>
+          <a:lnRef idx="2">
+            <a:schemeClr val="accent1">
+              <a:shade val="50000"/>
+            </a:schemeClr>
+          </a:lnRef>
+          <a:fillRef idx="1">
+            <a:schemeClr val="accent1"/>
+          </a:fillRef>
+          <a:effectRef idx="0">
+            <a:schemeClr val="accent1"/>
+          </a:effectRef>
+          <a:fontRef idx="minor">
+            <a:schemeClr val="lt1"/>
+          </a:fontRef>
+        </p:style>
+        <p:txBody>
+          <a:bodyPr rtlCol="0" anchor="ctr"/>
+          <a:lstStyle/>
+          <a:p>
+            <a:pPr algn="ctr"/>
+            <a:endParaRPr kumimoji="1" lang="zh-CN" altLang="en-US"/>
+          </a:p>
+        </p:txBody>
+      </p:sp>
+      <p:sp>
+        <p:nvSpPr>
+          <p:cNvPr id="22" name="椭圆 21"/>
+          <p:cNvSpPr/>
+          <p:nvPr/>
+        </p:nvSpPr>
+        <p:spPr>
+          <a:xfrm>
+            <a:off x="2241276" y="2652240"/>
+            <a:ext cx="275962" cy="308541"/>
+          </a:xfrm>
+          <a:prstGeom prst="ellipse">
+            <a:avLst/>
+          </a:prstGeom>
+          <a:solidFill>
+            <a:schemeClr val="accent2"/>
+          </a:solidFill>
+        </p:spPr>
+        <p:style>
+          <a:lnRef idx="2">
+            <a:schemeClr val="accent1">
+              <a:shade val="50000"/>
+            </a:schemeClr>
+          </a:lnRef>
+          <a:fillRef idx="1">
+            <a:schemeClr val="accent1"/>
+          </a:fillRef>
+          <a:effectRef idx="0">
+            <a:schemeClr val="accent1"/>
+          </a:effectRef>
+          <a:fontRef idx="minor">
+            <a:schemeClr val="lt1"/>
+          </a:fontRef>
+        </p:style>
+        <p:txBody>
+          <a:bodyPr rtlCol="0" anchor="ctr"/>
+          <a:lstStyle/>
+          <a:p>
+            <a:pPr algn="ctr"/>
+            <a:endParaRPr kumimoji="1" lang="zh-CN" altLang="en-US"/>
+          </a:p>
+        </p:txBody>
+      </p:sp>
+      <p:sp>
+        <p:nvSpPr>
+          <p:cNvPr id="23" name="椭圆 22"/>
+          <p:cNvSpPr/>
+          <p:nvPr/>
+        </p:nvSpPr>
+        <p:spPr>
+          <a:xfrm>
+            <a:off x="2241276" y="3155001"/>
+            <a:ext cx="275962" cy="308541"/>
+          </a:xfrm>
+          <a:prstGeom prst="ellipse">
+            <a:avLst/>
+          </a:prstGeom>
+          <a:solidFill>
+            <a:schemeClr val="accent2"/>
+          </a:solidFill>
+        </p:spPr>
+        <p:style>
+          <a:lnRef idx="2">
+            <a:schemeClr val="accent1">
+              <a:shade val="50000"/>
+            </a:schemeClr>
+          </a:lnRef>
+          <a:fillRef idx="1">
+            <a:schemeClr val="accent1"/>
+          </a:fillRef>
+          <a:effectRef idx="0">
+            <a:schemeClr val="accent1"/>
+          </a:effectRef>
+          <a:fontRef idx="minor">
+            <a:schemeClr val="lt1"/>
+          </a:fontRef>
+        </p:style>
+        <p:txBody>
+          <a:bodyPr rtlCol="0" anchor="ctr"/>
+          <a:lstStyle/>
+          <a:p>
+            <a:pPr algn="ctr"/>
+            <a:endParaRPr kumimoji="1" lang="zh-CN" altLang="en-US"/>
+          </a:p>
+        </p:txBody>
+      </p:sp>
+      <p:sp>
+        <p:nvSpPr>
+          <p:cNvPr id="24" name="椭圆 23"/>
+          <p:cNvSpPr/>
+          <p:nvPr/>
+        </p:nvSpPr>
+        <p:spPr>
+          <a:xfrm>
+            <a:off x="3051731" y="2371425"/>
+            <a:ext cx="275962" cy="308541"/>
+          </a:xfrm>
+          <a:prstGeom prst="ellipse">
+            <a:avLst/>
+          </a:prstGeom>
+        </p:spPr>
+        <p:style>
+          <a:lnRef idx="2">
+            <a:schemeClr val="accent1">
+              <a:shade val="50000"/>
+            </a:schemeClr>
+          </a:lnRef>
+          <a:fillRef idx="1">
+            <a:schemeClr val="accent1"/>
+          </a:fillRef>
+          <a:effectRef idx="0">
+            <a:schemeClr val="accent1"/>
+          </a:effectRef>
+          <a:fontRef idx="minor">
+            <a:schemeClr val="lt1"/>
+          </a:fontRef>
+        </p:style>
+        <p:txBody>
+          <a:bodyPr rtlCol="0" anchor="ctr"/>
+          <a:lstStyle/>
+          <a:p>
+            <a:pPr algn="ctr"/>
+            <a:endParaRPr kumimoji="1" lang="zh-CN" altLang="en-US"/>
+          </a:p>
+        </p:txBody>
+      </p:sp>
+      <p:cxnSp>
+        <p:nvCxnSpPr>
+          <p:cNvPr id="25" name="直线箭头连接符 24"/>
+          <p:cNvCxnSpPr>
+            <a:endCxn id="23" idx="2"/>
+          </p:cNvCxnSpPr>
+          <p:nvPr/>
+        </p:nvCxnSpPr>
+        <p:spPr>
+          <a:xfrm flipV="1">
+            <a:off x="939868" y="1789070"/>
+            <a:ext cx="650704" cy="308540"/>
+          </a:xfrm>
+          <a:prstGeom prst="straightConnector1">
+            <a:avLst/>
+          </a:prstGeom>
+          <a:ln>
+            <a:tailEnd type="triangle"/>
+          </a:ln>
+        </p:spPr>
+        <p:style>
+          <a:lnRef idx="1">
+            <a:schemeClr val="accent1"/>
+          </a:lnRef>
+          <a:fillRef idx="0">
+            <a:schemeClr val="accent1"/>
+          </a:fillRef>
+          <a:effectRef idx="0">
+            <a:schemeClr val="accent1"/>
+          </a:effectRef>
+          <a:fontRef idx="minor">
+            <a:schemeClr val="tx1"/>
+          </a:fontRef>
+        </p:style>
+      </p:cxnSp>
+      <p:cxnSp>
+        <p:nvCxnSpPr>
+          <p:cNvPr id="26" name="直线箭头连接符 25"/>
+          <p:cNvCxnSpPr>
+            <a:stCxn id="18" idx="6"/>
+          </p:cNvCxnSpPr>
+          <p:nvPr/>
+        </p:nvCxnSpPr>
+        <p:spPr>
+          <a:xfrm>
+            <a:off x="1077849" y="2097611"/>
+            <a:ext cx="576250" cy="210618"/>
+          </a:xfrm>
+          <a:prstGeom prst="straightConnector1">
+            <a:avLst/>
+          </a:prstGeom>
+          <a:ln>
+            <a:tailEnd type="triangle"/>
+          </a:ln>
+        </p:spPr>
+        <p:style>
+          <a:lnRef idx="1">
+            <a:schemeClr val="accent1"/>
+          </a:lnRef>
+          <a:fillRef idx="0">
+            <a:schemeClr val="accent1"/>
+          </a:fillRef>
+          <a:effectRef idx="0">
+            <a:schemeClr val="accent1"/>
+          </a:effectRef>
+          <a:fontRef idx="minor">
+            <a:schemeClr val="tx1"/>
+          </a:fontRef>
+        </p:style>
+      </p:cxnSp>
+      <p:cxnSp>
+        <p:nvCxnSpPr>
+          <p:cNvPr id="27" name="直线箭头连接符 26"/>
+          <p:cNvCxnSpPr>
+            <a:endCxn id="26" idx="2"/>
+          </p:cNvCxnSpPr>
+          <p:nvPr/>
+        </p:nvCxnSpPr>
+        <p:spPr>
+          <a:xfrm>
+            <a:off x="939868" y="2133080"/>
+            <a:ext cx="650704" cy="673431"/>
+          </a:xfrm>
+          <a:prstGeom prst="straightConnector1">
+            <a:avLst/>
+          </a:prstGeom>
+          <a:ln>
+            <a:tailEnd type="triangle"/>
+          </a:ln>
+        </p:spPr>
+        <p:style>
+          <a:lnRef idx="1">
+            <a:schemeClr val="accent1"/>
+          </a:lnRef>
+          <a:fillRef idx="0">
+            <a:schemeClr val="accent1"/>
+          </a:fillRef>
+          <a:effectRef idx="0">
+            <a:schemeClr val="accent1"/>
+          </a:effectRef>
+          <a:fontRef idx="minor">
+            <a:schemeClr val="tx1"/>
+          </a:fontRef>
+        </p:style>
+      </p:cxnSp>
+      <p:cxnSp>
+        <p:nvCxnSpPr>
+          <p:cNvPr id="28" name="直线箭头连接符 27"/>
+          <p:cNvCxnSpPr>
+            <a:endCxn id="27" idx="2"/>
+          </p:cNvCxnSpPr>
+          <p:nvPr/>
+        </p:nvCxnSpPr>
+        <p:spPr>
+          <a:xfrm>
+            <a:off x="939868" y="2097610"/>
+            <a:ext cx="650704" cy="1208984"/>
+          </a:xfrm>
+          <a:prstGeom prst="straightConnector1">
+            <a:avLst/>
+          </a:prstGeom>
+          <a:ln>
+            <a:tailEnd type="triangle"/>
+          </a:ln>
+        </p:spPr>
+        <p:style>
+          <a:lnRef idx="1">
+            <a:schemeClr val="accent1"/>
+          </a:lnRef>
+          <a:fillRef idx="0">
+            <a:schemeClr val="accent1"/>
+          </a:fillRef>
+          <a:effectRef idx="0">
+            <a:schemeClr val="accent1"/>
+          </a:effectRef>
+          <a:fontRef idx="minor">
+            <a:schemeClr val="tx1"/>
+          </a:fontRef>
+        </p:style>
+      </p:cxnSp>
+      <p:cxnSp>
+        <p:nvCxnSpPr>
+          <p:cNvPr id="29" name="直线箭头连接符 28"/>
+          <p:cNvCxnSpPr>
+            <a:endCxn id="23" idx="2"/>
+          </p:cNvCxnSpPr>
+          <p:nvPr/>
+        </p:nvCxnSpPr>
+        <p:spPr>
+          <a:xfrm flipV="1">
+            <a:off x="939868" y="1789070"/>
+            <a:ext cx="650704" cy="708899"/>
+          </a:xfrm>
+          <a:prstGeom prst="straightConnector1">
+            <a:avLst/>
+          </a:prstGeom>
+          <a:ln>
+            <a:tailEnd type="triangle"/>
+          </a:ln>
+        </p:spPr>
+        <p:style>
+          <a:lnRef idx="1">
+            <a:schemeClr val="accent1"/>
+          </a:lnRef>
+          <a:fillRef idx="0">
+            <a:schemeClr val="accent1"/>
+          </a:fillRef>
+          <a:effectRef idx="0">
+            <a:schemeClr val="accent1"/>
+          </a:effectRef>
+          <a:fontRef idx="minor">
+            <a:schemeClr val="tx1"/>
+          </a:fontRef>
+        </p:style>
+      </p:cxnSp>
+      <p:cxnSp>
+        <p:nvCxnSpPr>
+          <p:cNvPr id="30" name="直线箭头连接符 29"/>
+          <p:cNvCxnSpPr>
+            <a:stCxn id="21" idx="6"/>
+            <a:endCxn id="25" idx="2"/>
+          </p:cNvCxnSpPr>
+          <p:nvPr/>
+        </p:nvCxnSpPr>
+        <p:spPr>
+          <a:xfrm flipV="1">
+            <a:off x="1077849" y="2298138"/>
+            <a:ext cx="512723" cy="199832"/>
+          </a:xfrm>
+          <a:prstGeom prst="straightConnector1">
+            <a:avLst/>
+          </a:prstGeom>
+          <a:ln>
+            <a:tailEnd type="triangle"/>
+          </a:ln>
+        </p:spPr>
+        <p:style>
+          <a:lnRef idx="1">
+            <a:schemeClr val="accent1"/>
+          </a:lnRef>
+          <a:fillRef idx="0">
+            <a:schemeClr val="accent1"/>
+          </a:fillRef>
+          <a:effectRef idx="0">
+            <a:schemeClr val="accent1"/>
+          </a:effectRef>
+          <a:fontRef idx="minor">
+            <a:schemeClr val="tx1"/>
+          </a:fontRef>
+        </p:style>
+      </p:cxnSp>
+      <p:cxnSp>
+        <p:nvCxnSpPr>
+          <p:cNvPr id="31" name="直线箭头连接符 30"/>
+          <p:cNvCxnSpPr>
+            <a:stCxn id="21" idx="6"/>
+            <a:endCxn id="26" idx="2"/>
+          </p:cNvCxnSpPr>
+          <p:nvPr/>
+        </p:nvCxnSpPr>
+        <p:spPr>
+          <a:xfrm>
+            <a:off x="1077849" y="2497970"/>
+            <a:ext cx="512723" cy="308541"/>
+          </a:xfrm>
+          <a:prstGeom prst="straightConnector1">
+            <a:avLst/>
+          </a:prstGeom>
+          <a:ln>
+            <a:tailEnd type="triangle"/>
+          </a:ln>
+        </p:spPr>
+        <p:style>
+          <a:lnRef idx="1">
+            <a:schemeClr val="accent1"/>
+          </a:lnRef>
+          <a:fillRef idx="0">
+            <a:schemeClr val="accent1"/>
+          </a:fillRef>
+          <a:effectRef idx="0">
+            <a:schemeClr val="accent1"/>
+          </a:effectRef>
+          <a:fontRef idx="minor">
+            <a:schemeClr val="tx1"/>
+          </a:fontRef>
+        </p:style>
+      </p:cxnSp>
+      <p:cxnSp>
+        <p:nvCxnSpPr>
+          <p:cNvPr id="32" name="直线箭头连接符 31"/>
+          <p:cNvCxnSpPr>
+            <a:stCxn id="21" idx="6"/>
+            <a:endCxn id="27" idx="2"/>
+          </p:cNvCxnSpPr>
+          <p:nvPr/>
+        </p:nvCxnSpPr>
+        <p:spPr>
+          <a:xfrm>
+            <a:off x="1077849" y="2497970"/>
+            <a:ext cx="512723" cy="808624"/>
+          </a:xfrm>
+          <a:prstGeom prst="straightConnector1">
+            <a:avLst/>
+          </a:prstGeom>
+          <a:ln>
+            <a:tailEnd type="triangle"/>
+          </a:ln>
+        </p:spPr>
+        <p:style>
+          <a:lnRef idx="1">
+            <a:schemeClr val="accent1"/>
+          </a:lnRef>
+          <a:fillRef idx="0">
+            <a:schemeClr val="accent1"/>
+          </a:fillRef>
+          <a:effectRef idx="0">
+            <a:schemeClr val="accent1"/>
+          </a:effectRef>
+          <a:fontRef idx="minor">
+            <a:schemeClr val="tx1"/>
+          </a:fontRef>
+        </p:style>
+      </p:cxnSp>
+      <p:cxnSp>
+        <p:nvCxnSpPr>
+          <p:cNvPr id="33" name="直线箭头连接符 32"/>
+          <p:cNvCxnSpPr>
+            <a:stCxn id="22" idx="6"/>
+            <a:endCxn id="23" idx="2"/>
+          </p:cNvCxnSpPr>
+          <p:nvPr/>
+        </p:nvCxnSpPr>
+        <p:spPr>
+          <a:xfrm flipV="1">
+            <a:off x="1077849" y="1789070"/>
+            <a:ext cx="512723" cy="1150323"/>
+          </a:xfrm>
+          <a:prstGeom prst="straightConnector1">
+            <a:avLst/>
+          </a:prstGeom>
+          <a:ln>
+            <a:tailEnd type="triangle"/>
+          </a:ln>
+        </p:spPr>
+        <p:style>
+          <a:lnRef idx="1">
+            <a:schemeClr val="accent1"/>
+          </a:lnRef>
+          <a:fillRef idx="0">
+            <a:schemeClr val="accent1"/>
+          </a:fillRef>
+          <a:effectRef idx="0">
+            <a:schemeClr val="accent1"/>
+          </a:effectRef>
+          <a:fontRef idx="minor">
+            <a:schemeClr val="tx1"/>
+          </a:fontRef>
+        </p:style>
+      </p:cxnSp>
+      <p:cxnSp>
+        <p:nvCxnSpPr>
+          <p:cNvPr id="34" name="直线箭头连接符 33"/>
+          <p:cNvCxnSpPr>
+            <a:stCxn id="22" idx="6"/>
+            <a:endCxn id="25" idx="2"/>
+          </p:cNvCxnSpPr>
+          <p:nvPr/>
+        </p:nvCxnSpPr>
+        <p:spPr>
+          <a:xfrm flipV="1">
+            <a:off x="1077849" y="2298138"/>
+            <a:ext cx="512723" cy="641255"/>
+          </a:xfrm>
+          <a:prstGeom prst="straightConnector1">
+            <a:avLst/>
+          </a:prstGeom>
+          <a:ln>
+            <a:tailEnd type="triangle"/>
+          </a:ln>
+        </p:spPr>
+        <p:style>
+          <a:lnRef idx="1">
+            <a:schemeClr val="accent1"/>
+          </a:lnRef>
+          <a:fillRef idx="0">
+            <a:schemeClr val="accent1"/>
+          </a:fillRef>
+          <a:effectRef idx="0">
+            <a:schemeClr val="accent1"/>
+          </a:effectRef>
+          <a:fontRef idx="minor">
+            <a:schemeClr val="tx1"/>
+          </a:fontRef>
+        </p:style>
+      </p:cxnSp>
+      <p:cxnSp>
+        <p:nvCxnSpPr>
+          <p:cNvPr id="35" name="直线箭头连接符 34"/>
+          <p:cNvCxnSpPr>
+            <a:stCxn id="22" idx="6"/>
+            <a:endCxn id="26" idx="2"/>
+          </p:cNvCxnSpPr>
+          <p:nvPr/>
+        </p:nvCxnSpPr>
+        <p:spPr>
+          <a:xfrm flipV="1">
+            <a:off x="1077849" y="2806511"/>
+            <a:ext cx="512723" cy="132882"/>
+          </a:xfrm>
+          <a:prstGeom prst="straightConnector1">
+            <a:avLst/>
+          </a:prstGeom>
+          <a:ln>
+            <a:tailEnd type="triangle"/>
+          </a:ln>
+        </p:spPr>
+        <p:style>
+          <a:lnRef idx="1">
+            <a:schemeClr val="accent1"/>
+          </a:lnRef>
+          <a:fillRef idx="0">
+            <a:schemeClr val="accent1"/>
+          </a:fillRef>
+          <a:effectRef idx="0">
+            <a:schemeClr val="accent1"/>
+          </a:effectRef>
+          <a:fontRef idx="minor">
+            <a:schemeClr val="tx1"/>
+          </a:fontRef>
+        </p:style>
+      </p:cxnSp>
+      <p:cxnSp>
+        <p:nvCxnSpPr>
+          <p:cNvPr id="36" name="直线箭头连接符 35"/>
+          <p:cNvCxnSpPr>
+            <a:stCxn id="22" idx="6"/>
+            <a:endCxn id="27" idx="2"/>
+          </p:cNvCxnSpPr>
+          <p:nvPr/>
+        </p:nvCxnSpPr>
+        <p:spPr>
+          <a:xfrm>
+            <a:off x="1077849" y="2939393"/>
+            <a:ext cx="512723" cy="367201"/>
+          </a:xfrm>
+          <a:prstGeom prst="straightConnector1">
+            <a:avLst/>
+          </a:prstGeom>
+          <a:ln>
+            <a:tailEnd type="triangle"/>
+          </a:ln>
+        </p:spPr>
+        <p:style>
+          <a:lnRef idx="1">
+            <a:schemeClr val="accent1"/>
+          </a:lnRef>
+          <a:fillRef idx="0">
+            <a:schemeClr val="accent1"/>
+          </a:fillRef>
+          <a:effectRef idx="0">
+            <a:schemeClr val="accent1"/>
+          </a:effectRef>
+          <a:fontRef idx="minor">
+            <a:schemeClr val="tx1"/>
+          </a:fontRef>
+        </p:style>
+      </p:cxnSp>
+      <p:cxnSp>
+        <p:nvCxnSpPr>
+          <p:cNvPr id="37" name="直线箭头连接符 36"/>
+          <p:cNvCxnSpPr>
+            <a:endCxn id="28" idx="2"/>
+          </p:cNvCxnSpPr>
+          <p:nvPr/>
+        </p:nvCxnSpPr>
+        <p:spPr>
+          <a:xfrm>
+            <a:off x="1866534" y="1774596"/>
+            <a:ext cx="374742" cy="10092"/>
+          </a:xfrm>
+          <a:prstGeom prst="straightConnector1">
+            <a:avLst/>
+          </a:prstGeom>
+          <a:ln>
+            <a:tailEnd type="triangle"/>
+          </a:ln>
+        </p:spPr>
+        <p:style>
+          <a:lnRef idx="1">
+            <a:schemeClr val="accent1"/>
+          </a:lnRef>
+          <a:fillRef idx="0">
+            <a:schemeClr val="accent1"/>
+          </a:fillRef>
+          <a:effectRef idx="0">
+            <a:schemeClr val="accent1"/>
+          </a:effectRef>
+          <a:fontRef idx="minor">
+            <a:schemeClr val="tx1"/>
+          </a:fontRef>
+        </p:style>
+      </p:cxnSp>
+      <p:cxnSp>
+        <p:nvCxnSpPr>
+          <p:cNvPr id="38" name="直线箭头连接符 37"/>
+          <p:cNvCxnSpPr>
+            <a:stCxn id="23" idx="6"/>
+            <a:endCxn id="29" idx="2"/>
+          </p:cNvCxnSpPr>
+          <p:nvPr/>
+        </p:nvCxnSpPr>
+        <p:spPr>
+          <a:xfrm>
+            <a:off x="1866534" y="1789070"/>
+            <a:ext cx="374742" cy="510518"/>
+          </a:xfrm>
+          <a:prstGeom prst="straightConnector1">
+            <a:avLst/>
+          </a:prstGeom>
+          <a:ln>
+            <a:tailEnd type="triangle"/>
+          </a:ln>
+        </p:spPr>
+        <p:style>
+          <a:lnRef idx="1">
+            <a:schemeClr val="accent1"/>
+          </a:lnRef>
+          <a:fillRef idx="0">
+            <a:schemeClr val="accent1"/>
+          </a:fillRef>
+          <a:effectRef idx="0">
+            <a:schemeClr val="accent1"/>
+          </a:effectRef>
+          <a:fontRef idx="minor">
+            <a:schemeClr val="tx1"/>
+          </a:fontRef>
+        </p:style>
+      </p:cxnSp>
+      <p:cxnSp>
+        <p:nvCxnSpPr>
+          <p:cNvPr id="39" name="直线箭头连接符 38"/>
+          <p:cNvCxnSpPr>
+            <a:stCxn id="23" idx="6"/>
+            <a:endCxn id="30" idx="2"/>
+          </p:cNvCxnSpPr>
+          <p:nvPr/>
+        </p:nvCxnSpPr>
+        <p:spPr>
+          <a:xfrm>
+            <a:off x="1866534" y="1789070"/>
+            <a:ext cx="374742" cy="1017441"/>
+          </a:xfrm>
+          <a:prstGeom prst="straightConnector1">
+            <a:avLst/>
+          </a:prstGeom>
+          <a:ln>
+            <a:tailEnd type="triangle"/>
+          </a:ln>
+        </p:spPr>
+        <p:style>
+          <a:lnRef idx="1">
+            <a:schemeClr val="accent1"/>
+          </a:lnRef>
+          <a:fillRef idx="0">
+            <a:schemeClr val="accent1"/>
+          </a:fillRef>
+          <a:effectRef idx="0">
+            <a:schemeClr val="accent1"/>
+          </a:effectRef>
+          <a:fontRef idx="minor">
+            <a:schemeClr val="tx1"/>
+          </a:fontRef>
+        </p:style>
+      </p:cxnSp>
+      <p:cxnSp>
+        <p:nvCxnSpPr>
+          <p:cNvPr id="40" name="直线箭头连接符 39"/>
+          <p:cNvCxnSpPr>
+            <a:stCxn id="23" idx="6"/>
+            <a:endCxn id="31" idx="2"/>
+          </p:cNvCxnSpPr>
+          <p:nvPr/>
+        </p:nvCxnSpPr>
+        <p:spPr>
+          <a:xfrm>
+            <a:off x="1866534" y="1789070"/>
+            <a:ext cx="374742" cy="1520202"/>
+          </a:xfrm>
+          <a:prstGeom prst="straightConnector1">
+            <a:avLst/>
+          </a:prstGeom>
+          <a:ln>
+            <a:tailEnd type="triangle"/>
+          </a:ln>
+        </p:spPr>
+        <p:style>
+          <a:lnRef idx="1">
+            <a:schemeClr val="accent1"/>
+          </a:lnRef>
+          <a:fillRef idx="0">
+            <a:schemeClr val="accent1"/>
+          </a:fillRef>
+          <a:effectRef idx="0">
+            <a:schemeClr val="accent1"/>
+          </a:effectRef>
+          <a:fontRef idx="minor">
+            <a:schemeClr val="tx1"/>
+          </a:fontRef>
+        </p:style>
+      </p:cxnSp>
+      <p:cxnSp>
+        <p:nvCxnSpPr>
+          <p:cNvPr id="41" name="直线箭头连接符 40"/>
+          <p:cNvCxnSpPr>
+            <a:stCxn id="25" idx="6"/>
+            <a:endCxn id="28" idx="2"/>
+          </p:cNvCxnSpPr>
+          <p:nvPr/>
+        </p:nvCxnSpPr>
+        <p:spPr>
+          <a:xfrm flipV="1">
+            <a:off x="1866534" y="1784688"/>
+            <a:ext cx="374742" cy="513450"/>
+          </a:xfrm>
+          <a:prstGeom prst="straightConnector1">
+            <a:avLst/>
+          </a:prstGeom>
+          <a:ln>
+            <a:tailEnd type="triangle"/>
+          </a:ln>
+        </p:spPr>
+        <p:style>
+          <a:lnRef idx="1">
+            <a:schemeClr val="accent1"/>
+          </a:lnRef>
+          <a:fillRef idx="0">
+            <a:schemeClr val="accent1"/>
+          </a:fillRef>
+          <a:effectRef idx="0">
+            <a:schemeClr val="accent1"/>
+          </a:effectRef>
+          <a:fontRef idx="minor">
+            <a:schemeClr val="tx1"/>
+          </a:fontRef>
+        </p:style>
+      </p:cxnSp>
+      <p:cxnSp>
+        <p:nvCxnSpPr>
+          <p:cNvPr id="42" name="直线箭头连接符 41"/>
+          <p:cNvCxnSpPr>
+            <a:stCxn id="25" idx="6"/>
+            <a:endCxn id="29" idx="2"/>
+          </p:cNvCxnSpPr>
+          <p:nvPr/>
+        </p:nvCxnSpPr>
+        <p:spPr>
+          <a:xfrm>
+            <a:off x="1866534" y="2298138"/>
+            <a:ext cx="374742" cy="1450"/>
+          </a:xfrm>
+          <a:prstGeom prst="straightConnector1">
+            <a:avLst/>
+          </a:prstGeom>
+          <a:ln>
+            <a:tailEnd type="triangle"/>
+          </a:ln>
+        </p:spPr>
+        <p:style>
+          <a:lnRef idx="1">
+            <a:schemeClr val="accent1"/>
+          </a:lnRef>
+          <a:fillRef idx="0">
+            <a:schemeClr val="accent1"/>
+          </a:fillRef>
+          <a:effectRef idx="0">
+            <a:schemeClr val="accent1"/>
+          </a:effectRef>
+          <a:fontRef idx="minor">
+            <a:schemeClr val="tx1"/>
+          </a:fontRef>
+        </p:style>
+      </p:cxnSp>
+      <p:cxnSp>
+        <p:nvCxnSpPr>
+          <p:cNvPr id="43" name="直线箭头连接符 42"/>
+          <p:cNvCxnSpPr>
+            <a:stCxn id="25" idx="6"/>
+            <a:endCxn id="30" idx="2"/>
+          </p:cNvCxnSpPr>
+          <p:nvPr/>
+        </p:nvCxnSpPr>
+        <p:spPr>
+          <a:xfrm>
+            <a:off x="1866534" y="2298138"/>
+            <a:ext cx="374742" cy="508373"/>
+          </a:xfrm>
+          <a:prstGeom prst="straightConnector1">
+            <a:avLst/>
+          </a:prstGeom>
+          <a:ln>
+            <a:tailEnd type="triangle"/>
+          </a:ln>
+        </p:spPr>
+        <p:style>
+          <a:lnRef idx="1">
+            <a:schemeClr val="accent1"/>
+          </a:lnRef>
+          <a:fillRef idx="0">
+            <a:schemeClr val="accent1"/>
+          </a:fillRef>
+          <a:effectRef idx="0">
+            <a:schemeClr val="accent1"/>
+          </a:effectRef>
+          <a:fontRef idx="minor">
+            <a:schemeClr val="tx1"/>
+          </a:fontRef>
+        </p:style>
+      </p:cxnSp>
+      <p:cxnSp>
+        <p:nvCxnSpPr>
+          <p:cNvPr id="44" name="直线箭头连接符 43"/>
+          <p:cNvCxnSpPr>
+            <a:stCxn id="25" idx="6"/>
+            <a:endCxn id="31" idx="2"/>
+          </p:cNvCxnSpPr>
+          <p:nvPr/>
+        </p:nvCxnSpPr>
+        <p:spPr>
+          <a:xfrm>
+            <a:off x="1866534" y="2298138"/>
+            <a:ext cx="374742" cy="1011134"/>
+          </a:xfrm>
+          <a:prstGeom prst="straightConnector1">
+            <a:avLst/>
+          </a:prstGeom>
+          <a:ln>
+            <a:tailEnd type="triangle"/>
+          </a:ln>
+        </p:spPr>
+        <p:style>
+          <a:lnRef idx="1">
+            <a:schemeClr val="accent1"/>
+          </a:lnRef>
+          <a:fillRef idx="0">
+            <a:schemeClr val="accent1"/>
+          </a:fillRef>
+          <a:effectRef idx="0">
+            <a:schemeClr val="accent1"/>
+          </a:effectRef>
+          <a:fontRef idx="minor">
+            <a:schemeClr val="tx1"/>
+          </a:fontRef>
+        </p:style>
+      </p:cxnSp>
+      <p:cxnSp>
+        <p:nvCxnSpPr>
+          <p:cNvPr id="45" name="直线箭头连接符 44"/>
+          <p:cNvCxnSpPr>
+            <a:stCxn id="26" idx="6"/>
+            <a:endCxn id="28" idx="2"/>
+          </p:cNvCxnSpPr>
+          <p:nvPr/>
+        </p:nvCxnSpPr>
+        <p:spPr>
+          <a:xfrm flipV="1">
+            <a:off x="1866534" y="1784688"/>
+            <a:ext cx="374742" cy="1021823"/>
+          </a:xfrm>
+          <a:prstGeom prst="straightConnector1">
+            <a:avLst/>
+          </a:prstGeom>
+          <a:ln>
+            <a:tailEnd type="triangle"/>
+          </a:ln>
+        </p:spPr>
+        <p:style>
+          <a:lnRef idx="1">
+            <a:schemeClr val="accent1"/>
+          </a:lnRef>
+          <a:fillRef idx="0">
+            <a:schemeClr val="accent1"/>
+          </a:fillRef>
+          <a:effectRef idx="0">
+            <a:schemeClr val="accent1"/>
+          </a:effectRef>
+          <a:fontRef idx="minor">
+            <a:schemeClr val="tx1"/>
+          </a:fontRef>
+        </p:style>
+      </p:cxnSp>
+      <p:cxnSp>
+        <p:nvCxnSpPr>
+          <p:cNvPr id="46" name="直线箭头连接符 45"/>
+          <p:cNvCxnSpPr>
+            <a:stCxn id="26" idx="6"/>
+            <a:endCxn id="29" idx="2"/>
+          </p:cNvCxnSpPr>
+          <p:nvPr/>
+        </p:nvCxnSpPr>
+        <p:spPr>
+          <a:xfrm flipV="1">
+            <a:off x="1866534" y="2299588"/>
+            <a:ext cx="374742" cy="506923"/>
+          </a:xfrm>
+          <a:prstGeom prst="straightConnector1">
+            <a:avLst/>
+          </a:prstGeom>
+          <a:ln>
+            <a:tailEnd type="triangle"/>
+          </a:ln>
+        </p:spPr>
+        <p:style>
+          <a:lnRef idx="1">
+            <a:schemeClr val="accent1"/>
+          </a:lnRef>
+          <a:fillRef idx="0">
+            <a:schemeClr val="accent1"/>
+          </a:fillRef>
+          <a:effectRef idx="0">
+            <a:schemeClr val="accent1"/>
+          </a:effectRef>
+          <a:fontRef idx="minor">
+            <a:schemeClr val="tx1"/>
+          </a:fontRef>
+        </p:style>
+      </p:cxnSp>
+      <p:cxnSp>
+        <p:nvCxnSpPr>
+          <p:cNvPr id="47" name="直线箭头连接符 46"/>
+          <p:cNvCxnSpPr>
+            <a:stCxn id="26" idx="6"/>
+            <a:endCxn id="30" idx="2"/>
+          </p:cNvCxnSpPr>
+          <p:nvPr/>
+        </p:nvCxnSpPr>
+        <p:spPr>
+          <a:xfrm>
+            <a:off x="1866534" y="2806511"/>
+            <a:ext cx="374742" cy="0"/>
+          </a:xfrm>
+          <a:prstGeom prst="straightConnector1">
+            <a:avLst/>
+          </a:prstGeom>
+          <a:ln>
+            <a:tailEnd type="triangle"/>
+          </a:ln>
+        </p:spPr>
+        <p:style>
+          <a:lnRef idx="1">
+            <a:schemeClr val="accent1"/>
+          </a:lnRef>
+          <a:fillRef idx="0">
+            <a:schemeClr val="accent1"/>
+          </a:fillRef>
+          <a:effectRef idx="0">
+            <a:schemeClr val="accent1"/>
+          </a:effectRef>
+          <a:fontRef idx="minor">
+            <a:schemeClr val="tx1"/>
+          </a:fontRef>
+        </p:style>
+      </p:cxnSp>
+      <p:cxnSp>
+        <p:nvCxnSpPr>
+          <p:cNvPr id="48" name="直线箭头连接符 47"/>
+          <p:cNvCxnSpPr>
+            <a:stCxn id="27" idx="6"/>
+            <a:endCxn id="30" idx="2"/>
+          </p:cNvCxnSpPr>
+          <p:nvPr/>
+        </p:nvCxnSpPr>
+        <p:spPr>
+          <a:xfrm flipV="1">
+            <a:off x="1866534" y="2806511"/>
+            <a:ext cx="374742" cy="500083"/>
+          </a:xfrm>
+          <a:prstGeom prst="straightConnector1">
+            <a:avLst/>
+          </a:prstGeom>
+          <a:ln>
+            <a:tailEnd type="triangle"/>
+          </a:ln>
+        </p:spPr>
+        <p:style>
+          <a:lnRef idx="1">
+            <a:schemeClr val="accent1"/>
+          </a:lnRef>
+          <a:fillRef idx="0">
+            <a:schemeClr val="accent1"/>
+          </a:fillRef>
+          <a:effectRef idx="0">
+            <a:schemeClr val="accent1"/>
+          </a:effectRef>
+          <a:fontRef idx="minor">
+            <a:schemeClr val="tx1"/>
+          </a:fontRef>
+        </p:style>
+      </p:cxnSp>
+      <p:cxnSp>
+        <p:nvCxnSpPr>
+          <p:cNvPr id="49" name="直线箭头连接符 48"/>
+          <p:cNvCxnSpPr>
+            <a:stCxn id="27" idx="6"/>
+            <a:endCxn id="31" idx="2"/>
+          </p:cNvCxnSpPr>
+          <p:nvPr/>
+        </p:nvCxnSpPr>
+        <p:spPr>
+          <a:xfrm>
+            <a:off x="1866534" y="3306594"/>
+            <a:ext cx="374742" cy="2678"/>
+          </a:xfrm>
+          <a:prstGeom prst="straightConnector1">
+            <a:avLst/>
+          </a:prstGeom>
+          <a:ln>
+            <a:tailEnd type="triangle"/>
+          </a:ln>
+        </p:spPr>
+        <p:style>
+          <a:lnRef idx="1">
+            <a:schemeClr val="accent1"/>
+          </a:lnRef>
+          <a:fillRef idx="0">
+            <a:schemeClr val="accent1"/>
+          </a:fillRef>
+          <a:effectRef idx="0">
+            <a:schemeClr val="accent1"/>
+          </a:effectRef>
+          <a:fontRef idx="minor">
+            <a:schemeClr val="tx1"/>
+          </a:fontRef>
+        </p:style>
+      </p:cxnSp>
+      <p:cxnSp>
+        <p:nvCxnSpPr>
+          <p:cNvPr id="50" name="直线箭头连接符 49"/>
+          <p:cNvCxnSpPr>
+            <a:stCxn id="27" idx="6"/>
+            <a:endCxn id="29" idx="2"/>
+          </p:cNvCxnSpPr>
+          <p:nvPr/>
+        </p:nvCxnSpPr>
+        <p:spPr>
+          <a:xfrm flipV="1">
+            <a:off x="1866534" y="2299588"/>
+            <a:ext cx="374742" cy="1007006"/>
+          </a:xfrm>
+          <a:prstGeom prst="straightConnector1">
+            <a:avLst/>
+          </a:prstGeom>
+          <a:ln>
+            <a:tailEnd type="triangle"/>
+          </a:ln>
+        </p:spPr>
+        <p:style>
+          <a:lnRef idx="1">
+            <a:schemeClr val="accent1"/>
+          </a:lnRef>
+          <a:fillRef idx="0">
+            <a:schemeClr val="accent1"/>
+          </a:fillRef>
+          <a:effectRef idx="0">
+            <a:schemeClr val="accent1"/>
+          </a:effectRef>
+          <a:fontRef idx="minor">
+            <a:schemeClr val="tx1"/>
+          </a:fontRef>
+        </p:style>
+      </p:cxnSp>
+      <p:cxnSp>
+        <p:nvCxnSpPr>
+          <p:cNvPr id="52" name="直线箭头连接符 51"/>
+          <p:cNvCxnSpPr>
+            <a:stCxn id="27" idx="6"/>
+            <a:endCxn id="28" idx="2"/>
+          </p:cNvCxnSpPr>
+          <p:nvPr/>
+        </p:nvCxnSpPr>
+        <p:spPr>
+          <a:xfrm flipV="1">
+            <a:off x="1866534" y="1784688"/>
+            <a:ext cx="374742" cy="1521906"/>
+          </a:xfrm>
+          <a:prstGeom prst="straightConnector1">
+            <a:avLst/>
+          </a:prstGeom>
+          <a:ln>
+            <a:tailEnd type="triangle"/>
+          </a:ln>
+        </p:spPr>
+        <p:style>
+          <a:lnRef idx="1">
+            <a:schemeClr val="accent1"/>
+          </a:lnRef>
+          <a:fillRef idx="0">
+            <a:schemeClr val="accent1"/>
+          </a:fillRef>
+          <a:effectRef idx="0">
+            <a:schemeClr val="accent1"/>
+          </a:effectRef>
+          <a:fontRef idx="minor">
+            <a:schemeClr val="tx1"/>
+          </a:fontRef>
+        </p:style>
+      </p:cxnSp>
+      <p:cxnSp>
+        <p:nvCxnSpPr>
+          <p:cNvPr id="53" name="直线箭头连接符 52"/>
+          <p:cNvCxnSpPr>
+            <a:stCxn id="26" idx="6"/>
+            <a:endCxn id="31" idx="2"/>
+          </p:cNvCxnSpPr>
+          <p:nvPr/>
+        </p:nvCxnSpPr>
+        <p:spPr>
+          <a:xfrm>
+            <a:off x="1866534" y="2806511"/>
+            <a:ext cx="374742" cy="502761"/>
+          </a:xfrm>
+          <a:prstGeom prst="straightConnector1">
+            <a:avLst/>
+          </a:prstGeom>
+          <a:ln>
+            <a:tailEnd type="triangle"/>
+          </a:ln>
+        </p:spPr>
+        <p:style>
+          <a:lnRef idx="1">
+            <a:schemeClr val="accent1"/>
+          </a:lnRef>
+          <a:fillRef idx="0">
+            <a:schemeClr val="accent1"/>
+          </a:fillRef>
+          <a:effectRef idx="0">
+            <a:schemeClr val="accent1"/>
+          </a:effectRef>
+          <a:fontRef idx="minor">
+            <a:schemeClr val="tx1"/>
+          </a:fontRef>
+        </p:style>
+      </p:cxnSp>
+      <p:cxnSp>
+        <p:nvCxnSpPr>
+          <p:cNvPr id="54" name="直线箭头连接符 53"/>
+          <p:cNvCxnSpPr>
+            <a:stCxn id="28" idx="6"/>
+            <a:endCxn id="32" idx="2"/>
+          </p:cNvCxnSpPr>
+          <p:nvPr/>
+        </p:nvCxnSpPr>
+        <p:spPr>
+          <a:xfrm>
+            <a:off x="2517238" y="1784688"/>
+            <a:ext cx="534493" cy="741008"/>
+          </a:xfrm>
+          <a:prstGeom prst="straightConnector1">
+            <a:avLst/>
+          </a:prstGeom>
+          <a:ln>
+            <a:tailEnd type="triangle"/>
+          </a:ln>
+        </p:spPr>
+        <p:style>
+          <a:lnRef idx="1">
+            <a:schemeClr val="accent1"/>
+          </a:lnRef>
+          <a:fillRef idx="0">
+            <a:schemeClr val="accent1"/>
+          </a:fillRef>
+          <a:effectRef idx="0">
+            <a:schemeClr val="accent1"/>
+          </a:effectRef>
+          <a:fontRef idx="minor">
+            <a:schemeClr val="tx1"/>
+          </a:fontRef>
+        </p:style>
+      </p:cxnSp>
+      <p:cxnSp>
+        <p:nvCxnSpPr>
+          <p:cNvPr id="56" name="直线箭头连接符 55"/>
+          <p:cNvCxnSpPr>
+            <a:stCxn id="29" idx="6"/>
+            <a:endCxn id="32" idx="2"/>
+          </p:cNvCxnSpPr>
+          <p:nvPr/>
+        </p:nvCxnSpPr>
+        <p:spPr>
+          <a:xfrm>
+            <a:off x="2517238" y="2299588"/>
+            <a:ext cx="534493" cy="226108"/>
+          </a:xfrm>
+          <a:prstGeom prst="straightConnector1">
+            <a:avLst/>
+          </a:prstGeom>
+          <a:ln>
+            <a:tailEnd type="triangle"/>
+          </a:ln>
+        </p:spPr>
+        <p:style>
+          <a:lnRef idx="1">
+            <a:schemeClr val="accent1"/>
+          </a:lnRef>
+          <a:fillRef idx="0">
+            <a:schemeClr val="accent1"/>
+          </a:fillRef>
+          <a:effectRef idx="0">
+            <a:schemeClr val="accent1"/>
+          </a:effectRef>
+          <a:fontRef idx="minor">
+            <a:schemeClr val="tx1"/>
+          </a:fontRef>
+        </p:style>
+      </p:cxnSp>
+      <p:cxnSp>
+        <p:nvCxnSpPr>
+          <p:cNvPr id="57" name="直线箭头连接符 56"/>
+          <p:cNvCxnSpPr>
+            <a:stCxn id="30" idx="6"/>
+            <a:endCxn id="32" idx="2"/>
+          </p:cNvCxnSpPr>
+          <p:nvPr/>
+        </p:nvCxnSpPr>
+        <p:spPr>
+          <a:xfrm flipV="1">
+            <a:off x="2517238" y="2525696"/>
+            <a:ext cx="534493" cy="280815"/>
+          </a:xfrm>
+          <a:prstGeom prst="straightConnector1">
+            <a:avLst/>
+          </a:prstGeom>
+          <a:ln>
+            <a:tailEnd type="triangle"/>
+          </a:ln>
+        </p:spPr>
+        <p:style>
+          <a:lnRef idx="1">
+            <a:schemeClr val="accent1"/>
+          </a:lnRef>
+          <a:fillRef idx="0">
+            <a:schemeClr val="accent1"/>
+          </a:fillRef>
+          <a:effectRef idx="0">
+            <a:schemeClr val="accent1"/>
+          </a:effectRef>
+          <a:fontRef idx="minor">
+            <a:schemeClr val="tx1"/>
+          </a:fontRef>
+        </p:style>
+      </p:cxnSp>
+      <p:cxnSp>
+        <p:nvCxnSpPr>
+          <p:cNvPr id="58" name="直线箭头连接符 57"/>
+          <p:cNvCxnSpPr>
+            <a:stCxn id="31" idx="6"/>
+            <a:endCxn id="32" idx="2"/>
+          </p:cNvCxnSpPr>
+          <p:nvPr/>
+        </p:nvCxnSpPr>
+        <p:spPr>
+          <a:xfrm flipV="1">
+            <a:off x="2517238" y="2525696"/>
+            <a:ext cx="534493" cy="783576"/>
+          </a:xfrm>
+          <a:prstGeom prst="straightConnector1">
+            <a:avLst/>
+          </a:prstGeom>
+          <a:ln>
+            <a:tailEnd type="triangle"/>
+          </a:ln>
+        </p:spPr>
+        <p:style>
+          <a:lnRef idx="1">
+            <a:schemeClr val="accent1"/>
+          </a:lnRef>
+          <a:fillRef idx="0">
+            <a:schemeClr val="accent1"/>
+          </a:fillRef>
+          <a:effectRef idx="0">
+            <a:schemeClr val="accent1"/>
+          </a:effectRef>
+          <a:fontRef idx="minor">
+            <a:schemeClr val="tx1"/>
+          </a:fontRef>
+        </p:style>
+      </p:cxnSp>
+      <p:sp>
+        <p:nvSpPr>
+          <p:cNvPr id="59" name="文本框 58"/>
+          <p:cNvSpPr txBox="1"/>
+          <p:nvPr/>
+        </p:nvSpPr>
+        <p:spPr>
+          <a:xfrm>
+            <a:off x="610449" y="3207043"/>
+            <a:ext cx="679994" cy="369332"/>
+          </a:xfrm>
+          <a:prstGeom prst="rect">
+            <a:avLst/>
+          </a:prstGeom>
+          <a:noFill/>
+        </p:spPr>
+        <p:txBody>
+          <a:bodyPr wrap="none" rtlCol="0">
+            <a:spAutoFit/>
+          </a:bodyPr>
+          <a:lstStyle/>
+          <a:p>
+            <a:r>
+              <a:rPr kumimoji="1" lang="en-US" altLang="zh-CN" smtClean="0"/>
+              <a:t>input</a:t>
+            </a:r>
+            <a:endParaRPr kumimoji="1" lang="zh-CN" altLang="en-US" dirty="0"/>
+          </a:p>
+        </p:txBody>
+      </p:sp>
+      <p:sp>
+        <p:nvSpPr>
+          <p:cNvPr id="60" name="文本框 59"/>
+          <p:cNvSpPr txBox="1"/>
+          <p:nvPr/>
+        </p:nvSpPr>
+        <p:spPr>
+          <a:xfrm>
+            <a:off x="377537" y="3874302"/>
+            <a:ext cx="1488997" cy="369332"/>
+          </a:xfrm>
+          <a:prstGeom prst="rect">
+            <a:avLst/>
+          </a:prstGeom>
+          <a:noFill/>
+        </p:spPr>
+        <p:txBody>
+          <a:bodyPr wrap="none" rtlCol="0">
+            <a:spAutoFit/>
+          </a:bodyPr>
+          <a:lstStyle/>
+          <a:p>
+            <a:r>
+              <a:rPr kumimoji="1" lang="en-US" altLang="zh-CN" smtClean="0"/>
+              <a:t>Hidden layer1</a:t>
+            </a:r>
+            <a:endParaRPr kumimoji="1" lang="zh-CN" altLang="en-US" dirty="0"/>
+          </a:p>
+        </p:txBody>
+      </p:sp>
+      <p:cxnSp>
+        <p:nvCxnSpPr>
+          <p:cNvPr id="61" name="曲线连接符 60"/>
+          <p:cNvCxnSpPr>
+            <a:stCxn id="27" idx="4"/>
+          </p:cNvCxnSpPr>
+          <p:nvPr/>
+        </p:nvCxnSpPr>
+        <p:spPr>
+          <a:xfrm rot="5400000">
+            <a:off x="1218576" y="3364325"/>
+            <a:ext cx="413438" cy="606517"/>
+          </a:xfrm>
+          <a:prstGeom prst="curvedConnector3">
+            <a:avLst>
+              <a:gd name="adj1" fmla="val 50000"/>
+            </a:avLst>
+          </a:prstGeom>
+          <a:ln>
+            <a:headEnd type="triangle"/>
+            <a:tailEnd type="triangle"/>
+          </a:ln>
+        </p:spPr>
+        <p:style>
+          <a:lnRef idx="1">
+            <a:schemeClr val="accent1"/>
+          </a:lnRef>
+          <a:fillRef idx="0">
+            <a:schemeClr val="accent1"/>
+          </a:fillRef>
+          <a:effectRef idx="0">
+            <a:schemeClr val="accent1"/>
+          </a:effectRef>
+          <a:fontRef idx="minor">
+            <a:schemeClr val="tx1"/>
+          </a:fontRef>
+        </p:style>
+      </p:cxnSp>
+      <p:sp>
+        <p:nvSpPr>
+          <p:cNvPr id="62" name="文本框 61"/>
+          <p:cNvSpPr txBox="1"/>
+          <p:nvPr/>
+        </p:nvSpPr>
+        <p:spPr>
+          <a:xfrm>
+            <a:off x="1994601" y="3874302"/>
+            <a:ext cx="1488997" cy="369332"/>
+          </a:xfrm>
+          <a:prstGeom prst="rect">
+            <a:avLst/>
+          </a:prstGeom>
+          <a:noFill/>
+        </p:spPr>
+        <p:txBody>
+          <a:bodyPr wrap="none" rtlCol="0">
+            <a:spAutoFit/>
+          </a:bodyPr>
+          <a:lstStyle/>
+          <a:p>
+            <a:r>
+              <a:rPr kumimoji="1" lang="en-US" altLang="zh-CN" dirty="0" smtClean="0"/>
+              <a:t>Hidden layer2</a:t>
+            </a:r>
+            <a:endParaRPr kumimoji="1" lang="zh-CN" altLang="en-US" dirty="0"/>
+          </a:p>
+        </p:txBody>
+      </p:sp>
+      <p:cxnSp>
+        <p:nvCxnSpPr>
+          <p:cNvPr id="63" name="曲线连接符 62"/>
+          <p:cNvCxnSpPr>
+            <a:stCxn id="31" idx="4"/>
+          </p:cNvCxnSpPr>
+          <p:nvPr/>
+        </p:nvCxnSpPr>
+        <p:spPr>
+          <a:xfrm rot="16200000" flipH="1">
+            <a:off x="2353798" y="3489000"/>
+            <a:ext cx="410760" cy="359843"/>
+          </a:xfrm>
+          <a:prstGeom prst="curvedConnector3">
+            <a:avLst/>
+          </a:prstGeom>
+          <a:ln>
+            <a:headEnd type="triangle"/>
+            <a:tailEnd type="triangle"/>
+          </a:ln>
+        </p:spPr>
+        <p:style>
+          <a:lnRef idx="1">
+            <a:schemeClr val="accent1"/>
+          </a:lnRef>
+          <a:fillRef idx="0">
+            <a:schemeClr val="accent1"/>
+          </a:fillRef>
+          <a:effectRef idx="0">
+            <a:schemeClr val="accent1"/>
+          </a:effectRef>
+          <a:fontRef idx="minor">
+            <a:schemeClr val="tx1"/>
+          </a:fontRef>
+        </p:style>
+      </p:cxnSp>
+      <p:sp>
+        <p:nvSpPr>
+          <p:cNvPr id="64" name="文本框 63"/>
+          <p:cNvSpPr txBox="1"/>
+          <p:nvPr/>
+        </p:nvSpPr>
+        <p:spPr>
+          <a:xfrm>
+            <a:off x="2827160" y="2947759"/>
+            <a:ext cx="825867" cy="369332"/>
+          </a:xfrm>
+          <a:prstGeom prst="rect">
+            <a:avLst/>
+          </a:prstGeom>
+          <a:noFill/>
+        </p:spPr>
+        <p:txBody>
+          <a:bodyPr wrap="none" rtlCol="0">
+            <a:spAutoFit/>
+          </a:bodyPr>
+          <a:lstStyle/>
+          <a:p>
+            <a:r>
+              <a:rPr kumimoji="1" lang="en-US" altLang="zh-CN" dirty="0" smtClean="0"/>
+              <a:t>output</a:t>
+            </a:r>
+            <a:endParaRPr kumimoji="1" lang="zh-CN" altLang="en-US" dirty="0"/>
+          </a:p>
+        </p:txBody>
+      </p:sp>
+      <p:pic>
+        <p:nvPicPr>
+          <p:cNvPr id="65" name="图片 64"/>
+          <p:cNvPicPr>
+            <a:picLocks noChangeAspect="1"/>
+          </p:cNvPicPr>
+          <p:nvPr/>
+        </p:nvPicPr>
+        <p:blipFill>
+          <a:blip r:embed="rId8"/>
+          <a:stretch>
+            <a:fillRect/>
+          </a:stretch>
+        </p:blipFill>
+        <p:spPr>
+          <a:xfrm>
+            <a:off x="3962949" y="1089981"/>
+            <a:ext cx="7143160" cy="3124518"/>
+          </a:xfrm>
+          <a:prstGeom prst="rect">
+            <a:avLst/>
+          </a:prstGeom>
+        </p:spPr>
+      </p:pic>
+    </p:spTree>
+    <p:extLst>
+      <p:ext uri="{BB962C8B-B14F-4D97-AF65-F5344CB8AC3E}">
+        <p14:creationId xmlns:p14="http://schemas.microsoft.com/office/powerpoint/2010/main" val="1972051499"/>
+      </p:ext>
+    </p:extLst>
+  </p:cSld>
+  <p:clrMapOvr>
+    <a:masterClrMapping/>
+  </p:clrMapOvr>
+  <p:timing>
+    <p:tnLst>
+      <p:par>
+        <p:cTn id="1" dur="indefinite" restart="never" nodeType="tmRoot">
+          <p:childTnLst>
+            <p:seq concurrent="1" nextAc="seek">
+              <p:cTn id="2" dur="indefinite" nodeType="mainSeq">
+                <p:childTnLst>
+                  <p:par>
+                    <p:cTn id="3" fill="hold">
+                      <p:stCondLst>
+                        <p:cond delay="indefinite"/>
+                      </p:stCondLst>
+                      <p:childTnLst>
+                        <p:par>
+                          <p:cTn id="4" fill="hold">
+                            <p:stCondLst>
+                              <p:cond delay="0"/>
+                            </p:stCondLst>
+                            <p:childTnLst>
+                              <p:par>
+                                <p:cTn id="5" presetID="1" presetClass="entr" presetSubtype="0" fill="hold" nodeType="clickEffect">
+                                  <p:stCondLst>
+                                    <p:cond delay="0"/>
+                                  </p:stCondLst>
+                                  <p:childTnLst>
+                                    <p:set>
+                                      <p:cBhvr>
+                                        <p:cTn id="6" dur="1" fill="hold">
+                                          <p:stCondLst>
+                                            <p:cond delay="0"/>
+                                          </p:stCondLst>
+                                        </p:cTn>
+                                        <p:tgtEl>
+                                          <p:spTgt spid="65"/>
+                                        </p:tgtEl>
+                                        <p:attrNameLst>
+                                          <p:attrName>style.visibility</p:attrName>
+                                        </p:attrNameLst>
+                                      </p:cBhvr>
+                                      <p:to>
+                                        <p:strVal val="visible"/>
+                                      </p:to>
+                                    </p:set>
+                                  </p:childTnLst>
+                                </p:cTn>
+                              </p:par>
+                            </p:childTnLst>
+                          </p:cTn>
+                        </p:par>
+                      </p:childTnLst>
+                    </p:cTn>
+                  </p:par>
+                </p:childTnLst>
+              </p:cTn>
+              <p:prevCondLst>
+                <p:cond evt="onPrev" delay="0">
+                  <p:tgtEl>
+                    <p:sldTgt/>
+                  </p:tgtEl>
+                </p:cond>
+              </p:prevCondLst>
+              <p:nextCondLst>
+                <p:cond evt="onNext" delay="0">
+                  <p:tgtEl>
+                    <p:sldTgt/>
+                  </p:tgtEl>
+                </p:cond>
+              </p:nextCondLst>
+            </p:seq>
+          </p:childTnLst>
+        </p:cTn>
+      </p:par>
+    </p:tnLst>
+  </p:timing>
+</p:sld>
+</file>
+
+<file path=ppt/slides/slide11.xml><?xml version="1.0" encoding="utf-8"?>
+<p:sld xmlns:a="http://schemas.openxmlformats.org/drawingml/2006/main" xmlns:r="http://schemas.openxmlformats.org/officeDocument/2006/relationships" xmlns:p="http://schemas.openxmlformats.org/presentationml/2006/main">
+  <p:cSld>
+    <p:spTree>
+      <p:nvGrpSpPr>
+        <p:cNvPr id="1" name=""/>
+        <p:cNvGrpSpPr/>
+        <p:nvPr/>
+      </p:nvGrpSpPr>
+      <p:grpSpPr>
+        <a:xfrm>
+          <a:off x="0" y="0"/>
+          <a:ext cx="0" cy="0"/>
+          <a:chOff x="0" y="0"/>
+          <a:chExt cx="0" cy="0"/>
+        </a:xfrm>
+      </p:grpSpPr>
+      <p:pic>
+        <p:nvPicPr>
+          <p:cNvPr id="8" name="内容占位符 7"/>
+          <p:cNvPicPr>
+            <a:picLocks noGrp="1" noChangeAspect="1"/>
+          </p:cNvPicPr>
+          <p:nvPr>
+            <p:ph idx="1"/>
+          </p:nvPr>
+        </p:nvPicPr>
+        <p:blipFill>
+          <a:blip r:embed="rId2">
+            <a:extLst>
+              <a:ext uri="{28A0092B-C50C-407E-A947-70E740481C1C}">
+                <a14:useLocalDpi xmlns:a14="http://schemas.microsoft.com/office/drawing/2010/main" val="0"/>
+              </a:ext>
+            </a:extLst>
+          </a:blip>
+          <a:stretch>
+            <a:fillRect/>
+          </a:stretch>
+        </p:blipFill>
+        <p:spPr>
+          <a:xfrm>
+            <a:off x="-423851" y="-708903"/>
+            <a:ext cx="13039702" cy="2652243"/>
+          </a:xfrm>
+        </p:spPr>
+      </p:pic>
+      <p:pic>
+        <p:nvPicPr>
+          <p:cNvPr id="4" name="图形 3">
+            <a:extLst>
+              <a:ext uri="{FF2B5EF4-FFF2-40B4-BE49-F238E27FC236}">
+                <a16:creationId xmlns:a16="http://schemas.microsoft.com/office/drawing/2014/main" xmlns="" id="{3EF556CA-30DB-46CA-B010-E7BC06705578}"/>
+              </a:ext>
+            </a:extLst>
+          </p:cNvPr>
+          <p:cNvPicPr>
+            <a:picLocks noChangeAspect="1"/>
+          </p:cNvPicPr>
+          <p:nvPr/>
+        </p:nvPicPr>
+        <p:blipFill>
+          <a:blip r:embed="rId3">
+            <a:extLst>
+              <a:ext uri="{96DAC541-7B7A-43D3-8B79-37D633B846F1}">
+                <asvg:svgBlip xmlns:asvg="http://schemas.microsoft.com/office/drawing/2016/SVG/main" xmlns="" r:embed="rId4"/>
+              </a:ext>
+            </a:extLst>
+          </a:blip>
+          <a:stretch>
+            <a:fillRect/>
+          </a:stretch>
+        </p:blipFill>
+        <p:spPr>
+          <a:xfrm>
+            <a:off x="-50800" y="6122728"/>
+            <a:ext cx="12242800" cy="1278197"/>
+          </a:xfrm>
+          <a:prstGeom prst="rect">
+            <a:avLst/>
+          </a:prstGeom>
+        </p:spPr>
+      </p:pic>
+      <p:sp>
+        <p:nvSpPr>
+          <p:cNvPr id="5" name="箭头: 五边形 4">
+            <a:extLst>
+              <a:ext uri="{FF2B5EF4-FFF2-40B4-BE49-F238E27FC236}">
+                <a16:creationId xmlns:a16="http://schemas.microsoft.com/office/drawing/2014/main" xmlns="" id="{61E862C7-DDED-46B2-88A9-92A4D3F40475}"/>
+              </a:ext>
+            </a:extLst>
+          </p:cNvPr>
+          <p:cNvSpPr/>
+          <p:nvPr/>
+        </p:nvSpPr>
+        <p:spPr>
+          <a:xfrm rot="5400000">
+            <a:off x="-60257" y="234315"/>
+            <a:ext cx="1234440" cy="765810"/>
+          </a:xfrm>
+          <a:prstGeom prst="homePlate">
+            <a:avLst/>
+          </a:prstGeom>
+          <a:solidFill>
+            <a:srgbClr val="034246"/>
+          </a:solidFill>
+        </p:spPr>
+        <p:style>
+          <a:lnRef idx="2">
+            <a:schemeClr val="accent1">
+              <a:shade val="50000"/>
+            </a:schemeClr>
+          </a:lnRef>
+          <a:fillRef idx="1">
+            <a:schemeClr val="accent1"/>
+          </a:fillRef>
+          <a:effectRef idx="0">
+            <a:schemeClr val="accent1"/>
+          </a:effectRef>
+          <a:fontRef idx="minor">
+            <a:schemeClr val="lt1"/>
+          </a:fontRef>
+        </p:style>
+        <p:txBody>
+          <a:bodyPr rtlCol="0" anchor="ctr"/>
+          <a:lstStyle/>
+          <a:p>
+            <a:pPr algn="ctr"/>
+            <a:endParaRPr lang="en-HK"/>
+          </a:p>
+        </p:txBody>
+      </p:sp>
+      <p:pic>
+        <p:nvPicPr>
+          <p:cNvPr id="6" name="图形 5">
+            <a:extLst>
+              <a:ext uri="{FF2B5EF4-FFF2-40B4-BE49-F238E27FC236}">
+                <a16:creationId xmlns:a16="http://schemas.microsoft.com/office/drawing/2014/main" xmlns="" id="{217E1EC4-7E0E-4611-9AC8-528215714F14}"/>
+              </a:ext>
+            </a:extLst>
+          </p:cNvPr>
+          <p:cNvPicPr>
+            <a:picLocks noChangeAspect="1"/>
+          </p:cNvPicPr>
+          <p:nvPr/>
+        </p:nvPicPr>
+        <p:blipFill>
+          <a:blip r:embed="rId5">
+            <a:extLst>
+              <a:ext uri="{96DAC541-7B7A-43D3-8B79-37D633B846F1}">
+                <asvg:svgBlip xmlns:asvg="http://schemas.microsoft.com/office/drawing/2016/SVG/main" xmlns="" r:embed="rId6"/>
+              </a:ext>
+            </a:extLst>
+          </a:blip>
+          <a:stretch>
+            <a:fillRect/>
+          </a:stretch>
+        </p:blipFill>
+        <p:spPr>
+          <a:xfrm>
+            <a:off x="312039" y="103823"/>
+            <a:ext cx="489848" cy="717523"/>
+          </a:xfrm>
+          <a:prstGeom prst="rect">
+            <a:avLst/>
+          </a:prstGeom>
+        </p:spPr>
+      </p:pic>
+      <p:sp>
+        <p:nvSpPr>
+          <p:cNvPr id="3" name="标题 2"/>
+          <p:cNvSpPr>
+            <a:spLocks noGrp="1"/>
+          </p:cNvSpPr>
+          <p:nvPr>
+            <p:ph type="title"/>
+          </p:nvPr>
+        </p:nvSpPr>
+        <p:spPr>
+          <a:xfrm>
+            <a:off x="4872624" y="2970538"/>
+            <a:ext cx="4226490" cy="1325563"/>
+          </a:xfrm>
+        </p:spPr>
+        <p:txBody>
+          <a:bodyPr/>
+          <a:lstStyle/>
+          <a:p>
+            <a:r>
+              <a:rPr kumimoji="1" lang="en-US" altLang="zh-CN" smtClean="0"/>
+              <a:t>Q &amp; A</a:t>
+            </a:r>
+            <a:endParaRPr kumimoji="1" lang="zh-CN" altLang="en-US" dirty="0"/>
+          </a:p>
+        </p:txBody>
+      </p:sp>
+    </p:spTree>
+    <p:extLst>
+      <p:ext uri="{BB962C8B-B14F-4D97-AF65-F5344CB8AC3E}">
+        <p14:creationId xmlns:p14="http://schemas.microsoft.com/office/powerpoint/2010/main" val="1040690934"/>
       </p:ext>
     </p:extLst>
   </p:cSld>
@@ -7822,13 +10215,14 @@
               <a:t> </a:t>
             </a:r>
             <a:r>
-              <a:rPr lang="en-US" altLang="zh-CN" sz="2800" dirty="0"/>
-              <a:t>divides</a:t>
-            </a:r>
-            <a:r>
-              <a:rPr lang="zh-CN" altLang="en-US" sz="2800" dirty="0"/>
+              <a:rPr lang="en-US" altLang="zh-CN" sz="2800" dirty="0" err="1" smtClean="0"/>
+              <a:t>diides</a:t>
+            </a:r>
+            <a:r>
+              <a:rPr lang="zh-CN" altLang="en-US" sz="2800" dirty="0" smtClean="0"/>
               <a:t> </a:t>
             </a:r>
+            <a:endParaRPr lang="zh-CN" altLang="en-US" sz="2800" dirty="0"/>
           </a:p>
         </p:txBody>
       </p:sp>
@@ -8704,1954 +11098,6 @@
           </a:prstGeom>
         </p:spPr>
       </p:pic>
-      <p:sp>
-        <p:nvSpPr>
-          <p:cNvPr id="7" name="椭圆 6"/>
-          <p:cNvSpPr/>
-          <p:nvPr/>
-        </p:nvSpPr>
-        <p:spPr>
-          <a:xfrm>
-            <a:off x="801887" y="1943340"/>
-            <a:ext cx="275962" cy="308541"/>
-          </a:xfrm>
-          <a:prstGeom prst="ellipse">
-            <a:avLst/>
-          </a:prstGeom>
-        </p:spPr>
-        <p:style>
-          <a:lnRef idx="2">
-            <a:schemeClr val="accent1">
-              <a:shade val="50000"/>
-            </a:schemeClr>
-          </a:lnRef>
-          <a:fillRef idx="1">
-            <a:schemeClr val="accent1"/>
-          </a:fillRef>
-          <a:effectRef idx="0">
-            <a:schemeClr val="accent1"/>
-          </a:effectRef>
-          <a:fontRef idx="minor">
-            <a:schemeClr val="lt1"/>
-          </a:fontRef>
-        </p:style>
-        <p:txBody>
-          <a:bodyPr rtlCol="0" anchor="ctr"/>
-          <a:lstStyle/>
-          <a:p>
-            <a:pPr algn="ctr"/>
-            <a:endParaRPr kumimoji="1" lang="zh-CN" altLang="en-US"/>
-          </a:p>
-        </p:txBody>
-      </p:sp>
-      <p:sp>
-        <p:nvSpPr>
-          <p:cNvPr id="10" name="椭圆 9"/>
-          <p:cNvSpPr/>
-          <p:nvPr/>
-        </p:nvSpPr>
-        <p:spPr>
-          <a:xfrm>
-            <a:off x="801887" y="2343699"/>
-            <a:ext cx="275962" cy="308541"/>
-          </a:xfrm>
-          <a:prstGeom prst="ellipse">
-            <a:avLst/>
-          </a:prstGeom>
-        </p:spPr>
-        <p:style>
-          <a:lnRef idx="2">
-            <a:schemeClr val="accent1">
-              <a:shade val="50000"/>
-            </a:schemeClr>
-          </a:lnRef>
-          <a:fillRef idx="1">
-            <a:schemeClr val="accent1"/>
-          </a:fillRef>
-          <a:effectRef idx="0">
-            <a:schemeClr val="accent1"/>
-          </a:effectRef>
-          <a:fontRef idx="minor">
-            <a:schemeClr val="lt1"/>
-          </a:fontRef>
-        </p:style>
-        <p:txBody>
-          <a:bodyPr rtlCol="0" anchor="ctr"/>
-          <a:lstStyle/>
-          <a:p>
-            <a:pPr algn="ctr"/>
-            <a:endParaRPr kumimoji="1" lang="zh-CN" altLang="en-US"/>
-          </a:p>
-        </p:txBody>
-      </p:sp>
-      <p:sp>
-        <p:nvSpPr>
-          <p:cNvPr id="11" name="椭圆 10"/>
-          <p:cNvSpPr/>
-          <p:nvPr/>
-        </p:nvSpPr>
-        <p:spPr>
-          <a:xfrm>
-            <a:off x="801887" y="2785122"/>
-            <a:ext cx="275962" cy="308541"/>
-          </a:xfrm>
-          <a:prstGeom prst="ellipse">
-            <a:avLst/>
-          </a:prstGeom>
-        </p:spPr>
-        <p:style>
-          <a:lnRef idx="2">
-            <a:schemeClr val="accent1">
-              <a:shade val="50000"/>
-            </a:schemeClr>
-          </a:lnRef>
-          <a:fillRef idx="1">
-            <a:schemeClr val="accent1"/>
-          </a:fillRef>
-          <a:effectRef idx="0">
-            <a:schemeClr val="accent1"/>
-          </a:effectRef>
-          <a:fontRef idx="minor">
-            <a:schemeClr val="lt1"/>
-          </a:fontRef>
-        </p:style>
-        <p:txBody>
-          <a:bodyPr rtlCol="0" anchor="ctr"/>
-          <a:lstStyle/>
-          <a:p>
-            <a:pPr algn="ctr"/>
-            <a:endParaRPr kumimoji="1" lang="zh-CN" altLang="en-US"/>
-          </a:p>
-        </p:txBody>
-      </p:sp>
-      <p:sp>
-        <p:nvSpPr>
-          <p:cNvPr id="12" name="椭圆 11"/>
-          <p:cNvSpPr/>
-          <p:nvPr/>
-        </p:nvSpPr>
-        <p:spPr>
-          <a:xfrm>
-            <a:off x="1590572" y="1634799"/>
-            <a:ext cx="275962" cy="308541"/>
-          </a:xfrm>
-          <a:prstGeom prst="ellipse">
-            <a:avLst/>
-          </a:prstGeom>
-          <a:solidFill>
-            <a:schemeClr val="accent2"/>
-          </a:solidFill>
-        </p:spPr>
-        <p:style>
-          <a:lnRef idx="2">
-            <a:schemeClr val="accent1">
-              <a:shade val="50000"/>
-            </a:schemeClr>
-          </a:lnRef>
-          <a:fillRef idx="1">
-            <a:schemeClr val="accent1"/>
-          </a:fillRef>
-          <a:effectRef idx="0">
-            <a:schemeClr val="accent1"/>
-          </a:effectRef>
-          <a:fontRef idx="minor">
-            <a:schemeClr val="lt1"/>
-          </a:fontRef>
-        </p:style>
-        <p:txBody>
-          <a:bodyPr rtlCol="0" anchor="ctr"/>
-          <a:lstStyle/>
-          <a:p>
-            <a:pPr algn="ctr"/>
-            <a:endParaRPr kumimoji="1" lang="zh-CN" altLang="en-US"/>
-          </a:p>
-        </p:txBody>
-      </p:sp>
-      <p:sp>
-        <p:nvSpPr>
-          <p:cNvPr id="14" name="椭圆 13"/>
-          <p:cNvSpPr/>
-          <p:nvPr/>
-        </p:nvSpPr>
-        <p:spPr>
-          <a:xfrm>
-            <a:off x="1590572" y="2143867"/>
-            <a:ext cx="275962" cy="308541"/>
-          </a:xfrm>
-          <a:prstGeom prst="ellipse">
-            <a:avLst/>
-          </a:prstGeom>
-          <a:solidFill>
-            <a:schemeClr val="accent2"/>
-          </a:solidFill>
-        </p:spPr>
-        <p:style>
-          <a:lnRef idx="2">
-            <a:schemeClr val="accent1">
-              <a:shade val="50000"/>
-            </a:schemeClr>
-          </a:lnRef>
-          <a:fillRef idx="1">
-            <a:schemeClr val="accent1"/>
-          </a:fillRef>
-          <a:effectRef idx="0">
-            <a:schemeClr val="accent1"/>
-          </a:effectRef>
-          <a:fontRef idx="minor">
-            <a:schemeClr val="lt1"/>
-          </a:fontRef>
-        </p:style>
-        <p:txBody>
-          <a:bodyPr rtlCol="0" anchor="ctr"/>
-          <a:lstStyle/>
-          <a:p>
-            <a:pPr algn="ctr"/>
-            <a:endParaRPr kumimoji="1" lang="zh-CN" altLang="en-US"/>
-          </a:p>
-        </p:txBody>
-      </p:sp>
-      <p:sp>
-        <p:nvSpPr>
-          <p:cNvPr id="15" name="椭圆 14"/>
-          <p:cNvSpPr/>
-          <p:nvPr/>
-        </p:nvSpPr>
-        <p:spPr>
-          <a:xfrm>
-            <a:off x="1590572" y="2652240"/>
-            <a:ext cx="275962" cy="308541"/>
-          </a:xfrm>
-          <a:prstGeom prst="ellipse">
-            <a:avLst/>
-          </a:prstGeom>
-          <a:solidFill>
-            <a:schemeClr val="accent2"/>
-          </a:solidFill>
-        </p:spPr>
-        <p:style>
-          <a:lnRef idx="2">
-            <a:schemeClr val="accent1">
-              <a:shade val="50000"/>
-            </a:schemeClr>
-          </a:lnRef>
-          <a:fillRef idx="1">
-            <a:schemeClr val="accent1"/>
-          </a:fillRef>
-          <a:effectRef idx="0">
-            <a:schemeClr val="accent1"/>
-          </a:effectRef>
-          <a:fontRef idx="minor">
-            <a:schemeClr val="lt1"/>
-          </a:fontRef>
-        </p:style>
-        <p:txBody>
-          <a:bodyPr rtlCol="0" anchor="ctr"/>
-          <a:lstStyle/>
-          <a:p>
-            <a:pPr algn="ctr"/>
-            <a:endParaRPr kumimoji="1" lang="zh-CN" altLang="en-US"/>
-          </a:p>
-        </p:txBody>
-      </p:sp>
-      <p:sp>
-        <p:nvSpPr>
-          <p:cNvPr id="16" name="椭圆 15"/>
-          <p:cNvSpPr/>
-          <p:nvPr/>
-        </p:nvSpPr>
-        <p:spPr>
-          <a:xfrm>
-            <a:off x="1590572" y="3152323"/>
-            <a:ext cx="275962" cy="308541"/>
-          </a:xfrm>
-          <a:prstGeom prst="ellipse">
-            <a:avLst/>
-          </a:prstGeom>
-          <a:solidFill>
-            <a:schemeClr val="accent2"/>
-          </a:solidFill>
-        </p:spPr>
-        <p:style>
-          <a:lnRef idx="2">
-            <a:schemeClr val="accent1">
-              <a:shade val="50000"/>
-            </a:schemeClr>
-          </a:lnRef>
-          <a:fillRef idx="1">
-            <a:schemeClr val="accent1"/>
-          </a:fillRef>
-          <a:effectRef idx="0">
-            <a:schemeClr val="accent1"/>
-          </a:effectRef>
-          <a:fontRef idx="minor">
-            <a:schemeClr val="lt1"/>
-          </a:fontRef>
-        </p:style>
-        <p:txBody>
-          <a:bodyPr rtlCol="0" anchor="ctr"/>
-          <a:lstStyle/>
-          <a:p>
-            <a:pPr algn="ctr"/>
-            <a:endParaRPr kumimoji="1" lang="zh-CN" altLang="en-US"/>
-          </a:p>
-        </p:txBody>
-      </p:sp>
-      <p:sp>
-        <p:nvSpPr>
-          <p:cNvPr id="17" name="椭圆 16"/>
-          <p:cNvSpPr/>
-          <p:nvPr/>
-        </p:nvSpPr>
-        <p:spPr>
-          <a:xfrm>
-            <a:off x="2241276" y="1630417"/>
-            <a:ext cx="275962" cy="308541"/>
-          </a:xfrm>
-          <a:prstGeom prst="ellipse">
-            <a:avLst/>
-          </a:prstGeom>
-          <a:solidFill>
-            <a:schemeClr val="accent2"/>
-          </a:solidFill>
-        </p:spPr>
-        <p:style>
-          <a:lnRef idx="2">
-            <a:schemeClr val="accent1">
-              <a:shade val="50000"/>
-            </a:schemeClr>
-          </a:lnRef>
-          <a:fillRef idx="1">
-            <a:schemeClr val="accent1"/>
-          </a:fillRef>
-          <a:effectRef idx="0">
-            <a:schemeClr val="accent1"/>
-          </a:effectRef>
-          <a:fontRef idx="minor">
-            <a:schemeClr val="lt1"/>
-          </a:fontRef>
-        </p:style>
-        <p:txBody>
-          <a:bodyPr rtlCol="0" anchor="ctr"/>
-          <a:lstStyle/>
-          <a:p>
-            <a:pPr algn="ctr"/>
-            <a:endParaRPr kumimoji="1" lang="zh-CN" altLang="en-US"/>
-          </a:p>
-        </p:txBody>
-      </p:sp>
-      <p:sp>
-        <p:nvSpPr>
-          <p:cNvPr id="18" name="椭圆 17"/>
-          <p:cNvSpPr/>
-          <p:nvPr/>
-        </p:nvSpPr>
-        <p:spPr>
-          <a:xfrm>
-            <a:off x="2241276" y="2145317"/>
-            <a:ext cx="275962" cy="308541"/>
-          </a:xfrm>
-          <a:prstGeom prst="ellipse">
-            <a:avLst/>
-          </a:prstGeom>
-          <a:solidFill>
-            <a:schemeClr val="accent2"/>
-          </a:solidFill>
-        </p:spPr>
-        <p:style>
-          <a:lnRef idx="2">
-            <a:schemeClr val="accent1">
-              <a:shade val="50000"/>
-            </a:schemeClr>
-          </a:lnRef>
-          <a:fillRef idx="1">
-            <a:schemeClr val="accent1"/>
-          </a:fillRef>
-          <a:effectRef idx="0">
-            <a:schemeClr val="accent1"/>
-          </a:effectRef>
-          <a:fontRef idx="minor">
-            <a:schemeClr val="lt1"/>
-          </a:fontRef>
-        </p:style>
-        <p:txBody>
-          <a:bodyPr rtlCol="0" anchor="ctr"/>
-          <a:lstStyle/>
-          <a:p>
-            <a:pPr algn="ctr"/>
-            <a:endParaRPr kumimoji="1" lang="zh-CN" altLang="en-US"/>
-          </a:p>
-        </p:txBody>
-      </p:sp>
-      <p:sp>
-        <p:nvSpPr>
-          <p:cNvPr id="19" name="椭圆 18"/>
-          <p:cNvSpPr/>
-          <p:nvPr/>
-        </p:nvSpPr>
-        <p:spPr>
-          <a:xfrm>
-            <a:off x="2241276" y="2652240"/>
-            <a:ext cx="275962" cy="308541"/>
-          </a:xfrm>
-          <a:prstGeom prst="ellipse">
-            <a:avLst/>
-          </a:prstGeom>
-          <a:solidFill>
-            <a:schemeClr val="accent2"/>
-          </a:solidFill>
-        </p:spPr>
-        <p:style>
-          <a:lnRef idx="2">
-            <a:schemeClr val="accent1">
-              <a:shade val="50000"/>
-            </a:schemeClr>
-          </a:lnRef>
-          <a:fillRef idx="1">
-            <a:schemeClr val="accent1"/>
-          </a:fillRef>
-          <a:effectRef idx="0">
-            <a:schemeClr val="accent1"/>
-          </a:effectRef>
-          <a:fontRef idx="minor">
-            <a:schemeClr val="lt1"/>
-          </a:fontRef>
-        </p:style>
-        <p:txBody>
-          <a:bodyPr rtlCol="0" anchor="ctr"/>
-          <a:lstStyle/>
-          <a:p>
-            <a:pPr algn="ctr"/>
-            <a:endParaRPr kumimoji="1" lang="zh-CN" altLang="en-US"/>
-          </a:p>
-        </p:txBody>
-      </p:sp>
-      <p:sp>
-        <p:nvSpPr>
-          <p:cNvPr id="20" name="椭圆 19"/>
-          <p:cNvSpPr/>
-          <p:nvPr/>
-        </p:nvSpPr>
-        <p:spPr>
-          <a:xfrm>
-            <a:off x="2241276" y="3155001"/>
-            <a:ext cx="275962" cy="308541"/>
-          </a:xfrm>
-          <a:prstGeom prst="ellipse">
-            <a:avLst/>
-          </a:prstGeom>
-          <a:solidFill>
-            <a:schemeClr val="accent2"/>
-          </a:solidFill>
-        </p:spPr>
-        <p:style>
-          <a:lnRef idx="2">
-            <a:schemeClr val="accent1">
-              <a:shade val="50000"/>
-            </a:schemeClr>
-          </a:lnRef>
-          <a:fillRef idx="1">
-            <a:schemeClr val="accent1"/>
-          </a:fillRef>
-          <a:effectRef idx="0">
-            <a:schemeClr val="accent1"/>
-          </a:effectRef>
-          <a:fontRef idx="minor">
-            <a:schemeClr val="lt1"/>
-          </a:fontRef>
-        </p:style>
-        <p:txBody>
-          <a:bodyPr rtlCol="0" anchor="ctr"/>
-          <a:lstStyle/>
-          <a:p>
-            <a:pPr algn="ctr"/>
-            <a:endParaRPr kumimoji="1" lang="zh-CN" altLang="en-US"/>
-          </a:p>
-        </p:txBody>
-      </p:sp>
-      <p:sp>
-        <p:nvSpPr>
-          <p:cNvPr id="21" name="椭圆 20"/>
-          <p:cNvSpPr/>
-          <p:nvPr/>
-        </p:nvSpPr>
-        <p:spPr>
-          <a:xfrm>
-            <a:off x="3051731" y="2371425"/>
-            <a:ext cx="275962" cy="308541"/>
-          </a:xfrm>
-          <a:prstGeom prst="ellipse">
-            <a:avLst/>
-          </a:prstGeom>
-        </p:spPr>
-        <p:style>
-          <a:lnRef idx="2">
-            <a:schemeClr val="accent1">
-              <a:shade val="50000"/>
-            </a:schemeClr>
-          </a:lnRef>
-          <a:fillRef idx="1">
-            <a:schemeClr val="accent1"/>
-          </a:fillRef>
-          <a:effectRef idx="0">
-            <a:schemeClr val="accent1"/>
-          </a:effectRef>
-          <a:fontRef idx="minor">
-            <a:schemeClr val="lt1"/>
-          </a:fontRef>
-        </p:style>
-        <p:txBody>
-          <a:bodyPr rtlCol="0" anchor="ctr"/>
-          <a:lstStyle/>
-          <a:p>
-            <a:pPr algn="ctr"/>
-            <a:endParaRPr kumimoji="1" lang="zh-CN" altLang="en-US"/>
-          </a:p>
-        </p:txBody>
-      </p:sp>
-      <p:cxnSp>
-        <p:nvCxnSpPr>
-          <p:cNvPr id="23" name="直线箭头连接符 22"/>
-          <p:cNvCxnSpPr>
-            <a:endCxn id="12" idx="2"/>
-          </p:cNvCxnSpPr>
-          <p:nvPr/>
-        </p:nvCxnSpPr>
-        <p:spPr>
-          <a:xfrm flipV="1">
-            <a:off x="939868" y="1789070"/>
-            <a:ext cx="650704" cy="308540"/>
-          </a:xfrm>
-          <a:prstGeom prst="straightConnector1">
-            <a:avLst/>
-          </a:prstGeom>
-          <a:ln>
-            <a:tailEnd type="triangle"/>
-          </a:ln>
-        </p:spPr>
-        <p:style>
-          <a:lnRef idx="1">
-            <a:schemeClr val="accent1"/>
-          </a:lnRef>
-          <a:fillRef idx="0">
-            <a:schemeClr val="accent1"/>
-          </a:fillRef>
-          <a:effectRef idx="0">
-            <a:schemeClr val="accent1"/>
-          </a:effectRef>
-          <a:fontRef idx="minor">
-            <a:schemeClr val="tx1"/>
-          </a:fontRef>
-        </p:style>
-      </p:cxnSp>
-      <p:cxnSp>
-        <p:nvCxnSpPr>
-          <p:cNvPr id="25" name="直线箭头连接符 24"/>
-          <p:cNvCxnSpPr>
-            <a:stCxn id="7" idx="6"/>
-          </p:cNvCxnSpPr>
-          <p:nvPr/>
-        </p:nvCxnSpPr>
-        <p:spPr>
-          <a:xfrm>
-            <a:off x="1077849" y="2097611"/>
-            <a:ext cx="576250" cy="210618"/>
-          </a:xfrm>
-          <a:prstGeom prst="straightConnector1">
-            <a:avLst/>
-          </a:prstGeom>
-          <a:ln>
-            <a:tailEnd type="triangle"/>
-          </a:ln>
-        </p:spPr>
-        <p:style>
-          <a:lnRef idx="1">
-            <a:schemeClr val="accent1"/>
-          </a:lnRef>
-          <a:fillRef idx="0">
-            <a:schemeClr val="accent1"/>
-          </a:fillRef>
-          <a:effectRef idx="0">
-            <a:schemeClr val="accent1"/>
-          </a:effectRef>
-          <a:fontRef idx="minor">
-            <a:schemeClr val="tx1"/>
-          </a:fontRef>
-        </p:style>
-      </p:cxnSp>
-      <p:cxnSp>
-        <p:nvCxnSpPr>
-          <p:cNvPr id="27" name="直线箭头连接符 26"/>
-          <p:cNvCxnSpPr>
-            <a:endCxn id="15" idx="2"/>
-          </p:cNvCxnSpPr>
-          <p:nvPr/>
-        </p:nvCxnSpPr>
-        <p:spPr>
-          <a:xfrm>
-            <a:off x="939868" y="2133080"/>
-            <a:ext cx="650704" cy="673431"/>
-          </a:xfrm>
-          <a:prstGeom prst="straightConnector1">
-            <a:avLst/>
-          </a:prstGeom>
-          <a:ln>
-            <a:tailEnd type="triangle"/>
-          </a:ln>
-        </p:spPr>
-        <p:style>
-          <a:lnRef idx="1">
-            <a:schemeClr val="accent1"/>
-          </a:lnRef>
-          <a:fillRef idx="0">
-            <a:schemeClr val="accent1"/>
-          </a:fillRef>
-          <a:effectRef idx="0">
-            <a:schemeClr val="accent1"/>
-          </a:effectRef>
-          <a:fontRef idx="minor">
-            <a:schemeClr val="tx1"/>
-          </a:fontRef>
-        </p:style>
-      </p:cxnSp>
-      <p:cxnSp>
-        <p:nvCxnSpPr>
-          <p:cNvPr id="31" name="直线箭头连接符 30"/>
-          <p:cNvCxnSpPr>
-            <a:endCxn id="16" idx="2"/>
-          </p:cNvCxnSpPr>
-          <p:nvPr/>
-        </p:nvCxnSpPr>
-        <p:spPr>
-          <a:xfrm>
-            <a:off x="939868" y="2097610"/>
-            <a:ext cx="650704" cy="1208984"/>
-          </a:xfrm>
-          <a:prstGeom prst="straightConnector1">
-            <a:avLst/>
-          </a:prstGeom>
-          <a:ln>
-            <a:tailEnd type="triangle"/>
-          </a:ln>
-        </p:spPr>
-        <p:style>
-          <a:lnRef idx="1">
-            <a:schemeClr val="accent1"/>
-          </a:lnRef>
-          <a:fillRef idx="0">
-            <a:schemeClr val="accent1"/>
-          </a:fillRef>
-          <a:effectRef idx="0">
-            <a:schemeClr val="accent1"/>
-          </a:effectRef>
-          <a:fontRef idx="minor">
-            <a:schemeClr val="tx1"/>
-          </a:fontRef>
-        </p:style>
-      </p:cxnSp>
-      <p:cxnSp>
-        <p:nvCxnSpPr>
-          <p:cNvPr id="32" name="直线箭头连接符 31"/>
-          <p:cNvCxnSpPr>
-            <a:endCxn id="12" idx="2"/>
-          </p:cNvCxnSpPr>
-          <p:nvPr/>
-        </p:nvCxnSpPr>
-        <p:spPr>
-          <a:xfrm flipV="1">
-            <a:off x="939868" y="1789070"/>
-            <a:ext cx="650704" cy="708899"/>
-          </a:xfrm>
-          <a:prstGeom prst="straightConnector1">
-            <a:avLst/>
-          </a:prstGeom>
-          <a:ln>
-            <a:tailEnd type="triangle"/>
-          </a:ln>
-        </p:spPr>
-        <p:style>
-          <a:lnRef idx="1">
-            <a:schemeClr val="accent1"/>
-          </a:lnRef>
-          <a:fillRef idx="0">
-            <a:schemeClr val="accent1"/>
-          </a:fillRef>
-          <a:effectRef idx="0">
-            <a:schemeClr val="accent1"/>
-          </a:effectRef>
-          <a:fontRef idx="minor">
-            <a:schemeClr val="tx1"/>
-          </a:fontRef>
-        </p:style>
-      </p:cxnSp>
-      <p:cxnSp>
-        <p:nvCxnSpPr>
-          <p:cNvPr id="33" name="直线箭头连接符 32"/>
-          <p:cNvCxnSpPr>
-            <a:stCxn id="10" idx="6"/>
-            <a:endCxn id="14" idx="2"/>
-          </p:cNvCxnSpPr>
-          <p:nvPr/>
-        </p:nvCxnSpPr>
-        <p:spPr>
-          <a:xfrm flipV="1">
-            <a:off x="1077849" y="2298138"/>
-            <a:ext cx="512723" cy="199832"/>
-          </a:xfrm>
-          <a:prstGeom prst="straightConnector1">
-            <a:avLst/>
-          </a:prstGeom>
-          <a:ln>
-            <a:tailEnd type="triangle"/>
-          </a:ln>
-        </p:spPr>
-        <p:style>
-          <a:lnRef idx="1">
-            <a:schemeClr val="accent1"/>
-          </a:lnRef>
-          <a:fillRef idx="0">
-            <a:schemeClr val="accent1"/>
-          </a:fillRef>
-          <a:effectRef idx="0">
-            <a:schemeClr val="accent1"/>
-          </a:effectRef>
-          <a:fontRef idx="minor">
-            <a:schemeClr val="tx1"/>
-          </a:fontRef>
-        </p:style>
-      </p:cxnSp>
-      <p:cxnSp>
-        <p:nvCxnSpPr>
-          <p:cNvPr id="34" name="直线箭头连接符 33"/>
-          <p:cNvCxnSpPr>
-            <a:stCxn id="10" idx="6"/>
-            <a:endCxn id="15" idx="2"/>
-          </p:cNvCxnSpPr>
-          <p:nvPr/>
-        </p:nvCxnSpPr>
-        <p:spPr>
-          <a:xfrm>
-            <a:off x="1077849" y="2497970"/>
-            <a:ext cx="512723" cy="308541"/>
-          </a:xfrm>
-          <a:prstGeom prst="straightConnector1">
-            <a:avLst/>
-          </a:prstGeom>
-          <a:ln>
-            <a:tailEnd type="triangle"/>
-          </a:ln>
-        </p:spPr>
-        <p:style>
-          <a:lnRef idx="1">
-            <a:schemeClr val="accent1"/>
-          </a:lnRef>
-          <a:fillRef idx="0">
-            <a:schemeClr val="accent1"/>
-          </a:fillRef>
-          <a:effectRef idx="0">
-            <a:schemeClr val="accent1"/>
-          </a:effectRef>
-          <a:fontRef idx="minor">
-            <a:schemeClr val="tx1"/>
-          </a:fontRef>
-        </p:style>
-      </p:cxnSp>
-      <p:cxnSp>
-        <p:nvCxnSpPr>
-          <p:cNvPr id="35" name="直线箭头连接符 34"/>
-          <p:cNvCxnSpPr>
-            <a:stCxn id="10" idx="6"/>
-            <a:endCxn id="16" idx="2"/>
-          </p:cNvCxnSpPr>
-          <p:nvPr/>
-        </p:nvCxnSpPr>
-        <p:spPr>
-          <a:xfrm>
-            <a:off x="1077849" y="2497970"/>
-            <a:ext cx="512723" cy="808624"/>
-          </a:xfrm>
-          <a:prstGeom prst="straightConnector1">
-            <a:avLst/>
-          </a:prstGeom>
-          <a:ln>
-            <a:tailEnd type="triangle"/>
-          </a:ln>
-        </p:spPr>
-        <p:style>
-          <a:lnRef idx="1">
-            <a:schemeClr val="accent1"/>
-          </a:lnRef>
-          <a:fillRef idx="0">
-            <a:schemeClr val="accent1"/>
-          </a:fillRef>
-          <a:effectRef idx="0">
-            <a:schemeClr val="accent1"/>
-          </a:effectRef>
-          <a:fontRef idx="minor">
-            <a:schemeClr val="tx1"/>
-          </a:fontRef>
-        </p:style>
-      </p:cxnSp>
-      <p:cxnSp>
-        <p:nvCxnSpPr>
-          <p:cNvPr id="36" name="直线箭头连接符 35"/>
-          <p:cNvCxnSpPr>
-            <a:stCxn id="11" idx="6"/>
-            <a:endCxn id="12" idx="2"/>
-          </p:cNvCxnSpPr>
-          <p:nvPr/>
-        </p:nvCxnSpPr>
-        <p:spPr>
-          <a:xfrm flipV="1">
-            <a:off x="1077849" y="1789070"/>
-            <a:ext cx="512723" cy="1150323"/>
-          </a:xfrm>
-          <a:prstGeom prst="straightConnector1">
-            <a:avLst/>
-          </a:prstGeom>
-          <a:ln>
-            <a:tailEnd type="triangle"/>
-          </a:ln>
-        </p:spPr>
-        <p:style>
-          <a:lnRef idx="1">
-            <a:schemeClr val="accent1"/>
-          </a:lnRef>
-          <a:fillRef idx="0">
-            <a:schemeClr val="accent1"/>
-          </a:fillRef>
-          <a:effectRef idx="0">
-            <a:schemeClr val="accent1"/>
-          </a:effectRef>
-          <a:fontRef idx="minor">
-            <a:schemeClr val="tx1"/>
-          </a:fontRef>
-        </p:style>
-      </p:cxnSp>
-      <p:cxnSp>
-        <p:nvCxnSpPr>
-          <p:cNvPr id="37" name="直线箭头连接符 36"/>
-          <p:cNvCxnSpPr>
-            <a:stCxn id="11" idx="6"/>
-            <a:endCxn id="14" idx="2"/>
-          </p:cNvCxnSpPr>
-          <p:nvPr/>
-        </p:nvCxnSpPr>
-        <p:spPr>
-          <a:xfrm flipV="1">
-            <a:off x="1077849" y="2298138"/>
-            <a:ext cx="512723" cy="641255"/>
-          </a:xfrm>
-          <a:prstGeom prst="straightConnector1">
-            <a:avLst/>
-          </a:prstGeom>
-          <a:ln>
-            <a:tailEnd type="triangle"/>
-          </a:ln>
-        </p:spPr>
-        <p:style>
-          <a:lnRef idx="1">
-            <a:schemeClr val="accent1"/>
-          </a:lnRef>
-          <a:fillRef idx="0">
-            <a:schemeClr val="accent1"/>
-          </a:fillRef>
-          <a:effectRef idx="0">
-            <a:schemeClr val="accent1"/>
-          </a:effectRef>
-          <a:fontRef idx="minor">
-            <a:schemeClr val="tx1"/>
-          </a:fontRef>
-        </p:style>
-      </p:cxnSp>
-      <p:cxnSp>
-        <p:nvCxnSpPr>
-          <p:cNvPr id="38" name="直线箭头连接符 37"/>
-          <p:cNvCxnSpPr>
-            <a:stCxn id="11" idx="6"/>
-            <a:endCxn id="15" idx="2"/>
-          </p:cNvCxnSpPr>
-          <p:nvPr/>
-        </p:nvCxnSpPr>
-        <p:spPr>
-          <a:xfrm flipV="1">
-            <a:off x="1077849" y="2806511"/>
-            <a:ext cx="512723" cy="132882"/>
-          </a:xfrm>
-          <a:prstGeom prst="straightConnector1">
-            <a:avLst/>
-          </a:prstGeom>
-          <a:ln>
-            <a:tailEnd type="triangle"/>
-          </a:ln>
-        </p:spPr>
-        <p:style>
-          <a:lnRef idx="1">
-            <a:schemeClr val="accent1"/>
-          </a:lnRef>
-          <a:fillRef idx="0">
-            <a:schemeClr val="accent1"/>
-          </a:fillRef>
-          <a:effectRef idx="0">
-            <a:schemeClr val="accent1"/>
-          </a:effectRef>
-          <a:fontRef idx="minor">
-            <a:schemeClr val="tx1"/>
-          </a:fontRef>
-        </p:style>
-      </p:cxnSp>
-      <p:cxnSp>
-        <p:nvCxnSpPr>
-          <p:cNvPr id="39" name="直线箭头连接符 38"/>
-          <p:cNvCxnSpPr>
-            <a:stCxn id="11" idx="6"/>
-            <a:endCxn id="16" idx="2"/>
-          </p:cNvCxnSpPr>
-          <p:nvPr/>
-        </p:nvCxnSpPr>
-        <p:spPr>
-          <a:xfrm>
-            <a:off x="1077849" y="2939393"/>
-            <a:ext cx="512723" cy="367201"/>
-          </a:xfrm>
-          <a:prstGeom prst="straightConnector1">
-            <a:avLst/>
-          </a:prstGeom>
-          <a:ln>
-            <a:tailEnd type="triangle"/>
-          </a:ln>
-        </p:spPr>
-        <p:style>
-          <a:lnRef idx="1">
-            <a:schemeClr val="accent1"/>
-          </a:lnRef>
-          <a:fillRef idx="0">
-            <a:schemeClr val="accent1"/>
-          </a:fillRef>
-          <a:effectRef idx="0">
-            <a:schemeClr val="accent1"/>
-          </a:effectRef>
-          <a:fontRef idx="minor">
-            <a:schemeClr val="tx1"/>
-          </a:fontRef>
-        </p:style>
-      </p:cxnSp>
-      <p:cxnSp>
-        <p:nvCxnSpPr>
-          <p:cNvPr id="40" name="直线箭头连接符 39"/>
-          <p:cNvCxnSpPr>
-            <a:endCxn id="17" idx="2"/>
-          </p:cNvCxnSpPr>
-          <p:nvPr/>
-        </p:nvCxnSpPr>
-        <p:spPr>
-          <a:xfrm>
-            <a:off x="1866534" y="1774596"/>
-            <a:ext cx="374742" cy="10092"/>
-          </a:xfrm>
-          <a:prstGeom prst="straightConnector1">
-            <a:avLst/>
-          </a:prstGeom>
-          <a:ln>
-            <a:tailEnd type="triangle"/>
-          </a:ln>
-        </p:spPr>
-        <p:style>
-          <a:lnRef idx="1">
-            <a:schemeClr val="accent1"/>
-          </a:lnRef>
-          <a:fillRef idx="0">
-            <a:schemeClr val="accent1"/>
-          </a:fillRef>
-          <a:effectRef idx="0">
-            <a:schemeClr val="accent1"/>
-          </a:effectRef>
-          <a:fontRef idx="minor">
-            <a:schemeClr val="tx1"/>
-          </a:fontRef>
-        </p:style>
-      </p:cxnSp>
-      <p:cxnSp>
-        <p:nvCxnSpPr>
-          <p:cNvPr id="58" name="直线箭头连接符 57"/>
-          <p:cNvCxnSpPr>
-            <a:stCxn id="12" idx="6"/>
-            <a:endCxn id="18" idx="2"/>
-          </p:cNvCxnSpPr>
-          <p:nvPr/>
-        </p:nvCxnSpPr>
-        <p:spPr>
-          <a:xfrm>
-            <a:off x="1866534" y="1789070"/>
-            <a:ext cx="374742" cy="510518"/>
-          </a:xfrm>
-          <a:prstGeom prst="straightConnector1">
-            <a:avLst/>
-          </a:prstGeom>
-          <a:ln>
-            <a:tailEnd type="triangle"/>
-          </a:ln>
-        </p:spPr>
-        <p:style>
-          <a:lnRef idx="1">
-            <a:schemeClr val="accent1"/>
-          </a:lnRef>
-          <a:fillRef idx="0">
-            <a:schemeClr val="accent1"/>
-          </a:fillRef>
-          <a:effectRef idx="0">
-            <a:schemeClr val="accent1"/>
-          </a:effectRef>
-          <a:fontRef idx="minor">
-            <a:schemeClr val="tx1"/>
-          </a:fontRef>
-        </p:style>
-      </p:cxnSp>
-      <p:cxnSp>
-        <p:nvCxnSpPr>
-          <p:cNvPr id="59" name="直线箭头连接符 58"/>
-          <p:cNvCxnSpPr>
-            <a:stCxn id="12" idx="6"/>
-            <a:endCxn id="19" idx="2"/>
-          </p:cNvCxnSpPr>
-          <p:nvPr/>
-        </p:nvCxnSpPr>
-        <p:spPr>
-          <a:xfrm>
-            <a:off x="1866534" y="1789070"/>
-            <a:ext cx="374742" cy="1017441"/>
-          </a:xfrm>
-          <a:prstGeom prst="straightConnector1">
-            <a:avLst/>
-          </a:prstGeom>
-          <a:ln>
-            <a:tailEnd type="triangle"/>
-          </a:ln>
-        </p:spPr>
-        <p:style>
-          <a:lnRef idx="1">
-            <a:schemeClr val="accent1"/>
-          </a:lnRef>
-          <a:fillRef idx="0">
-            <a:schemeClr val="accent1"/>
-          </a:fillRef>
-          <a:effectRef idx="0">
-            <a:schemeClr val="accent1"/>
-          </a:effectRef>
-          <a:fontRef idx="minor">
-            <a:schemeClr val="tx1"/>
-          </a:fontRef>
-        </p:style>
-      </p:cxnSp>
-      <p:cxnSp>
-        <p:nvCxnSpPr>
-          <p:cNvPr id="60" name="直线箭头连接符 59"/>
-          <p:cNvCxnSpPr>
-            <a:stCxn id="12" idx="6"/>
-            <a:endCxn id="20" idx="2"/>
-          </p:cNvCxnSpPr>
-          <p:nvPr/>
-        </p:nvCxnSpPr>
-        <p:spPr>
-          <a:xfrm>
-            <a:off x="1866534" y="1789070"/>
-            <a:ext cx="374742" cy="1520202"/>
-          </a:xfrm>
-          <a:prstGeom prst="straightConnector1">
-            <a:avLst/>
-          </a:prstGeom>
-          <a:ln>
-            <a:tailEnd type="triangle"/>
-          </a:ln>
-        </p:spPr>
-        <p:style>
-          <a:lnRef idx="1">
-            <a:schemeClr val="accent1"/>
-          </a:lnRef>
-          <a:fillRef idx="0">
-            <a:schemeClr val="accent1"/>
-          </a:fillRef>
-          <a:effectRef idx="0">
-            <a:schemeClr val="accent1"/>
-          </a:effectRef>
-          <a:fontRef idx="minor">
-            <a:schemeClr val="tx1"/>
-          </a:fontRef>
-        </p:style>
-      </p:cxnSp>
-      <p:cxnSp>
-        <p:nvCxnSpPr>
-          <p:cNvPr id="61" name="直线箭头连接符 60"/>
-          <p:cNvCxnSpPr>
-            <a:stCxn id="14" idx="6"/>
-            <a:endCxn id="17" idx="2"/>
-          </p:cNvCxnSpPr>
-          <p:nvPr/>
-        </p:nvCxnSpPr>
-        <p:spPr>
-          <a:xfrm flipV="1">
-            <a:off x="1866534" y="1784688"/>
-            <a:ext cx="374742" cy="513450"/>
-          </a:xfrm>
-          <a:prstGeom prst="straightConnector1">
-            <a:avLst/>
-          </a:prstGeom>
-          <a:ln>
-            <a:tailEnd type="triangle"/>
-          </a:ln>
-        </p:spPr>
-        <p:style>
-          <a:lnRef idx="1">
-            <a:schemeClr val="accent1"/>
-          </a:lnRef>
-          <a:fillRef idx="0">
-            <a:schemeClr val="accent1"/>
-          </a:fillRef>
-          <a:effectRef idx="0">
-            <a:schemeClr val="accent1"/>
-          </a:effectRef>
-          <a:fontRef idx="minor">
-            <a:schemeClr val="tx1"/>
-          </a:fontRef>
-        </p:style>
-      </p:cxnSp>
-      <p:cxnSp>
-        <p:nvCxnSpPr>
-          <p:cNvPr id="62" name="直线箭头连接符 61"/>
-          <p:cNvCxnSpPr>
-            <a:stCxn id="14" idx="6"/>
-            <a:endCxn id="18" idx="2"/>
-          </p:cNvCxnSpPr>
-          <p:nvPr/>
-        </p:nvCxnSpPr>
-        <p:spPr>
-          <a:xfrm>
-            <a:off x="1866534" y="2298138"/>
-            <a:ext cx="374742" cy="1450"/>
-          </a:xfrm>
-          <a:prstGeom prst="straightConnector1">
-            <a:avLst/>
-          </a:prstGeom>
-          <a:ln>
-            <a:tailEnd type="triangle"/>
-          </a:ln>
-        </p:spPr>
-        <p:style>
-          <a:lnRef idx="1">
-            <a:schemeClr val="accent1"/>
-          </a:lnRef>
-          <a:fillRef idx="0">
-            <a:schemeClr val="accent1"/>
-          </a:fillRef>
-          <a:effectRef idx="0">
-            <a:schemeClr val="accent1"/>
-          </a:effectRef>
-          <a:fontRef idx="minor">
-            <a:schemeClr val="tx1"/>
-          </a:fontRef>
-        </p:style>
-      </p:cxnSp>
-      <p:cxnSp>
-        <p:nvCxnSpPr>
-          <p:cNvPr id="63" name="直线箭头连接符 62"/>
-          <p:cNvCxnSpPr>
-            <a:stCxn id="14" idx="6"/>
-            <a:endCxn id="19" idx="2"/>
-          </p:cNvCxnSpPr>
-          <p:nvPr/>
-        </p:nvCxnSpPr>
-        <p:spPr>
-          <a:xfrm>
-            <a:off x="1866534" y="2298138"/>
-            <a:ext cx="374742" cy="508373"/>
-          </a:xfrm>
-          <a:prstGeom prst="straightConnector1">
-            <a:avLst/>
-          </a:prstGeom>
-          <a:ln>
-            <a:tailEnd type="triangle"/>
-          </a:ln>
-        </p:spPr>
-        <p:style>
-          <a:lnRef idx="1">
-            <a:schemeClr val="accent1"/>
-          </a:lnRef>
-          <a:fillRef idx="0">
-            <a:schemeClr val="accent1"/>
-          </a:fillRef>
-          <a:effectRef idx="0">
-            <a:schemeClr val="accent1"/>
-          </a:effectRef>
-          <a:fontRef idx="minor">
-            <a:schemeClr val="tx1"/>
-          </a:fontRef>
-        </p:style>
-      </p:cxnSp>
-      <p:cxnSp>
-        <p:nvCxnSpPr>
-          <p:cNvPr id="64" name="直线箭头连接符 63"/>
-          <p:cNvCxnSpPr>
-            <a:stCxn id="14" idx="6"/>
-            <a:endCxn id="20" idx="2"/>
-          </p:cNvCxnSpPr>
-          <p:nvPr/>
-        </p:nvCxnSpPr>
-        <p:spPr>
-          <a:xfrm>
-            <a:off x="1866534" y="2298138"/>
-            <a:ext cx="374742" cy="1011134"/>
-          </a:xfrm>
-          <a:prstGeom prst="straightConnector1">
-            <a:avLst/>
-          </a:prstGeom>
-          <a:ln>
-            <a:tailEnd type="triangle"/>
-          </a:ln>
-        </p:spPr>
-        <p:style>
-          <a:lnRef idx="1">
-            <a:schemeClr val="accent1"/>
-          </a:lnRef>
-          <a:fillRef idx="0">
-            <a:schemeClr val="accent1"/>
-          </a:fillRef>
-          <a:effectRef idx="0">
-            <a:schemeClr val="accent1"/>
-          </a:effectRef>
-          <a:fontRef idx="minor">
-            <a:schemeClr val="tx1"/>
-          </a:fontRef>
-        </p:style>
-      </p:cxnSp>
-      <p:cxnSp>
-        <p:nvCxnSpPr>
-          <p:cNvPr id="65" name="直线箭头连接符 64"/>
-          <p:cNvCxnSpPr>
-            <a:stCxn id="15" idx="6"/>
-            <a:endCxn id="17" idx="2"/>
-          </p:cNvCxnSpPr>
-          <p:nvPr/>
-        </p:nvCxnSpPr>
-        <p:spPr>
-          <a:xfrm flipV="1">
-            <a:off x="1866534" y="1784688"/>
-            <a:ext cx="374742" cy="1021823"/>
-          </a:xfrm>
-          <a:prstGeom prst="straightConnector1">
-            <a:avLst/>
-          </a:prstGeom>
-          <a:ln>
-            <a:tailEnd type="triangle"/>
-          </a:ln>
-        </p:spPr>
-        <p:style>
-          <a:lnRef idx="1">
-            <a:schemeClr val="accent1"/>
-          </a:lnRef>
-          <a:fillRef idx="0">
-            <a:schemeClr val="accent1"/>
-          </a:fillRef>
-          <a:effectRef idx="0">
-            <a:schemeClr val="accent1"/>
-          </a:effectRef>
-          <a:fontRef idx="minor">
-            <a:schemeClr val="tx1"/>
-          </a:fontRef>
-        </p:style>
-      </p:cxnSp>
-      <p:cxnSp>
-        <p:nvCxnSpPr>
-          <p:cNvPr id="66" name="直线箭头连接符 65"/>
-          <p:cNvCxnSpPr>
-            <a:stCxn id="15" idx="6"/>
-            <a:endCxn id="18" idx="2"/>
-          </p:cNvCxnSpPr>
-          <p:nvPr/>
-        </p:nvCxnSpPr>
-        <p:spPr>
-          <a:xfrm flipV="1">
-            <a:off x="1866534" y="2299588"/>
-            <a:ext cx="374742" cy="506923"/>
-          </a:xfrm>
-          <a:prstGeom prst="straightConnector1">
-            <a:avLst/>
-          </a:prstGeom>
-          <a:ln>
-            <a:tailEnd type="triangle"/>
-          </a:ln>
-        </p:spPr>
-        <p:style>
-          <a:lnRef idx="1">
-            <a:schemeClr val="accent1"/>
-          </a:lnRef>
-          <a:fillRef idx="0">
-            <a:schemeClr val="accent1"/>
-          </a:fillRef>
-          <a:effectRef idx="0">
-            <a:schemeClr val="accent1"/>
-          </a:effectRef>
-          <a:fontRef idx="minor">
-            <a:schemeClr val="tx1"/>
-          </a:fontRef>
-        </p:style>
-      </p:cxnSp>
-      <p:cxnSp>
-        <p:nvCxnSpPr>
-          <p:cNvPr id="67" name="直线箭头连接符 66"/>
-          <p:cNvCxnSpPr>
-            <a:stCxn id="15" idx="6"/>
-            <a:endCxn id="19" idx="2"/>
-          </p:cNvCxnSpPr>
-          <p:nvPr/>
-        </p:nvCxnSpPr>
-        <p:spPr>
-          <a:xfrm>
-            <a:off x="1866534" y="2806511"/>
-            <a:ext cx="374742" cy="0"/>
-          </a:xfrm>
-          <a:prstGeom prst="straightConnector1">
-            <a:avLst/>
-          </a:prstGeom>
-          <a:ln>
-            <a:tailEnd type="triangle"/>
-          </a:ln>
-        </p:spPr>
-        <p:style>
-          <a:lnRef idx="1">
-            <a:schemeClr val="accent1"/>
-          </a:lnRef>
-          <a:fillRef idx="0">
-            <a:schemeClr val="accent1"/>
-          </a:fillRef>
-          <a:effectRef idx="0">
-            <a:schemeClr val="accent1"/>
-          </a:effectRef>
-          <a:fontRef idx="minor">
-            <a:schemeClr val="tx1"/>
-          </a:fontRef>
-        </p:style>
-      </p:cxnSp>
-      <p:cxnSp>
-        <p:nvCxnSpPr>
-          <p:cNvPr id="88" name="直线箭头连接符 87"/>
-          <p:cNvCxnSpPr>
-            <a:stCxn id="16" idx="6"/>
-            <a:endCxn id="19" idx="2"/>
-          </p:cNvCxnSpPr>
-          <p:nvPr/>
-        </p:nvCxnSpPr>
-        <p:spPr>
-          <a:xfrm flipV="1">
-            <a:off x="1866534" y="2806511"/>
-            <a:ext cx="374742" cy="500083"/>
-          </a:xfrm>
-          <a:prstGeom prst="straightConnector1">
-            <a:avLst/>
-          </a:prstGeom>
-          <a:ln>
-            <a:tailEnd type="triangle"/>
-          </a:ln>
-        </p:spPr>
-        <p:style>
-          <a:lnRef idx="1">
-            <a:schemeClr val="accent1"/>
-          </a:lnRef>
-          <a:fillRef idx="0">
-            <a:schemeClr val="accent1"/>
-          </a:fillRef>
-          <a:effectRef idx="0">
-            <a:schemeClr val="accent1"/>
-          </a:effectRef>
-          <a:fontRef idx="minor">
-            <a:schemeClr val="tx1"/>
-          </a:fontRef>
-        </p:style>
-      </p:cxnSp>
-      <p:cxnSp>
-        <p:nvCxnSpPr>
-          <p:cNvPr id="89" name="直线箭头连接符 88"/>
-          <p:cNvCxnSpPr>
-            <a:stCxn id="16" idx="6"/>
-            <a:endCxn id="20" idx="2"/>
-          </p:cNvCxnSpPr>
-          <p:nvPr/>
-        </p:nvCxnSpPr>
-        <p:spPr>
-          <a:xfrm>
-            <a:off x="1866534" y="3306594"/>
-            <a:ext cx="374742" cy="2678"/>
-          </a:xfrm>
-          <a:prstGeom prst="straightConnector1">
-            <a:avLst/>
-          </a:prstGeom>
-          <a:ln>
-            <a:tailEnd type="triangle"/>
-          </a:ln>
-        </p:spPr>
-        <p:style>
-          <a:lnRef idx="1">
-            <a:schemeClr val="accent1"/>
-          </a:lnRef>
-          <a:fillRef idx="0">
-            <a:schemeClr val="accent1"/>
-          </a:fillRef>
-          <a:effectRef idx="0">
-            <a:schemeClr val="accent1"/>
-          </a:effectRef>
-          <a:fontRef idx="minor">
-            <a:schemeClr val="tx1"/>
-          </a:fontRef>
-        </p:style>
-      </p:cxnSp>
-      <p:cxnSp>
-        <p:nvCxnSpPr>
-          <p:cNvPr id="90" name="直线箭头连接符 89"/>
-          <p:cNvCxnSpPr>
-            <a:stCxn id="16" idx="6"/>
-            <a:endCxn id="18" idx="2"/>
-          </p:cNvCxnSpPr>
-          <p:nvPr/>
-        </p:nvCxnSpPr>
-        <p:spPr>
-          <a:xfrm flipV="1">
-            <a:off x="1866534" y="2299588"/>
-            <a:ext cx="374742" cy="1007006"/>
-          </a:xfrm>
-          <a:prstGeom prst="straightConnector1">
-            <a:avLst/>
-          </a:prstGeom>
-          <a:ln>
-            <a:tailEnd type="triangle"/>
-          </a:ln>
-        </p:spPr>
-        <p:style>
-          <a:lnRef idx="1">
-            <a:schemeClr val="accent1"/>
-          </a:lnRef>
-          <a:fillRef idx="0">
-            <a:schemeClr val="accent1"/>
-          </a:fillRef>
-          <a:effectRef idx="0">
-            <a:schemeClr val="accent1"/>
-          </a:effectRef>
-          <a:fontRef idx="minor">
-            <a:schemeClr val="tx1"/>
-          </a:fontRef>
-        </p:style>
-      </p:cxnSp>
-      <p:cxnSp>
-        <p:nvCxnSpPr>
-          <p:cNvPr id="91" name="直线箭头连接符 90"/>
-          <p:cNvCxnSpPr>
-            <a:stCxn id="16" idx="6"/>
-            <a:endCxn id="17" idx="2"/>
-          </p:cNvCxnSpPr>
-          <p:nvPr/>
-        </p:nvCxnSpPr>
-        <p:spPr>
-          <a:xfrm flipV="1">
-            <a:off x="1866534" y="1784688"/>
-            <a:ext cx="374742" cy="1521906"/>
-          </a:xfrm>
-          <a:prstGeom prst="straightConnector1">
-            <a:avLst/>
-          </a:prstGeom>
-          <a:ln>
-            <a:tailEnd type="triangle"/>
-          </a:ln>
-        </p:spPr>
-        <p:style>
-          <a:lnRef idx="1">
-            <a:schemeClr val="accent1"/>
-          </a:lnRef>
-          <a:fillRef idx="0">
-            <a:schemeClr val="accent1"/>
-          </a:fillRef>
-          <a:effectRef idx="0">
-            <a:schemeClr val="accent1"/>
-          </a:effectRef>
-          <a:fontRef idx="minor">
-            <a:schemeClr val="tx1"/>
-          </a:fontRef>
-        </p:style>
-      </p:cxnSp>
-      <p:cxnSp>
-        <p:nvCxnSpPr>
-          <p:cNvPr id="92" name="直线箭头连接符 91"/>
-          <p:cNvCxnSpPr>
-            <a:stCxn id="15" idx="6"/>
-            <a:endCxn id="20" idx="2"/>
-          </p:cNvCxnSpPr>
-          <p:nvPr/>
-        </p:nvCxnSpPr>
-        <p:spPr>
-          <a:xfrm>
-            <a:off x="1866534" y="2806511"/>
-            <a:ext cx="374742" cy="502761"/>
-          </a:xfrm>
-          <a:prstGeom prst="straightConnector1">
-            <a:avLst/>
-          </a:prstGeom>
-          <a:ln>
-            <a:tailEnd type="triangle"/>
-          </a:ln>
-        </p:spPr>
-        <p:style>
-          <a:lnRef idx="1">
-            <a:schemeClr val="accent1"/>
-          </a:lnRef>
-          <a:fillRef idx="0">
-            <a:schemeClr val="accent1"/>
-          </a:fillRef>
-          <a:effectRef idx="0">
-            <a:schemeClr val="accent1"/>
-          </a:effectRef>
-          <a:fontRef idx="minor">
-            <a:schemeClr val="tx1"/>
-          </a:fontRef>
-        </p:style>
-      </p:cxnSp>
-      <p:cxnSp>
-        <p:nvCxnSpPr>
-          <p:cNvPr id="93" name="直线箭头连接符 92"/>
-          <p:cNvCxnSpPr>
-            <a:stCxn id="17" idx="6"/>
-            <a:endCxn id="21" idx="2"/>
-          </p:cNvCxnSpPr>
-          <p:nvPr/>
-        </p:nvCxnSpPr>
-        <p:spPr>
-          <a:xfrm>
-            <a:off x="2517238" y="1784688"/>
-            <a:ext cx="534493" cy="741008"/>
-          </a:xfrm>
-          <a:prstGeom prst="straightConnector1">
-            <a:avLst/>
-          </a:prstGeom>
-          <a:ln>
-            <a:tailEnd type="triangle"/>
-          </a:ln>
-        </p:spPr>
-        <p:style>
-          <a:lnRef idx="1">
-            <a:schemeClr val="accent1"/>
-          </a:lnRef>
-          <a:fillRef idx="0">
-            <a:schemeClr val="accent1"/>
-          </a:fillRef>
-          <a:effectRef idx="0">
-            <a:schemeClr val="accent1"/>
-          </a:effectRef>
-          <a:fontRef idx="minor">
-            <a:schemeClr val="tx1"/>
-          </a:fontRef>
-        </p:style>
-      </p:cxnSp>
-      <p:cxnSp>
-        <p:nvCxnSpPr>
-          <p:cNvPr id="94" name="直线箭头连接符 93"/>
-          <p:cNvCxnSpPr>
-            <a:stCxn id="18" idx="6"/>
-            <a:endCxn id="21" idx="2"/>
-          </p:cNvCxnSpPr>
-          <p:nvPr/>
-        </p:nvCxnSpPr>
-        <p:spPr>
-          <a:xfrm>
-            <a:off x="2517238" y="2299588"/>
-            <a:ext cx="534493" cy="226108"/>
-          </a:xfrm>
-          <a:prstGeom prst="straightConnector1">
-            <a:avLst/>
-          </a:prstGeom>
-          <a:ln>
-            <a:tailEnd type="triangle"/>
-          </a:ln>
-        </p:spPr>
-        <p:style>
-          <a:lnRef idx="1">
-            <a:schemeClr val="accent1"/>
-          </a:lnRef>
-          <a:fillRef idx="0">
-            <a:schemeClr val="accent1"/>
-          </a:fillRef>
-          <a:effectRef idx="0">
-            <a:schemeClr val="accent1"/>
-          </a:effectRef>
-          <a:fontRef idx="minor">
-            <a:schemeClr val="tx1"/>
-          </a:fontRef>
-        </p:style>
-      </p:cxnSp>
-      <p:cxnSp>
-        <p:nvCxnSpPr>
-          <p:cNvPr id="95" name="直线箭头连接符 94"/>
-          <p:cNvCxnSpPr>
-            <a:stCxn id="19" idx="6"/>
-            <a:endCxn id="21" idx="2"/>
-          </p:cNvCxnSpPr>
-          <p:nvPr/>
-        </p:nvCxnSpPr>
-        <p:spPr>
-          <a:xfrm flipV="1">
-            <a:off x="2517238" y="2525696"/>
-            <a:ext cx="534493" cy="280815"/>
-          </a:xfrm>
-          <a:prstGeom prst="straightConnector1">
-            <a:avLst/>
-          </a:prstGeom>
-          <a:ln>
-            <a:tailEnd type="triangle"/>
-          </a:ln>
-        </p:spPr>
-        <p:style>
-          <a:lnRef idx="1">
-            <a:schemeClr val="accent1"/>
-          </a:lnRef>
-          <a:fillRef idx="0">
-            <a:schemeClr val="accent1"/>
-          </a:fillRef>
-          <a:effectRef idx="0">
-            <a:schemeClr val="accent1"/>
-          </a:effectRef>
-          <a:fontRef idx="minor">
-            <a:schemeClr val="tx1"/>
-          </a:fontRef>
-        </p:style>
-      </p:cxnSp>
-      <p:cxnSp>
-        <p:nvCxnSpPr>
-          <p:cNvPr id="96" name="直线箭头连接符 95"/>
-          <p:cNvCxnSpPr>
-            <a:stCxn id="20" idx="6"/>
-            <a:endCxn id="21" idx="2"/>
-          </p:cNvCxnSpPr>
-          <p:nvPr/>
-        </p:nvCxnSpPr>
-        <p:spPr>
-          <a:xfrm flipV="1">
-            <a:off x="2517238" y="2525696"/>
-            <a:ext cx="534493" cy="783576"/>
-          </a:xfrm>
-          <a:prstGeom prst="straightConnector1">
-            <a:avLst/>
-          </a:prstGeom>
-          <a:ln>
-            <a:tailEnd type="triangle"/>
-          </a:ln>
-        </p:spPr>
-        <p:style>
-          <a:lnRef idx="1">
-            <a:schemeClr val="accent1"/>
-          </a:lnRef>
-          <a:fillRef idx="0">
-            <a:schemeClr val="accent1"/>
-          </a:fillRef>
-          <a:effectRef idx="0">
-            <a:schemeClr val="accent1"/>
-          </a:effectRef>
-          <a:fontRef idx="minor">
-            <a:schemeClr val="tx1"/>
-          </a:fontRef>
-        </p:style>
-      </p:cxnSp>
-      <p:sp>
-        <p:nvSpPr>
-          <p:cNvPr id="118" name="文本框 117"/>
-          <p:cNvSpPr txBox="1"/>
-          <p:nvPr/>
-        </p:nvSpPr>
-        <p:spPr>
-          <a:xfrm>
-            <a:off x="610449" y="3207043"/>
-            <a:ext cx="679994" cy="369332"/>
-          </a:xfrm>
-          <a:prstGeom prst="rect">
-            <a:avLst/>
-          </a:prstGeom>
-          <a:noFill/>
-        </p:spPr>
-        <p:txBody>
-          <a:bodyPr wrap="none" rtlCol="0">
-            <a:spAutoFit/>
-          </a:bodyPr>
-          <a:lstStyle/>
-          <a:p>
-            <a:r>
-              <a:rPr kumimoji="1" lang="en-US" altLang="zh-CN" smtClean="0"/>
-              <a:t>input</a:t>
-            </a:r>
-            <a:endParaRPr kumimoji="1" lang="zh-CN" altLang="en-US" dirty="0"/>
-          </a:p>
-        </p:txBody>
-      </p:sp>
-      <p:sp>
-        <p:nvSpPr>
-          <p:cNvPr id="119" name="文本框 118"/>
-          <p:cNvSpPr txBox="1"/>
-          <p:nvPr/>
-        </p:nvSpPr>
-        <p:spPr>
-          <a:xfrm>
-            <a:off x="377537" y="3874302"/>
-            <a:ext cx="1488997" cy="369332"/>
-          </a:xfrm>
-          <a:prstGeom prst="rect">
-            <a:avLst/>
-          </a:prstGeom>
-          <a:noFill/>
-        </p:spPr>
-        <p:txBody>
-          <a:bodyPr wrap="none" rtlCol="0">
-            <a:spAutoFit/>
-          </a:bodyPr>
-          <a:lstStyle/>
-          <a:p>
-            <a:r>
-              <a:rPr kumimoji="1" lang="en-US" altLang="zh-CN" smtClean="0"/>
-              <a:t>Hidden layer1</a:t>
-            </a:r>
-            <a:endParaRPr kumimoji="1" lang="zh-CN" altLang="en-US" dirty="0"/>
-          </a:p>
-        </p:txBody>
-      </p:sp>
-      <p:cxnSp>
-        <p:nvCxnSpPr>
-          <p:cNvPr id="121" name="曲线连接符 120"/>
-          <p:cNvCxnSpPr>
-            <a:stCxn id="16" idx="4"/>
-            <a:endCxn id="119" idx="0"/>
-          </p:cNvCxnSpPr>
-          <p:nvPr/>
-        </p:nvCxnSpPr>
-        <p:spPr>
-          <a:xfrm rot="5400000">
-            <a:off x="1218576" y="3364325"/>
-            <a:ext cx="413438" cy="606517"/>
-          </a:xfrm>
-          <a:prstGeom prst="curvedConnector3">
-            <a:avLst>
-              <a:gd name="adj1" fmla="val 50000"/>
-            </a:avLst>
-          </a:prstGeom>
-          <a:ln>
-            <a:headEnd type="triangle"/>
-            <a:tailEnd type="triangle"/>
-          </a:ln>
-        </p:spPr>
-        <p:style>
-          <a:lnRef idx="1">
-            <a:schemeClr val="accent1"/>
-          </a:lnRef>
-          <a:fillRef idx="0">
-            <a:schemeClr val="accent1"/>
-          </a:fillRef>
-          <a:effectRef idx="0">
-            <a:schemeClr val="accent1"/>
-          </a:effectRef>
-          <a:fontRef idx="minor">
-            <a:schemeClr val="tx1"/>
-          </a:fontRef>
-        </p:style>
-      </p:cxnSp>
-      <p:sp>
-        <p:nvSpPr>
-          <p:cNvPr id="123" name="文本框 122"/>
-          <p:cNvSpPr txBox="1"/>
-          <p:nvPr/>
-        </p:nvSpPr>
-        <p:spPr>
-          <a:xfrm>
-            <a:off x="1994601" y="3874302"/>
-            <a:ext cx="1488997" cy="369332"/>
-          </a:xfrm>
-          <a:prstGeom prst="rect">
-            <a:avLst/>
-          </a:prstGeom>
-          <a:noFill/>
-        </p:spPr>
-        <p:txBody>
-          <a:bodyPr wrap="none" rtlCol="0">
-            <a:spAutoFit/>
-          </a:bodyPr>
-          <a:lstStyle/>
-          <a:p>
-            <a:r>
-              <a:rPr kumimoji="1" lang="en-US" altLang="zh-CN" dirty="0" smtClean="0"/>
-              <a:t>Hidden layer2</a:t>
-            </a:r>
-            <a:endParaRPr kumimoji="1" lang="zh-CN" altLang="en-US" dirty="0"/>
-          </a:p>
-        </p:txBody>
-      </p:sp>
-      <p:cxnSp>
-        <p:nvCxnSpPr>
-          <p:cNvPr id="125" name="曲线连接符 124"/>
-          <p:cNvCxnSpPr>
-            <a:stCxn id="20" idx="4"/>
-            <a:endCxn id="123" idx="0"/>
-          </p:cNvCxnSpPr>
-          <p:nvPr/>
-        </p:nvCxnSpPr>
-        <p:spPr>
-          <a:xfrm rot="16200000" flipH="1">
-            <a:off x="2353798" y="3489000"/>
-            <a:ext cx="410760" cy="359843"/>
-          </a:xfrm>
-          <a:prstGeom prst="curvedConnector3">
-            <a:avLst/>
-          </a:prstGeom>
-          <a:ln>
-            <a:headEnd type="triangle"/>
-            <a:tailEnd type="triangle"/>
-          </a:ln>
-        </p:spPr>
-        <p:style>
-          <a:lnRef idx="1">
-            <a:schemeClr val="accent1"/>
-          </a:lnRef>
-          <a:fillRef idx="0">
-            <a:schemeClr val="accent1"/>
-          </a:fillRef>
-          <a:effectRef idx="0">
-            <a:schemeClr val="accent1"/>
-          </a:effectRef>
-          <a:fontRef idx="minor">
-            <a:schemeClr val="tx1"/>
-          </a:fontRef>
-        </p:style>
-      </p:cxnSp>
-      <p:sp>
-        <p:nvSpPr>
-          <p:cNvPr id="126" name="文本框 125"/>
-          <p:cNvSpPr txBox="1"/>
-          <p:nvPr/>
-        </p:nvSpPr>
-        <p:spPr>
-          <a:xfrm>
-            <a:off x="2827160" y="2947759"/>
-            <a:ext cx="825867" cy="369332"/>
-          </a:xfrm>
-          <a:prstGeom prst="rect">
-            <a:avLst/>
-          </a:prstGeom>
-          <a:noFill/>
-        </p:spPr>
-        <p:txBody>
-          <a:bodyPr wrap="none" rtlCol="0">
-            <a:spAutoFit/>
-          </a:bodyPr>
-          <a:lstStyle/>
-          <a:p>
-            <a:r>
-              <a:rPr kumimoji="1" lang="en-US" altLang="zh-CN" smtClean="0"/>
-              <a:t>output</a:t>
-            </a:r>
-            <a:endParaRPr kumimoji="1" lang="zh-CN" altLang="en-US" dirty="0"/>
-          </a:p>
-        </p:txBody>
-      </p:sp>
-      <p:pic>
-        <p:nvPicPr>
-          <p:cNvPr id="127" name="图片 126"/>
-          <p:cNvPicPr>
-            <a:picLocks noChangeAspect="1"/>
-          </p:cNvPicPr>
-          <p:nvPr/>
-        </p:nvPicPr>
-        <p:blipFill>
-          <a:blip r:embed="rId8"/>
-          <a:stretch>
-            <a:fillRect/>
-          </a:stretch>
-        </p:blipFill>
-        <p:spPr>
-          <a:xfrm>
-            <a:off x="4187520" y="945589"/>
-            <a:ext cx="3238500" cy="2590800"/>
-          </a:xfrm>
-          <a:prstGeom prst="rect">
-            <a:avLst/>
-          </a:prstGeom>
-        </p:spPr>
-      </p:pic>
-      <p:sp>
-        <p:nvSpPr>
-          <p:cNvPr id="128" name="文本框 127"/>
-          <p:cNvSpPr txBox="1"/>
-          <p:nvPr/>
-        </p:nvSpPr>
-        <p:spPr>
-          <a:xfrm>
-            <a:off x="6718717" y="6417550"/>
-            <a:ext cx="4874732" cy="369332"/>
-          </a:xfrm>
-          <a:prstGeom prst="rect">
-            <a:avLst/>
-          </a:prstGeom>
-          <a:noFill/>
-        </p:spPr>
-        <p:txBody>
-          <a:bodyPr wrap="none" rtlCol="0">
-            <a:spAutoFit/>
-          </a:bodyPr>
-          <a:lstStyle/>
-          <a:p>
-            <a:r>
-              <a:rPr kumimoji="1" lang="en-US" altLang="zh-CN" dirty="0" smtClean="0"/>
-              <a:t>Picture</a:t>
-            </a:r>
-            <a:r>
-              <a:rPr kumimoji="1" lang="zh-CN" altLang="en-US" dirty="0" smtClean="0"/>
-              <a:t> </a:t>
-            </a:r>
-            <a:r>
-              <a:rPr kumimoji="1" lang="en-US" altLang="zh-CN" dirty="0" smtClean="0"/>
-              <a:t>from</a:t>
-            </a:r>
-            <a:r>
-              <a:rPr kumimoji="1" lang="zh-CN" altLang="en-US" dirty="0" smtClean="0"/>
-              <a:t> </a:t>
-            </a:r>
-            <a:r>
-              <a:rPr lang="en-US" altLang="zh-CN" dirty="0" smtClean="0"/>
-              <a:t>:</a:t>
-            </a:r>
-            <a:r>
-              <a:rPr lang="en-US" altLang="zh-CN" dirty="0"/>
-              <a:t> </a:t>
-            </a:r>
-            <a:r>
-              <a:rPr lang="en-US" altLang="zh-CN" u="sng" dirty="0"/>
-              <a:t>http://yann.lecun.com/exdb/mnist/</a:t>
-            </a:r>
-            <a:endParaRPr kumimoji="1" lang="zh-CN" altLang="en-US" dirty="0"/>
-          </a:p>
-        </p:txBody>
-      </p:sp>
-      <p:pic>
-        <p:nvPicPr>
-          <p:cNvPr id="129" name="图片 128"/>
-          <p:cNvPicPr>
-            <a:picLocks noChangeAspect="1"/>
-          </p:cNvPicPr>
-          <p:nvPr/>
-        </p:nvPicPr>
-        <p:blipFill>
-          <a:blip r:embed="rId9"/>
-          <a:stretch>
-            <a:fillRect/>
-          </a:stretch>
-        </p:blipFill>
-        <p:spPr>
-          <a:xfrm>
-            <a:off x="4187520" y="3620922"/>
-            <a:ext cx="7143160" cy="3124518"/>
-          </a:xfrm>
-          <a:prstGeom prst="rect">
-            <a:avLst/>
-          </a:prstGeom>
-        </p:spPr>
-      </p:pic>
     </p:spTree>
     <p:extLst>
       <p:ext uri="{BB962C8B-B14F-4D97-AF65-F5344CB8AC3E}">
@@ -10665,75 +11111,7 @@
   <p:timing>
     <p:tnLst>
       <p:par>
-        <p:cTn id="1" dur="indefinite" restart="never" nodeType="tmRoot">
-          <p:childTnLst>
-            <p:seq concurrent="1" nextAc="seek">
-              <p:cTn id="2" dur="indefinite" nodeType="mainSeq">
-                <p:childTnLst>
-                  <p:par>
-                    <p:cTn id="3" fill="hold">
-                      <p:stCondLst>
-                        <p:cond delay="indefinite"/>
-                      </p:stCondLst>
-                      <p:childTnLst>
-                        <p:par>
-                          <p:cTn id="4" fill="hold">
-                            <p:stCondLst>
-                              <p:cond delay="0"/>
-                            </p:stCondLst>
-                            <p:childTnLst>
-                              <p:par>
-                                <p:cTn id="5" presetID="1" presetClass="entr" presetSubtype="0" fill="hold" nodeType="clickEffect">
-                                  <p:stCondLst>
-                                    <p:cond delay="0"/>
-                                  </p:stCondLst>
-                                  <p:childTnLst>
-                                    <p:set>
-                                      <p:cBhvr>
-                                        <p:cTn id="6" dur="1" fill="hold">
-                                          <p:stCondLst>
-                                            <p:cond delay="0"/>
-                                          </p:stCondLst>
-                                        </p:cTn>
-                                        <p:tgtEl>
-                                          <p:spTgt spid="129"/>
-                                        </p:tgtEl>
-                                        <p:attrNameLst>
-                                          <p:attrName>style.visibility</p:attrName>
-                                        </p:attrNameLst>
-                                      </p:cBhvr>
-                                      <p:to>
-                                        <p:strVal val="visible"/>
-                                      </p:to>
-                                    </p:set>
-                                  </p:childTnLst>
-                                </p:cTn>
-                              </p:par>
-                            </p:childTnLst>
-                          </p:cTn>
-                        </p:par>
-                      </p:childTnLst>
-                    </p:cTn>
-                  </p:par>
-                </p:childTnLst>
-              </p:cTn>
-              <p:prevCondLst>
-                <p:cond evt="onPrev" delay="0">
-                  <p:tgtEl>
-                    <p:sldTgt/>
-                  </p:tgtEl>
-                </p:cond>
-              </p:prevCondLst>
-              <p:nextCondLst>
-                <p:cond evt="onNext" delay="0">
-                  <p:tgtEl>
-                    <p:sldTgt/>
-                  </p:tgtEl>
-                </p:cond>
-              </p:nextCondLst>
-            </p:seq>
-          </p:childTnLst>
-        </p:cTn>
+        <p:cTn id="1" dur="indefinite" restart="never" nodeType="tmRoot"/>
       </p:par>
     </p:tnLst>
   </p:timing>
@@ -10781,7 +11159,7 @@
         </p:blipFill>
         <p:spPr>
           <a:xfrm>
-            <a:off x="-423851" y="-708903"/>
+            <a:off x="-449251" y="-1118025"/>
             <a:ext cx="13039702" cy="2652243"/>
           </a:xfrm>
         </p:spPr>
@@ -10809,18 +11187,32 @@
           </a:xfrm>
         </p:spPr>
         <p:txBody>
-          <a:bodyPr/>
-          <a:lstStyle/>
-          <a:p>
-            <a:r>
-              <a:rPr lang="en-US" altLang="zh-CN" b="1" dirty="0"/>
-              <a:t>6. </a:t>
-            </a:r>
+          <a:bodyPr>
+            <a:normAutofit/>
+          </a:bodyPr>
+          <a:lstStyle/>
+          <a:p>
             <a:r>
               <a:rPr lang="en-US" altLang="zh-CN" b="1" dirty="0" smtClean="0"/>
-              <a:t>Reference</a:t>
-            </a:r>
-            <a:endParaRPr lang="en-HK" dirty="0"/>
+              <a:t>6.</a:t>
+            </a:r>
+            <a:r>
+              <a:rPr lang="zh-CN" altLang="en-US" b="1" dirty="0" smtClean="0"/>
+              <a:t> </a:t>
+            </a:r>
+            <a:r>
+              <a:rPr lang="en-US" altLang="zh-CN" b="1" dirty="0" smtClean="0"/>
+              <a:t>Pros</a:t>
+            </a:r>
+            <a:r>
+              <a:rPr lang="zh-CN" altLang="en-US" b="1" dirty="0" smtClean="0"/>
+              <a:t> </a:t>
+            </a:r>
+            <a:r>
+              <a:rPr lang="en-US" altLang="zh-CN" b="1" dirty="0" smtClean="0"/>
+              <a:t>and cons</a:t>
+            </a:r>
+            <a:endParaRPr lang="en-HK" b="1" dirty="0"/>
           </a:p>
         </p:txBody>
       </p:sp>
@@ -10842,7 +11234,7 @@
           <a:blip r:embed="rId3">
             <a:extLst>
               <a:ext uri="{96DAC541-7B7A-43D3-8B79-37D633B846F1}">
-                <asvg:svgBlip xmlns:asvg="http://schemas.microsoft.com/office/drawing/2016/SVG/main" xmlns="" r:embed="rId4"/>
+                <asvg:svgBlip xmlns:asvg="http://schemas.microsoft.com/office/drawing/2016/SVG/main" xmlns="" r:embed="rId5"/>
               </a:ext>
             </a:extLst>
           </a:blip>
@@ -10924,10 +11316,10 @@
           <p:nvPr/>
         </p:nvPicPr>
         <p:blipFill>
-          <a:blip r:embed="rId5">
+          <a:blip r:embed="rId6">
             <a:extLst>
               <a:ext uri="{96DAC541-7B7A-43D3-8B79-37D633B846F1}">
-                <asvg:svgBlip xmlns:asvg="http://schemas.microsoft.com/office/drawing/2016/SVG/main" xmlns="" r:embed="rId6"/>
+                <asvg:svgBlip xmlns:asvg="http://schemas.microsoft.com/office/drawing/2016/SVG/main" xmlns="" r:embed="rId7"/>
               </a:ext>
             </a:extLst>
           </a:blip>
@@ -10945,192 +11337,1045 @@
           </a:prstGeom>
         </p:spPr>
       </p:pic>
-      <p:sp>
-        <p:nvSpPr>
-          <p:cNvPr id="7" name="矩形 6"/>
-          <p:cNvSpPr/>
-          <p:nvPr/>
-        </p:nvSpPr>
-        <p:spPr>
-          <a:xfrm>
-            <a:off x="939868" y="2034782"/>
-            <a:ext cx="8683430" cy="3693319"/>
+      <p:pic>
+        <p:nvPicPr>
+          <p:cNvPr id="9" name="图片 8"/>
+          <p:cNvPicPr>
+            <a:picLocks noChangeAspect="1"/>
+          </p:cNvPicPr>
+          <p:nvPr/>
+        </p:nvPicPr>
+        <p:blipFill>
+          <a:blip r:embed="rId8"/>
+          <a:stretch>
+            <a:fillRect/>
+          </a:stretch>
+        </p:blipFill>
+        <p:spPr>
+          <a:xfrm>
+            <a:off x="4215038" y="2115054"/>
+            <a:ext cx="1206144" cy="337499"/>
           </a:xfrm>
           <a:prstGeom prst="rect">
             <a:avLst/>
           </a:prstGeom>
         </p:spPr>
-        <p:txBody>
-          <a:bodyPr wrap="square">
+      </p:pic>
+      <p:cxnSp>
+        <p:nvCxnSpPr>
+          <p:cNvPr id="22" name="曲线连接符 21"/>
+          <p:cNvCxnSpPr/>
+          <p:nvPr/>
+        </p:nvCxnSpPr>
+        <p:spPr>
+          <a:xfrm rot="5400000" flipH="1" flipV="1">
+            <a:off x="5339136" y="1742383"/>
+            <a:ext cx="563763" cy="399670"/>
+          </a:xfrm>
+          <a:prstGeom prst="curvedConnector3">
+            <a:avLst>
+              <a:gd name="adj1" fmla="val 50000"/>
+            </a:avLst>
+          </a:prstGeom>
+          <a:ln>
+            <a:tailEnd type="triangle"/>
+          </a:ln>
+        </p:spPr>
+        <p:style>
+          <a:lnRef idx="1">
+            <a:schemeClr val="accent1"/>
+          </a:lnRef>
+          <a:fillRef idx="0">
+            <a:schemeClr val="accent1"/>
+          </a:fillRef>
+          <a:effectRef idx="0">
+            <a:schemeClr val="accent1"/>
+          </a:effectRef>
+          <a:fontRef idx="minor">
+            <a:schemeClr val="tx1"/>
+          </a:fontRef>
+        </p:style>
+      </p:cxnSp>
+      <p:sp>
+        <p:nvSpPr>
+          <p:cNvPr id="24" name="文本框 23"/>
+          <p:cNvSpPr txBox="1"/>
+          <p:nvPr/>
+        </p:nvSpPr>
+        <p:spPr>
+          <a:xfrm>
+            <a:off x="5052690" y="1333697"/>
+            <a:ext cx="1862241" cy="369332"/>
+          </a:xfrm>
+          <a:prstGeom prst="rect">
+            <a:avLst/>
+          </a:prstGeom>
+          <a:noFill/>
+        </p:spPr>
+        <p:txBody>
+          <a:bodyPr wrap="none" rtlCol="0">
             <a:spAutoFit/>
           </a:bodyPr>
           <a:lstStyle/>
           <a:p>
-            <a:pPr>
-              <a:spcAft>
-                <a:spcPts val="0"/>
-              </a:spcAft>
-            </a:pPr>
-            <a:r>
-              <a:rPr lang="en-US" altLang="zh-CN" dirty="0"/>
-              <a:t>[1] H. He and E. A. Garcia, “Learning from imbalanced data.” IEEE Transactions on Knowledge and Data Engineering, 21(9), 1263-1284, 2009.</a:t>
-            </a:r>
-            <a:endParaRPr lang="zh-CN" altLang="zh-CN" dirty="0"/>
-          </a:p>
-          <a:p>
-            <a:pPr>
-              <a:spcAft>
-                <a:spcPts val="0"/>
-              </a:spcAft>
-            </a:pPr>
-            <a:r>
-              <a:rPr lang="en-US" altLang="zh-CN" dirty="0"/>
-              <a:t>[2] Wu, Jun, J. He, and Y. Liu. "</a:t>
-            </a:r>
-            <a:r>
-              <a:rPr lang="en-US" altLang="zh-CN" dirty="0" err="1"/>
-              <a:t>ImVerde</a:t>
-            </a:r>
-            <a:r>
-              <a:rPr lang="en-US" altLang="zh-CN" dirty="0"/>
-              <a:t>: Vertex-Diminished Random Walk for Learning Network Representation from Imbalanced Data." (2018).</a:t>
-            </a:r>
-            <a:endParaRPr lang="zh-CN" altLang="zh-CN" dirty="0"/>
-          </a:p>
-          <a:p>
-            <a:pPr>
-              <a:spcAft>
-                <a:spcPts val="0"/>
-              </a:spcAft>
-            </a:pPr>
-            <a:r>
-              <a:rPr lang="en-US" altLang="zh-CN" dirty="0"/>
-              <a:t>[3] W. L. Hamilton, R. Ying and J. </a:t>
-            </a:r>
-            <a:r>
-              <a:rPr lang="en-US" altLang="zh-CN" dirty="0" err="1"/>
-              <a:t>Leskovec</a:t>
-            </a:r>
-            <a:r>
-              <a:rPr lang="en-US" altLang="zh-CN" dirty="0"/>
-              <a:t>, “Representation Learning on Graphs: Methods and Applications.” IEEE Data Engineering Bulletin, 2017</a:t>
-            </a:r>
-            <a:endParaRPr lang="zh-CN" altLang="zh-CN" dirty="0"/>
-          </a:p>
-          <a:p>
-            <a:pPr>
-              <a:spcAft>
-                <a:spcPts val="0"/>
-              </a:spcAft>
-            </a:pPr>
-            <a:r>
-              <a:rPr lang="en-US" altLang="zh-CN" dirty="0"/>
-              <a:t>[4] A. G. Duran, M. </a:t>
-            </a:r>
-            <a:r>
-              <a:rPr lang="en-US" altLang="zh-CN" dirty="0" err="1"/>
-              <a:t>Niepert</a:t>
-            </a:r>
-            <a:r>
-              <a:rPr lang="en-US" altLang="zh-CN" dirty="0"/>
-              <a:t>, “Learning Graph Representations with Embedding Propagation.” In NIPS, 5119-5130, 2017.</a:t>
-            </a:r>
-            <a:endParaRPr lang="zh-CN" altLang="zh-CN" dirty="0"/>
-          </a:p>
-          <a:p>
-            <a:pPr>
-              <a:spcAft>
-                <a:spcPts val="0"/>
-              </a:spcAft>
-            </a:pPr>
-            <a:r>
-              <a:rPr lang="en-US" altLang="zh-CN" dirty="0"/>
-              <a:t>[5] J. Liang, P. Jacobs, J. Sun and S. </a:t>
-            </a:r>
-            <a:r>
-              <a:rPr lang="en-US" altLang="zh-CN" dirty="0" err="1"/>
-              <a:t>Parthasarathy</a:t>
-            </a:r>
-            <a:r>
-              <a:rPr lang="en-US" altLang="zh-CN" dirty="0"/>
-              <a:t>, “Semi-supervised</a:t>
-            </a:r>
-            <a:endParaRPr lang="zh-CN" altLang="zh-CN" dirty="0"/>
-          </a:p>
-          <a:p>
-            <a:pPr>
-              <a:spcAft>
-                <a:spcPts val="0"/>
-              </a:spcAft>
-            </a:pPr>
-            <a:r>
-              <a:rPr lang="en-US" altLang="zh-CN" dirty="0"/>
-              <a:t>embedding in attributed networks with outliers.” In SDM, 153-161,</a:t>
-            </a:r>
-            <a:endParaRPr lang="zh-CN" altLang="zh-CN" dirty="0"/>
-          </a:p>
-          <a:p>
-            <a:pPr>
-              <a:spcAft>
-                <a:spcPts val="0"/>
-              </a:spcAft>
-            </a:pPr>
-            <a:r>
-              <a:rPr lang="en-US" altLang="zh-CN" dirty="0"/>
-              <a:t>2018.</a:t>
-            </a:r>
-            <a:endParaRPr lang="zh-CN" altLang="zh-CN" dirty="0"/>
-          </a:p>
-          <a:p>
-            <a:pPr>
-              <a:spcAft>
-                <a:spcPts val="0"/>
-              </a:spcAft>
-            </a:pPr>
-            <a:r>
-              <a:rPr lang="en-US" altLang="zh-CN" dirty="0"/>
-              <a:t>[6] Z. Yang, W. W. Cohen, and R. </a:t>
-            </a:r>
-            <a:r>
-              <a:rPr lang="en-US" altLang="zh-CN" dirty="0" err="1"/>
-              <a:t>Salakhutdinov</a:t>
-            </a:r>
-            <a:r>
-              <a:rPr lang="en-US" altLang="zh-CN" dirty="0"/>
-              <a:t>, “Revisiting </a:t>
-            </a:r>
-            <a:r>
-              <a:rPr lang="en-US" altLang="zh-CN" dirty="0" err="1"/>
-              <a:t>semisupervised</a:t>
-            </a:r>
-            <a:endParaRPr lang="zh-CN" altLang="zh-CN" dirty="0"/>
-          </a:p>
-          <a:p>
-            <a:pPr>
-              <a:spcAft>
-                <a:spcPts val="0"/>
-              </a:spcAft>
-            </a:pPr>
-            <a:r>
-              <a:rPr lang="en-US" altLang="zh-CN" dirty="0"/>
-              <a:t>learning with graph </a:t>
-            </a:r>
-            <a:r>
-              <a:rPr lang="en-US" altLang="zh-CN" dirty="0" err="1"/>
-              <a:t>embeddings</a:t>
-            </a:r>
-            <a:r>
-              <a:rPr lang="en-US" altLang="zh-CN" dirty="0"/>
-              <a:t>.” In ICML, 40-48, 2016.</a:t>
-            </a:r>
-            <a:endParaRPr lang="zh-CN" altLang="zh-CN" dirty="0"/>
+            <a:r>
+              <a:rPr kumimoji="1" lang="en-US" altLang="zh-CN" dirty="0" smtClean="0"/>
+              <a:t>Image</a:t>
+            </a:r>
+            <a:r>
+              <a:rPr kumimoji="1" lang="zh-CN" altLang="en-US" dirty="0" smtClean="0"/>
+              <a:t> </a:t>
+            </a:r>
+            <a:r>
+              <a:rPr kumimoji="1" lang="en-US" altLang="zh-CN" dirty="0" smtClean="0"/>
+              <a:t>processing</a:t>
+            </a:r>
+            <a:endParaRPr kumimoji="1" lang="zh-CN" altLang="en-US" dirty="0"/>
+          </a:p>
+        </p:txBody>
+      </p:sp>
+      <p:sp>
+        <p:nvSpPr>
+          <p:cNvPr id="26" name="文本框 25"/>
+          <p:cNvSpPr txBox="1"/>
+          <p:nvPr/>
+        </p:nvSpPr>
+        <p:spPr>
+          <a:xfrm>
+            <a:off x="936978" y="1806222"/>
+            <a:ext cx="1173270" cy="584775"/>
+          </a:xfrm>
+          <a:prstGeom prst="rect">
+            <a:avLst/>
+          </a:prstGeom>
+          <a:noFill/>
+        </p:spPr>
+        <p:txBody>
+          <a:bodyPr wrap="none" rtlCol="0">
+            <a:spAutoFit/>
+          </a:bodyPr>
+          <a:lstStyle/>
+          <a:p>
+            <a:r>
+              <a:rPr kumimoji="1" lang="en-US" altLang="zh-CN" dirty="0" smtClean="0"/>
+              <a:t>       </a:t>
+            </a:r>
+            <a:r>
+              <a:rPr kumimoji="1" lang="en-US" altLang="zh-CN" dirty="0" err="1" smtClean="0"/>
+              <a:t>Caffe</a:t>
+            </a:r>
+            <a:r>
+              <a:rPr kumimoji="1" lang="en-US" altLang="zh-CN" dirty="0" smtClean="0"/>
+              <a:t> </a:t>
+            </a:r>
+          </a:p>
+          <a:p>
+            <a:r>
+              <a:rPr kumimoji="1" lang="en-US" altLang="zh-CN" sz="1400" dirty="0" smtClean="0"/>
+              <a:t>(UC Berkeley)</a:t>
+            </a:r>
+            <a:endParaRPr kumimoji="1" lang="zh-CN" altLang="en-US" sz="1400" dirty="0"/>
+          </a:p>
+        </p:txBody>
+      </p:sp>
+      <p:cxnSp>
+        <p:nvCxnSpPr>
+          <p:cNvPr id="29" name="直线箭头连接符 28"/>
+          <p:cNvCxnSpPr>
+            <a:stCxn id="26" idx="3"/>
+          </p:cNvCxnSpPr>
+          <p:nvPr/>
+        </p:nvCxnSpPr>
+        <p:spPr>
+          <a:xfrm>
+            <a:off x="2110248" y="2098610"/>
+            <a:ext cx="1886019" cy="30778"/>
+          </a:xfrm>
+          <a:prstGeom prst="straightConnector1">
+            <a:avLst/>
+          </a:prstGeom>
+          <a:ln>
+            <a:tailEnd type="triangle"/>
+          </a:ln>
+        </p:spPr>
+        <p:style>
+          <a:lnRef idx="1">
+            <a:schemeClr val="accent1"/>
+          </a:lnRef>
+          <a:fillRef idx="0">
+            <a:schemeClr val="accent1"/>
+          </a:fillRef>
+          <a:effectRef idx="0">
+            <a:schemeClr val="accent1"/>
+          </a:effectRef>
+          <a:fontRef idx="minor">
+            <a:schemeClr val="tx1"/>
+          </a:fontRef>
+        </p:style>
+      </p:cxnSp>
+      <p:sp>
+        <p:nvSpPr>
+          <p:cNvPr id="68" name="文本框 67"/>
+          <p:cNvSpPr txBox="1"/>
+          <p:nvPr/>
+        </p:nvSpPr>
+        <p:spPr>
+          <a:xfrm>
+            <a:off x="3996267" y="1796011"/>
+            <a:ext cx="1206677" cy="369332"/>
+          </a:xfrm>
+          <a:prstGeom prst="rect">
+            <a:avLst/>
+          </a:prstGeom>
+          <a:noFill/>
+        </p:spPr>
+        <p:txBody>
+          <a:bodyPr wrap="none" rtlCol="0">
+            <a:spAutoFit/>
+          </a:bodyPr>
+          <a:lstStyle/>
+          <a:p>
+            <a:r>
+              <a:rPr kumimoji="1" lang="en-US" altLang="zh-CN" dirty="0" smtClean="0"/>
+              <a:t>       Caffe2 </a:t>
+            </a:r>
+          </a:p>
+        </p:txBody>
+      </p:sp>
+      <p:sp>
+        <p:nvSpPr>
+          <p:cNvPr id="45" name="文本框 44"/>
+          <p:cNvSpPr txBox="1"/>
+          <p:nvPr/>
+        </p:nvSpPr>
+        <p:spPr>
+          <a:xfrm>
+            <a:off x="8507464" y="1445332"/>
+            <a:ext cx="820994" cy="584775"/>
+          </a:xfrm>
+          <a:prstGeom prst="rect">
+            <a:avLst/>
+          </a:prstGeom>
+          <a:noFill/>
+        </p:spPr>
+        <p:txBody>
+          <a:bodyPr wrap="none" rtlCol="0">
+            <a:spAutoFit/>
+          </a:bodyPr>
+          <a:lstStyle/>
+          <a:p>
+            <a:r>
+              <a:rPr kumimoji="1" lang="en-US" altLang="zh-CN" dirty="0" smtClean="0"/>
+              <a:t>Paddle</a:t>
+            </a:r>
+          </a:p>
+          <a:p>
+            <a:r>
+              <a:rPr kumimoji="1" lang="en-US" altLang="zh-CN" sz="1400" dirty="0" smtClean="0"/>
+              <a:t> (Baidu)</a:t>
+            </a:r>
+          </a:p>
+        </p:txBody>
+      </p:sp>
+      <p:sp>
+        <p:nvSpPr>
+          <p:cNvPr id="46" name="文本框 45"/>
+          <p:cNvSpPr txBox="1"/>
+          <p:nvPr/>
+        </p:nvSpPr>
+        <p:spPr>
+          <a:xfrm>
+            <a:off x="8418305" y="2352464"/>
+            <a:ext cx="999313" cy="584775"/>
+          </a:xfrm>
+          <a:prstGeom prst="rect">
+            <a:avLst/>
+          </a:prstGeom>
+          <a:noFill/>
+        </p:spPr>
+        <p:txBody>
+          <a:bodyPr wrap="none" rtlCol="0">
+            <a:spAutoFit/>
+          </a:bodyPr>
+          <a:lstStyle/>
+          <a:p>
+            <a:r>
+              <a:rPr kumimoji="1" lang="en-US" altLang="zh-CN" dirty="0" smtClean="0"/>
+              <a:t>   CNTK</a:t>
+            </a:r>
+          </a:p>
+          <a:p>
+            <a:r>
+              <a:rPr kumimoji="1" lang="en-US" altLang="zh-CN" sz="1400" dirty="0" smtClean="0"/>
+              <a:t>(Microsoft)</a:t>
+            </a:r>
+            <a:endParaRPr kumimoji="1" lang="zh-CN" altLang="en-US" sz="1400" dirty="0"/>
+          </a:p>
+        </p:txBody>
+      </p:sp>
+      <p:sp>
+        <p:nvSpPr>
+          <p:cNvPr id="47" name="文本框 46"/>
+          <p:cNvSpPr txBox="1"/>
+          <p:nvPr/>
+        </p:nvSpPr>
+        <p:spPr>
+          <a:xfrm>
+            <a:off x="8470340" y="3330464"/>
+            <a:ext cx="895245" cy="584775"/>
+          </a:xfrm>
+          <a:prstGeom prst="rect">
+            <a:avLst/>
+          </a:prstGeom>
+          <a:noFill/>
+        </p:spPr>
+        <p:txBody>
+          <a:bodyPr wrap="none" rtlCol="0">
+            <a:spAutoFit/>
+          </a:bodyPr>
+          <a:lstStyle/>
+          <a:p>
+            <a:r>
+              <a:rPr kumimoji="1" lang="en-US" altLang="zh-CN" smtClean="0"/>
+              <a:t> </a:t>
+            </a:r>
+            <a:r>
+              <a:rPr kumimoji="1" lang="en-US" altLang="zh-CN" dirty="0" err="1" smtClean="0"/>
+              <a:t>MXNet</a:t>
+            </a:r>
+            <a:endParaRPr kumimoji="1" lang="en-US" altLang="zh-CN" dirty="0" smtClean="0"/>
+          </a:p>
+          <a:p>
+            <a:r>
+              <a:rPr kumimoji="1" lang="en-US" altLang="zh-CN" sz="1400" dirty="0" smtClean="0"/>
+              <a:t>(Amazon)</a:t>
+            </a:r>
+            <a:endParaRPr kumimoji="1" lang="zh-CN" altLang="en-US" sz="1400" dirty="0"/>
+          </a:p>
+        </p:txBody>
+      </p:sp>
+      <p:sp>
+        <p:nvSpPr>
+          <p:cNvPr id="48" name="文本框 47"/>
+          <p:cNvSpPr txBox="1"/>
+          <p:nvPr/>
+        </p:nvSpPr>
+        <p:spPr>
+          <a:xfrm>
+            <a:off x="1077849" y="3107696"/>
+            <a:ext cx="1415900" cy="584775"/>
+          </a:xfrm>
+          <a:prstGeom prst="rect">
+            <a:avLst/>
+          </a:prstGeom>
+          <a:noFill/>
+        </p:spPr>
+        <p:txBody>
+          <a:bodyPr wrap="none" rtlCol="0">
+            <a:spAutoFit/>
+          </a:bodyPr>
+          <a:lstStyle/>
+          <a:p>
+            <a:r>
+              <a:rPr kumimoji="1" lang="en-US" altLang="zh-CN" smtClean="0"/>
+              <a:t>      Torch</a:t>
+            </a:r>
+            <a:endParaRPr kumimoji="1" lang="en-US" altLang="zh-CN" dirty="0" smtClean="0"/>
+          </a:p>
+          <a:p>
+            <a:r>
+              <a:rPr kumimoji="1" lang="en-US" altLang="zh-CN" sz="1400" dirty="0" smtClean="0"/>
+              <a:t>(NYU/ Facebook)</a:t>
+            </a:r>
+            <a:endParaRPr kumimoji="1" lang="zh-CN" altLang="en-US" sz="1400" dirty="0"/>
+          </a:p>
+        </p:txBody>
+      </p:sp>
+      <p:cxnSp>
+        <p:nvCxnSpPr>
+          <p:cNvPr id="50" name="直线箭头连接符 49"/>
+          <p:cNvCxnSpPr>
+            <a:stCxn id="48" idx="3"/>
+          </p:cNvCxnSpPr>
+          <p:nvPr/>
+        </p:nvCxnSpPr>
+        <p:spPr>
+          <a:xfrm flipV="1">
+            <a:off x="2493749" y="3400083"/>
+            <a:ext cx="1502518" cy="1"/>
+          </a:xfrm>
+          <a:prstGeom prst="straightConnector1">
+            <a:avLst/>
+          </a:prstGeom>
+          <a:ln>
+            <a:tailEnd type="triangle"/>
+          </a:ln>
+        </p:spPr>
+        <p:style>
+          <a:lnRef idx="1">
+            <a:schemeClr val="accent1"/>
+          </a:lnRef>
+          <a:fillRef idx="0">
+            <a:schemeClr val="accent1"/>
+          </a:fillRef>
+          <a:effectRef idx="0">
+            <a:schemeClr val="accent1"/>
+          </a:effectRef>
+          <a:fontRef idx="minor">
+            <a:schemeClr val="tx1"/>
+          </a:fontRef>
+        </p:style>
+      </p:cxnSp>
+      <p:sp>
+        <p:nvSpPr>
+          <p:cNvPr id="51" name="文本框 50"/>
+          <p:cNvSpPr txBox="1"/>
+          <p:nvPr/>
+        </p:nvSpPr>
+        <p:spPr>
+          <a:xfrm>
+            <a:off x="4324160" y="3096272"/>
+            <a:ext cx="987899" cy="584775"/>
+          </a:xfrm>
+          <a:prstGeom prst="rect">
+            <a:avLst/>
+          </a:prstGeom>
+          <a:noFill/>
+        </p:spPr>
+        <p:txBody>
+          <a:bodyPr wrap="none" rtlCol="0">
+            <a:spAutoFit/>
+          </a:bodyPr>
+          <a:lstStyle/>
+          <a:p>
+            <a:r>
+              <a:rPr kumimoji="1" lang="en-US" altLang="zh-CN" smtClean="0"/>
+              <a:t> </a:t>
+            </a:r>
+            <a:r>
+              <a:rPr kumimoji="1" lang="en-US" altLang="zh-CN" dirty="0" err="1" smtClean="0"/>
+              <a:t>PyTorch</a:t>
+            </a:r>
+            <a:endParaRPr kumimoji="1" lang="en-US" altLang="zh-CN" dirty="0" smtClean="0"/>
+          </a:p>
+          <a:p>
+            <a:r>
+              <a:rPr kumimoji="1" lang="en-US" altLang="zh-CN" sz="1400" dirty="0" smtClean="0"/>
+              <a:t>(Facebook)</a:t>
+            </a:r>
+            <a:endParaRPr kumimoji="1" lang="zh-CN" altLang="en-US" sz="1400" dirty="0"/>
+          </a:p>
+        </p:txBody>
+      </p:sp>
+      <p:sp>
+        <p:nvSpPr>
+          <p:cNvPr id="52" name="文本框 51"/>
+          <p:cNvSpPr txBox="1"/>
+          <p:nvPr/>
+        </p:nvSpPr>
+        <p:spPr>
+          <a:xfrm>
+            <a:off x="1371600" y="4368800"/>
+            <a:ext cx="888385" cy="369332"/>
+          </a:xfrm>
+          <a:prstGeom prst="rect">
+            <a:avLst/>
+          </a:prstGeom>
+          <a:noFill/>
+        </p:spPr>
+        <p:txBody>
+          <a:bodyPr wrap="none" rtlCol="0">
+            <a:spAutoFit/>
+          </a:bodyPr>
+          <a:lstStyle/>
+          <a:p>
+            <a:r>
+              <a:rPr kumimoji="1" lang="en-US" altLang="zh-CN" dirty="0" err="1" smtClean="0"/>
+              <a:t>Theano</a:t>
+            </a:r>
+            <a:endParaRPr kumimoji="1" lang="zh-CN" altLang="en-US" dirty="0"/>
+          </a:p>
+        </p:txBody>
+      </p:sp>
+      <p:cxnSp>
+        <p:nvCxnSpPr>
+          <p:cNvPr id="54" name="直线箭头连接符 53"/>
+          <p:cNvCxnSpPr>
+            <a:stCxn id="52" idx="3"/>
+          </p:cNvCxnSpPr>
+          <p:nvPr/>
+        </p:nvCxnSpPr>
+        <p:spPr>
+          <a:xfrm>
+            <a:off x="2259985" y="4553466"/>
+            <a:ext cx="1736282" cy="0"/>
+          </a:xfrm>
+          <a:prstGeom prst="straightConnector1">
+            <a:avLst/>
+          </a:prstGeom>
+          <a:ln>
+            <a:tailEnd type="triangle"/>
+          </a:ln>
+        </p:spPr>
+        <p:style>
+          <a:lnRef idx="1">
+            <a:schemeClr val="accent1"/>
+          </a:lnRef>
+          <a:fillRef idx="0">
+            <a:schemeClr val="accent1"/>
+          </a:fillRef>
+          <a:effectRef idx="0">
+            <a:schemeClr val="accent1"/>
+          </a:effectRef>
+          <a:fontRef idx="minor">
+            <a:schemeClr val="tx1"/>
+          </a:fontRef>
+        </p:style>
+      </p:cxnSp>
+      <p:sp>
+        <p:nvSpPr>
+          <p:cNvPr id="55" name="文本框 54"/>
+          <p:cNvSpPr txBox="1"/>
+          <p:nvPr/>
+        </p:nvSpPr>
+        <p:spPr>
+          <a:xfrm>
+            <a:off x="4215038" y="4261078"/>
+            <a:ext cx="1250471" cy="584775"/>
+          </a:xfrm>
+          <a:prstGeom prst="rect">
+            <a:avLst/>
+          </a:prstGeom>
+          <a:noFill/>
+        </p:spPr>
+        <p:txBody>
+          <a:bodyPr wrap="none" rtlCol="0">
+            <a:spAutoFit/>
+          </a:bodyPr>
+          <a:lstStyle/>
+          <a:p>
+            <a:r>
+              <a:rPr kumimoji="1" lang="en-US" altLang="zh-CN" dirty="0" err="1" smtClean="0"/>
+              <a:t>TensorFlow</a:t>
+            </a:r>
+            <a:endParaRPr kumimoji="1" lang="en-US" altLang="zh-CN" dirty="0" smtClean="0"/>
+          </a:p>
+          <a:p>
+            <a:r>
+              <a:rPr kumimoji="1" lang="en-US" altLang="zh-CN" sz="1400" dirty="0" smtClean="0"/>
+              <a:t>     (Google)</a:t>
+            </a:r>
+            <a:endParaRPr kumimoji="1" lang="zh-CN" altLang="en-US" sz="1400" dirty="0"/>
           </a:p>
         </p:txBody>
       </p:sp>
     </p:spTree>
     <p:extLst>
       <p:ext uri="{BB962C8B-B14F-4D97-AF65-F5344CB8AC3E}">
-        <p14:creationId xmlns:p14="http://schemas.microsoft.com/office/powerpoint/2010/main" val="1040690934"/>
+        <p14:creationId xmlns:p14="http://schemas.microsoft.com/office/powerpoint/2010/main" val="1625069229"/>
+      </p:ext>
+    </p:extLst>
+  </p:cSld>
+  <p:clrMapOvr>
+    <a:masterClrMapping/>
+  </p:clrMapOvr>
+  <p:timing>
+    <p:tnLst>
+      <p:par>
+        <p:cTn id="1" dur="indefinite" restart="never" nodeType="tmRoot"/>
+      </p:par>
+    </p:tnLst>
+  </p:timing>
+</p:sld>
+</file>
+
+<file path=ppt/slides/slide9.xml><?xml version="1.0" encoding="utf-8"?>
+<p:sld xmlns:a="http://schemas.openxmlformats.org/drawingml/2006/main" xmlns:r="http://schemas.openxmlformats.org/officeDocument/2006/relationships" xmlns:p="http://schemas.openxmlformats.org/presentationml/2006/main">
+  <p:cSld>
+    <p:spTree>
+      <p:nvGrpSpPr>
+        <p:cNvPr id="1" name=""/>
+        <p:cNvGrpSpPr/>
+        <p:nvPr/>
+      </p:nvGrpSpPr>
+      <p:grpSpPr>
+        <a:xfrm>
+          <a:off x="0" y="0"/>
+          <a:ext cx="0" cy="0"/>
+          <a:chOff x="0" y="0"/>
+          <a:chExt cx="0" cy="0"/>
+        </a:xfrm>
+      </p:grpSpPr>
+      <p:pic>
+        <p:nvPicPr>
+          <p:cNvPr id="8" name="内容占位符 7"/>
+          <p:cNvPicPr>
+            <a:picLocks noGrp="1" noChangeAspect="1"/>
+          </p:cNvPicPr>
+          <p:nvPr>
+            <p:ph idx="1"/>
+          </p:nvPr>
+        </p:nvPicPr>
+        <p:blipFill>
+          <a:blip r:embed="rId2">
+            <a:extLst>
+              <a:ext uri="{28A0092B-C50C-407E-A947-70E740481C1C}">
+                <a14:useLocalDpi xmlns:a14="http://schemas.microsoft.com/office/drawing/2010/main" val="0"/>
+              </a:ext>
+            </a:extLst>
+          </a:blip>
+          <a:stretch>
+            <a:fillRect/>
+          </a:stretch>
+        </p:blipFill>
+        <p:spPr>
+          <a:xfrm>
+            <a:off x="-449251" y="-1118025"/>
+            <a:ext cx="13039702" cy="2652243"/>
+          </a:xfrm>
+        </p:spPr>
+      </p:pic>
+      <p:sp>
+        <p:nvSpPr>
+          <p:cNvPr id="2" name="标题 1">
+            <a:extLst>
+              <a:ext uri="{FF2B5EF4-FFF2-40B4-BE49-F238E27FC236}">
+                <a16:creationId xmlns:a16="http://schemas.microsoft.com/office/drawing/2014/main" xmlns="" id="{729E7753-D934-41AF-979C-BE3013383BDA}"/>
+              </a:ext>
+            </a:extLst>
+          </p:cNvPr>
+          <p:cNvSpPr>
+            <a:spLocks noGrp="1"/>
+          </p:cNvSpPr>
+          <p:nvPr>
+            <p:ph type="title"/>
+          </p:nvPr>
+        </p:nvSpPr>
+        <p:spPr>
+          <a:xfrm>
+            <a:off x="1077849" y="-45562"/>
+            <a:ext cx="10515600" cy="1325563"/>
+          </a:xfrm>
+        </p:spPr>
+        <p:txBody>
+          <a:bodyPr>
+            <a:normAutofit/>
+          </a:bodyPr>
+          <a:lstStyle/>
+          <a:p>
+            <a:r>
+              <a:rPr lang="en-US" altLang="zh-CN" b="1" dirty="0" smtClean="0"/>
+              <a:t>6.</a:t>
+            </a:r>
+            <a:r>
+              <a:rPr lang="zh-CN" altLang="en-US" b="1" dirty="0" smtClean="0"/>
+              <a:t> </a:t>
+            </a:r>
+            <a:r>
+              <a:rPr lang="en-US" altLang="zh-CN" b="1" dirty="0" smtClean="0"/>
+              <a:t>Pros</a:t>
+            </a:r>
+            <a:r>
+              <a:rPr lang="zh-CN" altLang="en-US" b="1" dirty="0" smtClean="0"/>
+              <a:t> </a:t>
+            </a:r>
+            <a:r>
+              <a:rPr lang="en-US" altLang="zh-CN" b="1" dirty="0" smtClean="0"/>
+              <a:t>and cons</a:t>
+            </a:r>
+            <a:endParaRPr lang="en-HK" b="1" dirty="0"/>
+          </a:p>
+        </p:txBody>
+      </p:sp>
+      <p:pic>
+        <p:nvPicPr>
+          <p:cNvPr id="4" name="图形 3">
+            <a:extLst>
+              <a:ext uri="{FF2B5EF4-FFF2-40B4-BE49-F238E27FC236}">
+                <a16:creationId xmlns:a16="http://schemas.microsoft.com/office/drawing/2014/main" xmlns="" id="{3EF556CA-30DB-46CA-B010-E7BC06705578}"/>
+              </a:ext>
+            </a:extLst>
+          </p:cNvPr>
+          <p:cNvPicPr>
+            <a:picLocks noChangeAspect="1"/>
+          </p:cNvPicPr>
+          <p:nvPr/>
+        </p:nvPicPr>
+        <p:blipFill>
+          <a:blip r:embed="rId3">
+            <a:extLst>
+              <a:ext uri="{96DAC541-7B7A-43D3-8B79-37D633B846F1}">
+                <asvg:svgBlip xmlns:asvg="http://schemas.microsoft.com/office/drawing/2016/SVG/main" xmlns="" r:embed="rId5"/>
+              </a:ext>
+            </a:extLst>
+          </a:blip>
+          <a:stretch>
+            <a:fillRect/>
+          </a:stretch>
+        </p:blipFill>
+        <p:spPr>
+          <a:xfrm>
+            <a:off x="-50800" y="6122728"/>
+            <a:ext cx="12242800" cy="1278197"/>
+          </a:xfrm>
+          <a:prstGeom prst="rect">
+            <a:avLst/>
+          </a:prstGeom>
+        </p:spPr>
+      </p:pic>
+      <p:sp>
+        <p:nvSpPr>
+          <p:cNvPr id="5" name="箭头: 五边形 4">
+            <a:extLst>
+              <a:ext uri="{FF2B5EF4-FFF2-40B4-BE49-F238E27FC236}">
+                <a16:creationId xmlns:a16="http://schemas.microsoft.com/office/drawing/2014/main" xmlns="" id="{61E862C7-DDED-46B2-88A9-92A4D3F40475}"/>
+              </a:ext>
+            </a:extLst>
+          </p:cNvPr>
+          <p:cNvSpPr/>
+          <p:nvPr/>
+        </p:nvSpPr>
+        <p:spPr>
+          <a:xfrm rot="5400000">
+            <a:off x="-60257" y="234315"/>
+            <a:ext cx="1234440" cy="765810"/>
+          </a:xfrm>
+          <a:prstGeom prst="homePlate">
+            <a:avLst/>
+          </a:prstGeom>
+          <a:solidFill>
+            <a:srgbClr val="034246"/>
+          </a:solidFill>
+        </p:spPr>
+        <p:style>
+          <a:lnRef idx="2">
+            <a:schemeClr val="accent1">
+              <a:shade val="50000"/>
+            </a:schemeClr>
+          </a:lnRef>
+          <a:fillRef idx="1">
+            <a:schemeClr val="accent1"/>
+          </a:fillRef>
+          <a:effectRef idx="0">
+            <a:schemeClr val="accent1"/>
+          </a:effectRef>
+          <a:fontRef idx="minor">
+            <a:schemeClr val="lt1"/>
+          </a:fontRef>
+        </p:style>
+        <p:txBody>
+          <a:bodyPr rtlCol="0" anchor="ctr"/>
+          <a:lstStyle/>
+          <a:p>
+            <a:pPr algn="ctr"/>
+            <a:endParaRPr lang="en-HK"/>
+          </a:p>
+        </p:txBody>
+      </p:sp>
+      <p:pic>
+        <p:nvPicPr>
+          <p:cNvPr id="6" name="图形 5">
+            <a:extLst>
+              <a:ext uri="{FF2B5EF4-FFF2-40B4-BE49-F238E27FC236}">
+                <a16:creationId xmlns:a16="http://schemas.microsoft.com/office/drawing/2014/main" xmlns="" id="{217E1EC4-7E0E-4611-9AC8-528215714F14}"/>
+              </a:ext>
+            </a:extLst>
+          </p:cNvPr>
+          <p:cNvPicPr>
+            <a:picLocks noChangeAspect="1"/>
+          </p:cNvPicPr>
+          <p:nvPr/>
+        </p:nvPicPr>
+        <p:blipFill>
+          <a:blip r:embed="rId6">
+            <a:extLst>
+              <a:ext uri="{96DAC541-7B7A-43D3-8B79-37D633B846F1}">
+                <asvg:svgBlip xmlns:asvg="http://schemas.microsoft.com/office/drawing/2016/SVG/main" xmlns="" r:embed="rId7"/>
+              </a:ext>
+            </a:extLst>
+          </a:blip>
+          <a:stretch>
+            <a:fillRect/>
+          </a:stretch>
+        </p:blipFill>
+        <p:spPr>
+          <a:xfrm>
+            <a:off x="312039" y="103823"/>
+            <a:ext cx="489848" cy="717523"/>
+          </a:xfrm>
+          <a:prstGeom prst="rect">
+            <a:avLst/>
+          </a:prstGeom>
+        </p:spPr>
+      </p:pic>
+      <p:sp>
+        <p:nvSpPr>
+          <p:cNvPr id="51" name="文本框 50"/>
+          <p:cNvSpPr txBox="1"/>
+          <p:nvPr/>
+        </p:nvSpPr>
+        <p:spPr>
+          <a:xfrm>
+            <a:off x="583899" y="1534218"/>
+            <a:ext cx="987899" cy="584775"/>
+          </a:xfrm>
+          <a:prstGeom prst="rect">
+            <a:avLst/>
+          </a:prstGeom>
+          <a:noFill/>
+        </p:spPr>
+        <p:txBody>
+          <a:bodyPr wrap="none" rtlCol="0">
+            <a:spAutoFit/>
+          </a:bodyPr>
+          <a:lstStyle/>
+          <a:p>
+            <a:r>
+              <a:rPr kumimoji="1" lang="en-US" altLang="zh-CN" dirty="0" smtClean="0"/>
+              <a:t> </a:t>
+            </a:r>
+            <a:r>
+              <a:rPr kumimoji="1" lang="en-US" altLang="zh-CN" dirty="0" err="1" smtClean="0"/>
+              <a:t>PyTorch</a:t>
+            </a:r>
+            <a:endParaRPr kumimoji="1" lang="en-US" altLang="zh-CN" dirty="0" smtClean="0"/>
+          </a:p>
+          <a:p>
+            <a:r>
+              <a:rPr kumimoji="1" lang="en-US" altLang="zh-CN" sz="1400" dirty="0" smtClean="0"/>
+              <a:t>(Facebook)</a:t>
+            </a:r>
+            <a:endParaRPr kumimoji="1" lang="zh-CN" altLang="en-US" sz="1400" dirty="0"/>
+          </a:p>
+        </p:txBody>
+      </p:sp>
+      <p:sp>
+        <p:nvSpPr>
+          <p:cNvPr id="55" name="文本框 54"/>
+          <p:cNvSpPr txBox="1"/>
+          <p:nvPr/>
+        </p:nvSpPr>
+        <p:spPr>
+          <a:xfrm>
+            <a:off x="474777" y="2699024"/>
+            <a:ext cx="1250471" cy="584775"/>
+          </a:xfrm>
+          <a:prstGeom prst="rect">
+            <a:avLst/>
+          </a:prstGeom>
+          <a:noFill/>
+        </p:spPr>
+        <p:txBody>
+          <a:bodyPr wrap="none" rtlCol="0">
+            <a:spAutoFit/>
+          </a:bodyPr>
+          <a:lstStyle/>
+          <a:p>
+            <a:r>
+              <a:rPr kumimoji="1" lang="en-US" altLang="zh-CN" dirty="0" err="1" smtClean="0"/>
+              <a:t>TensorFlow</a:t>
+            </a:r>
+            <a:endParaRPr kumimoji="1" lang="en-US" altLang="zh-CN" dirty="0" smtClean="0"/>
+          </a:p>
+          <a:p>
+            <a:r>
+              <a:rPr kumimoji="1" lang="en-US" altLang="zh-CN" sz="1400" dirty="0" smtClean="0"/>
+              <a:t>     (Google)</a:t>
+            </a:r>
+            <a:endParaRPr kumimoji="1" lang="zh-CN" altLang="en-US" sz="1400" dirty="0"/>
+          </a:p>
+        </p:txBody>
+      </p:sp>
+      <p:pic>
+        <p:nvPicPr>
+          <p:cNvPr id="3" name="图片 2"/>
+          <p:cNvPicPr>
+            <a:picLocks noChangeAspect="1"/>
+          </p:cNvPicPr>
+          <p:nvPr/>
+        </p:nvPicPr>
+        <p:blipFill>
+          <a:blip r:embed="rId8">
+            <a:extLst>
+              <a:ext uri="{28A0092B-C50C-407E-A947-70E740481C1C}">
+                <a14:useLocalDpi xmlns:a14="http://schemas.microsoft.com/office/drawing/2010/main" val="0"/>
+              </a:ext>
+            </a:extLst>
+          </a:blip>
+          <a:stretch>
+            <a:fillRect/>
+          </a:stretch>
+        </p:blipFill>
+        <p:spPr>
+          <a:xfrm>
+            <a:off x="6050178" y="1190957"/>
+            <a:ext cx="5431612" cy="2235200"/>
+          </a:xfrm>
+          <a:prstGeom prst="rect">
+            <a:avLst/>
+          </a:prstGeom>
+        </p:spPr>
+      </p:pic>
+      <p:sp>
+        <p:nvSpPr>
+          <p:cNvPr id="7" name="文本框 6"/>
+          <p:cNvSpPr txBox="1"/>
+          <p:nvPr/>
+        </p:nvSpPr>
+        <p:spPr>
+          <a:xfrm>
+            <a:off x="6335649" y="3412974"/>
+            <a:ext cx="4860671" cy="276999"/>
+          </a:xfrm>
+          <a:prstGeom prst="rect">
+            <a:avLst/>
+          </a:prstGeom>
+          <a:noFill/>
+        </p:spPr>
+        <p:txBody>
+          <a:bodyPr wrap="square" rtlCol="0">
+            <a:spAutoFit/>
+          </a:bodyPr>
+          <a:lstStyle/>
+          <a:p>
+            <a:r>
+              <a:rPr kumimoji="1" lang="is-IS" altLang="zh-CN" sz="1200" dirty="0"/>
+              <a:t>NAACL </a:t>
+            </a:r>
+            <a:r>
+              <a:rPr kumimoji="1" lang="is-IS" altLang="zh-CN" sz="1200" dirty="0" smtClean="0"/>
+              <a:t>and ACL</a:t>
+            </a:r>
+            <a:r>
+              <a:rPr kumimoji="1" lang="zh-CN" altLang="en-US" sz="1200" dirty="0" smtClean="0"/>
+              <a:t> </a:t>
+            </a:r>
+            <a:r>
+              <a:rPr kumimoji="1" lang="en-US" altLang="zh-CN" sz="1200" dirty="0" smtClean="0"/>
+              <a:t>are the top conferences for natural language processing</a:t>
+            </a:r>
+            <a:r>
+              <a:rPr kumimoji="1" lang="is-IS" altLang="zh-CN" sz="1200" dirty="0"/>
+              <a:t> </a:t>
+            </a:r>
+            <a:endParaRPr kumimoji="1" lang="zh-CN" altLang="en-US" sz="1200" dirty="0"/>
+          </a:p>
+        </p:txBody>
+      </p:sp>
+      <p:sp>
+        <p:nvSpPr>
+          <p:cNvPr id="10" name="文本框 9"/>
+          <p:cNvSpPr txBox="1"/>
+          <p:nvPr/>
+        </p:nvSpPr>
+        <p:spPr>
+          <a:xfrm>
+            <a:off x="4820647" y="4041141"/>
+            <a:ext cx="7128298" cy="2308324"/>
+          </a:xfrm>
+          <a:prstGeom prst="rect">
+            <a:avLst/>
+          </a:prstGeom>
+          <a:noFill/>
+        </p:spPr>
+        <p:txBody>
+          <a:bodyPr wrap="none" rtlCol="0">
+            <a:spAutoFit/>
+          </a:bodyPr>
+          <a:lstStyle/>
+          <a:p>
+            <a:r>
+              <a:rPr kumimoji="1" lang="en-US" altLang="zh-CN" dirty="0" smtClean="0"/>
+              <a:t>Industry</a:t>
+            </a:r>
+            <a:r>
+              <a:rPr kumimoji="1" lang="zh-CN" altLang="en-US" dirty="0" smtClean="0"/>
+              <a:t> </a:t>
+            </a:r>
+            <a:r>
+              <a:rPr kumimoji="1" lang="en-US" altLang="zh-CN" dirty="0" smtClean="0"/>
+              <a:t>world:</a:t>
+            </a:r>
+            <a:br>
+              <a:rPr kumimoji="1" lang="en-US" altLang="zh-CN" dirty="0" smtClean="0"/>
+            </a:br>
+            <a:r>
+              <a:rPr kumimoji="1" lang="en-US" altLang="zh-CN" dirty="0" smtClean="0"/>
+              <a:t>1. </a:t>
+            </a:r>
+            <a:r>
+              <a:rPr kumimoji="1" lang="en-US" altLang="zh-CN" dirty="0"/>
+              <a:t>python </a:t>
+            </a:r>
+            <a:r>
+              <a:rPr kumimoji="1" lang="en-US" altLang="zh-CN" dirty="0" smtClean="0"/>
+              <a:t>environment leads to huge consumption on servers</a:t>
+            </a:r>
+          </a:p>
+          <a:p>
+            <a:endParaRPr kumimoji="1" lang="en-US" altLang="zh-CN" dirty="0"/>
+          </a:p>
+          <a:p>
+            <a:r>
+              <a:rPr kumimoji="1" lang="en-US" altLang="zh-CN" dirty="0" smtClean="0"/>
+              <a:t>2. Mobility: python interpreter cannot be embedded in mobile binary files</a:t>
+            </a:r>
+          </a:p>
+          <a:p>
+            <a:endParaRPr kumimoji="1" lang="en-US" altLang="zh-CN" dirty="0"/>
+          </a:p>
+          <a:p>
+            <a:r>
+              <a:rPr kumimoji="1" lang="en-US" altLang="zh-CN" dirty="0" smtClean="0"/>
+              <a:t>3. Service: update without shutting down </a:t>
+            </a:r>
+          </a:p>
+          <a:p>
+            <a:endParaRPr kumimoji="1" lang="en-US" altLang="zh-CN" dirty="0"/>
+          </a:p>
+          <a:p>
+            <a:r>
+              <a:rPr kumimoji="1" lang="en-US" altLang="zh-CN" dirty="0" smtClean="0"/>
+              <a:t>4. deployment</a:t>
+            </a:r>
+            <a:endParaRPr kumimoji="1" lang="zh-CN" altLang="en-US" dirty="0"/>
+          </a:p>
+        </p:txBody>
+      </p:sp>
+      <p:pic>
+        <p:nvPicPr>
+          <p:cNvPr id="11" name="图片 10"/>
+          <p:cNvPicPr>
+            <a:picLocks noChangeAspect="1"/>
+          </p:cNvPicPr>
+          <p:nvPr/>
+        </p:nvPicPr>
+        <p:blipFill>
+          <a:blip r:embed="rId9">
+            <a:extLst>
+              <a:ext uri="{28A0092B-C50C-407E-A947-70E740481C1C}">
+                <a14:useLocalDpi xmlns:a14="http://schemas.microsoft.com/office/drawing/2010/main" val="0"/>
+              </a:ext>
+            </a:extLst>
+          </a:blip>
+          <a:stretch>
+            <a:fillRect/>
+          </a:stretch>
+        </p:blipFill>
+        <p:spPr>
+          <a:xfrm>
+            <a:off x="400833" y="4267877"/>
+            <a:ext cx="4176760" cy="2301725"/>
+          </a:xfrm>
+          <a:prstGeom prst="rect">
+            <a:avLst/>
+          </a:prstGeom>
+        </p:spPr>
+      </p:pic>
+    </p:spTree>
+    <p:extLst>
+      <p:ext uri="{BB962C8B-B14F-4D97-AF65-F5344CB8AC3E}">
+        <p14:creationId xmlns:p14="http://schemas.microsoft.com/office/powerpoint/2010/main" val="526333337"/>
       </p:ext>
     </p:extLst>
   </p:cSld>

--- a/tfboys.pptx
+++ b/tfboys.pptx
@@ -5,7 +5,7 @@
     <p:sldMasterId id="2147483648" r:id="rId1"/>
   </p:sldMasterIdLst>
   <p:notesMasterIdLst>
-    <p:notesMasterId r:id="rId13"/>
+    <p:notesMasterId r:id="rId15"/>
   </p:notesMasterIdLst>
   <p:sldIdLst>
     <p:sldId id="256" r:id="rId2"/>
@@ -14,11 +14,13 @@
     <p:sldId id="283" r:id="rId5"/>
     <p:sldId id="284" r:id="rId6"/>
     <p:sldId id="286" r:id="rId7"/>
-    <p:sldId id="285" r:id="rId8"/>
-    <p:sldId id="287" r:id="rId9"/>
-    <p:sldId id="288" r:id="rId10"/>
-    <p:sldId id="289" r:id="rId11"/>
-    <p:sldId id="272" r:id="rId12"/>
+    <p:sldId id="290" r:id="rId8"/>
+    <p:sldId id="291" r:id="rId9"/>
+    <p:sldId id="292" r:id="rId10"/>
+    <p:sldId id="287" r:id="rId11"/>
+    <p:sldId id="288" r:id="rId12"/>
+    <p:sldId id="289" r:id="rId13"/>
+    <p:sldId id="272" r:id="rId14"/>
   </p:sldIdLst>
   <p:sldSz cx="12192000" cy="6858000"/>
   <p:notesSz cx="6858000" cy="9144000"/>
@@ -4282,6 +4284,1280 @@
           </a:prstGeom>
         </p:spPr>
       </p:pic>
+      <p:pic>
+        <p:nvPicPr>
+          <p:cNvPr id="9" name="图片 8"/>
+          <p:cNvPicPr>
+            <a:picLocks noChangeAspect="1"/>
+          </p:cNvPicPr>
+          <p:nvPr/>
+        </p:nvPicPr>
+        <p:blipFill>
+          <a:blip r:embed="rId8"/>
+          <a:stretch>
+            <a:fillRect/>
+          </a:stretch>
+        </p:blipFill>
+        <p:spPr>
+          <a:xfrm>
+            <a:off x="4215038" y="2115054"/>
+            <a:ext cx="1206144" cy="337499"/>
+          </a:xfrm>
+          <a:prstGeom prst="rect">
+            <a:avLst/>
+          </a:prstGeom>
+        </p:spPr>
+      </p:pic>
+      <p:cxnSp>
+        <p:nvCxnSpPr>
+          <p:cNvPr id="22" name="曲线连接符 21"/>
+          <p:cNvCxnSpPr/>
+          <p:nvPr/>
+        </p:nvCxnSpPr>
+        <p:spPr>
+          <a:xfrm rot="5400000" flipH="1" flipV="1">
+            <a:off x="5339136" y="1742383"/>
+            <a:ext cx="563763" cy="399670"/>
+          </a:xfrm>
+          <a:prstGeom prst="curvedConnector3">
+            <a:avLst>
+              <a:gd name="adj1" fmla="val 50000"/>
+            </a:avLst>
+          </a:prstGeom>
+          <a:ln>
+            <a:tailEnd type="triangle"/>
+          </a:ln>
+        </p:spPr>
+        <p:style>
+          <a:lnRef idx="1">
+            <a:schemeClr val="accent1"/>
+          </a:lnRef>
+          <a:fillRef idx="0">
+            <a:schemeClr val="accent1"/>
+          </a:fillRef>
+          <a:effectRef idx="0">
+            <a:schemeClr val="accent1"/>
+          </a:effectRef>
+          <a:fontRef idx="minor">
+            <a:schemeClr val="tx1"/>
+          </a:fontRef>
+        </p:style>
+      </p:cxnSp>
+      <p:sp>
+        <p:nvSpPr>
+          <p:cNvPr id="24" name="文本框 23"/>
+          <p:cNvSpPr txBox="1"/>
+          <p:nvPr/>
+        </p:nvSpPr>
+        <p:spPr>
+          <a:xfrm>
+            <a:off x="5052690" y="1333697"/>
+            <a:ext cx="1862241" cy="369332"/>
+          </a:xfrm>
+          <a:prstGeom prst="rect">
+            <a:avLst/>
+          </a:prstGeom>
+          <a:noFill/>
+        </p:spPr>
+        <p:txBody>
+          <a:bodyPr wrap="none" rtlCol="0">
+            <a:spAutoFit/>
+          </a:bodyPr>
+          <a:lstStyle/>
+          <a:p>
+            <a:r>
+              <a:rPr kumimoji="1" lang="en-US" altLang="zh-CN" dirty="0" smtClean="0"/>
+              <a:t>Image</a:t>
+            </a:r>
+            <a:r>
+              <a:rPr kumimoji="1" lang="zh-CN" altLang="en-US" dirty="0" smtClean="0"/>
+              <a:t> </a:t>
+            </a:r>
+            <a:r>
+              <a:rPr kumimoji="1" lang="en-US" altLang="zh-CN" dirty="0" smtClean="0"/>
+              <a:t>processing</a:t>
+            </a:r>
+            <a:endParaRPr kumimoji="1" lang="zh-CN" altLang="en-US" dirty="0"/>
+          </a:p>
+        </p:txBody>
+      </p:sp>
+      <p:sp>
+        <p:nvSpPr>
+          <p:cNvPr id="26" name="文本框 25"/>
+          <p:cNvSpPr txBox="1"/>
+          <p:nvPr/>
+        </p:nvSpPr>
+        <p:spPr>
+          <a:xfrm>
+            <a:off x="936978" y="1806222"/>
+            <a:ext cx="1173270" cy="584775"/>
+          </a:xfrm>
+          <a:prstGeom prst="rect">
+            <a:avLst/>
+          </a:prstGeom>
+          <a:noFill/>
+        </p:spPr>
+        <p:txBody>
+          <a:bodyPr wrap="none" rtlCol="0">
+            <a:spAutoFit/>
+          </a:bodyPr>
+          <a:lstStyle/>
+          <a:p>
+            <a:r>
+              <a:rPr kumimoji="1" lang="en-US" altLang="zh-CN" dirty="0" smtClean="0"/>
+              <a:t>       </a:t>
+            </a:r>
+            <a:r>
+              <a:rPr kumimoji="1" lang="en-US" altLang="zh-CN" dirty="0" err="1" smtClean="0"/>
+              <a:t>Caffe</a:t>
+            </a:r>
+            <a:r>
+              <a:rPr kumimoji="1" lang="en-US" altLang="zh-CN" dirty="0" smtClean="0"/>
+              <a:t> </a:t>
+            </a:r>
+          </a:p>
+          <a:p>
+            <a:r>
+              <a:rPr kumimoji="1" lang="en-US" altLang="zh-CN" sz="1400" dirty="0" smtClean="0"/>
+              <a:t>(UC Berkeley)</a:t>
+            </a:r>
+            <a:endParaRPr kumimoji="1" lang="zh-CN" altLang="en-US" sz="1400" dirty="0"/>
+          </a:p>
+        </p:txBody>
+      </p:sp>
+      <p:cxnSp>
+        <p:nvCxnSpPr>
+          <p:cNvPr id="29" name="直线箭头连接符 28"/>
+          <p:cNvCxnSpPr>
+            <a:stCxn id="26" idx="3"/>
+          </p:cNvCxnSpPr>
+          <p:nvPr/>
+        </p:nvCxnSpPr>
+        <p:spPr>
+          <a:xfrm>
+            <a:off x="2110248" y="2098610"/>
+            <a:ext cx="1886019" cy="30778"/>
+          </a:xfrm>
+          <a:prstGeom prst="straightConnector1">
+            <a:avLst/>
+          </a:prstGeom>
+          <a:ln>
+            <a:tailEnd type="triangle"/>
+          </a:ln>
+        </p:spPr>
+        <p:style>
+          <a:lnRef idx="1">
+            <a:schemeClr val="accent1"/>
+          </a:lnRef>
+          <a:fillRef idx="0">
+            <a:schemeClr val="accent1"/>
+          </a:fillRef>
+          <a:effectRef idx="0">
+            <a:schemeClr val="accent1"/>
+          </a:effectRef>
+          <a:fontRef idx="minor">
+            <a:schemeClr val="tx1"/>
+          </a:fontRef>
+        </p:style>
+      </p:cxnSp>
+      <p:sp>
+        <p:nvSpPr>
+          <p:cNvPr id="68" name="文本框 67"/>
+          <p:cNvSpPr txBox="1"/>
+          <p:nvPr/>
+        </p:nvSpPr>
+        <p:spPr>
+          <a:xfrm>
+            <a:off x="3996267" y="1796011"/>
+            <a:ext cx="1206677" cy="369332"/>
+          </a:xfrm>
+          <a:prstGeom prst="rect">
+            <a:avLst/>
+          </a:prstGeom>
+          <a:noFill/>
+        </p:spPr>
+        <p:txBody>
+          <a:bodyPr wrap="none" rtlCol="0">
+            <a:spAutoFit/>
+          </a:bodyPr>
+          <a:lstStyle/>
+          <a:p>
+            <a:r>
+              <a:rPr kumimoji="1" lang="en-US" altLang="zh-CN" dirty="0" smtClean="0"/>
+              <a:t>       Caffe2 </a:t>
+            </a:r>
+          </a:p>
+        </p:txBody>
+      </p:sp>
+      <p:sp>
+        <p:nvSpPr>
+          <p:cNvPr id="45" name="文本框 44"/>
+          <p:cNvSpPr txBox="1"/>
+          <p:nvPr/>
+        </p:nvSpPr>
+        <p:spPr>
+          <a:xfrm>
+            <a:off x="8507464" y="1445332"/>
+            <a:ext cx="820994" cy="584775"/>
+          </a:xfrm>
+          <a:prstGeom prst="rect">
+            <a:avLst/>
+          </a:prstGeom>
+          <a:noFill/>
+        </p:spPr>
+        <p:txBody>
+          <a:bodyPr wrap="none" rtlCol="0">
+            <a:spAutoFit/>
+          </a:bodyPr>
+          <a:lstStyle/>
+          <a:p>
+            <a:r>
+              <a:rPr kumimoji="1" lang="en-US" altLang="zh-CN" dirty="0" smtClean="0"/>
+              <a:t>Paddle</a:t>
+            </a:r>
+          </a:p>
+          <a:p>
+            <a:r>
+              <a:rPr kumimoji="1" lang="en-US" altLang="zh-CN" sz="1400" dirty="0" smtClean="0"/>
+              <a:t> (Baidu)</a:t>
+            </a:r>
+          </a:p>
+        </p:txBody>
+      </p:sp>
+      <p:sp>
+        <p:nvSpPr>
+          <p:cNvPr id="46" name="文本框 45"/>
+          <p:cNvSpPr txBox="1"/>
+          <p:nvPr/>
+        </p:nvSpPr>
+        <p:spPr>
+          <a:xfrm>
+            <a:off x="8418305" y="2352464"/>
+            <a:ext cx="999313" cy="584775"/>
+          </a:xfrm>
+          <a:prstGeom prst="rect">
+            <a:avLst/>
+          </a:prstGeom>
+          <a:noFill/>
+        </p:spPr>
+        <p:txBody>
+          <a:bodyPr wrap="none" rtlCol="0">
+            <a:spAutoFit/>
+          </a:bodyPr>
+          <a:lstStyle/>
+          <a:p>
+            <a:r>
+              <a:rPr kumimoji="1" lang="en-US" altLang="zh-CN" dirty="0" smtClean="0"/>
+              <a:t>   CNTK</a:t>
+            </a:r>
+          </a:p>
+          <a:p>
+            <a:r>
+              <a:rPr kumimoji="1" lang="en-US" altLang="zh-CN" sz="1400" dirty="0" smtClean="0"/>
+              <a:t>(Microsoft)</a:t>
+            </a:r>
+            <a:endParaRPr kumimoji="1" lang="zh-CN" altLang="en-US" sz="1400" dirty="0"/>
+          </a:p>
+        </p:txBody>
+      </p:sp>
+      <p:sp>
+        <p:nvSpPr>
+          <p:cNvPr id="47" name="文本框 46"/>
+          <p:cNvSpPr txBox="1"/>
+          <p:nvPr/>
+        </p:nvSpPr>
+        <p:spPr>
+          <a:xfrm>
+            <a:off x="8470340" y="3330464"/>
+            <a:ext cx="895245" cy="584775"/>
+          </a:xfrm>
+          <a:prstGeom prst="rect">
+            <a:avLst/>
+          </a:prstGeom>
+          <a:noFill/>
+        </p:spPr>
+        <p:txBody>
+          <a:bodyPr wrap="none" rtlCol="0">
+            <a:spAutoFit/>
+          </a:bodyPr>
+          <a:lstStyle/>
+          <a:p>
+            <a:r>
+              <a:rPr kumimoji="1" lang="en-US" altLang="zh-CN" smtClean="0"/>
+              <a:t> </a:t>
+            </a:r>
+            <a:r>
+              <a:rPr kumimoji="1" lang="en-US" altLang="zh-CN" dirty="0" err="1" smtClean="0"/>
+              <a:t>MXNet</a:t>
+            </a:r>
+            <a:endParaRPr kumimoji="1" lang="en-US" altLang="zh-CN" dirty="0" smtClean="0"/>
+          </a:p>
+          <a:p>
+            <a:r>
+              <a:rPr kumimoji="1" lang="en-US" altLang="zh-CN" sz="1400" dirty="0" smtClean="0"/>
+              <a:t>(Amazon)</a:t>
+            </a:r>
+            <a:endParaRPr kumimoji="1" lang="zh-CN" altLang="en-US" sz="1400" dirty="0"/>
+          </a:p>
+        </p:txBody>
+      </p:sp>
+      <p:sp>
+        <p:nvSpPr>
+          <p:cNvPr id="48" name="文本框 47"/>
+          <p:cNvSpPr txBox="1"/>
+          <p:nvPr/>
+        </p:nvSpPr>
+        <p:spPr>
+          <a:xfrm>
+            <a:off x="1077849" y="3107696"/>
+            <a:ext cx="1415900" cy="584775"/>
+          </a:xfrm>
+          <a:prstGeom prst="rect">
+            <a:avLst/>
+          </a:prstGeom>
+          <a:noFill/>
+        </p:spPr>
+        <p:txBody>
+          <a:bodyPr wrap="none" rtlCol="0">
+            <a:spAutoFit/>
+          </a:bodyPr>
+          <a:lstStyle/>
+          <a:p>
+            <a:r>
+              <a:rPr kumimoji="1" lang="en-US" altLang="zh-CN" smtClean="0"/>
+              <a:t>      Torch</a:t>
+            </a:r>
+            <a:endParaRPr kumimoji="1" lang="en-US" altLang="zh-CN" dirty="0" smtClean="0"/>
+          </a:p>
+          <a:p>
+            <a:r>
+              <a:rPr kumimoji="1" lang="en-US" altLang="zh-CN" sz="1400" dirty="0" smtClean="0"/>
+              <a:t>(NYU/ Facebook)</a:t>
+            </a:r>
+            <a:endParaRPr kumimoji="1" lang="zh-CN" altLang="en-US" sz="1400" dirty="0"/>
+          </a:p>
+        </p:txBody>
+      </p:sp>
+      <p:cxnSp>
+        <p:nvCxnSpPr>
+          <p:cNvPr id="50" name="直线箭头连接符 49"/>
+          <p:cNvCxnSpPr>
+            <a:stCxn id="48" idx="3"/>
+          </p:cNvCxnSpPr>
+          <p:nvPr/>
+        </p:nvCxnSpPr>
+        <p:spPr>
+          <a:xfrm flipV="1">
+            <a:off x="2493749" y="3400083"/>
+            <a:ext cx="1502518" cy="1"/>
+          </a:xfrm>
+          <a:prstGeom prst="straightConnector1">
+            <a:avLst/>
+          </a:prstGeom>
+          <a:ln>
+            <a:tailEnd type="triangle"/>
+          </a:ln>
+        </p:spPr>
+        <p:style>
+          <a:lnRef idx="1">
+            <a:schemeClr val="accent1"/>
+          </a:lnRef>
+          <a:fillRef idx="0">
+            <a:schemeClr val="accent1"/>
+          </a:fillRef>
+          <a:effectRef idx="0">
+            <a:schemeClr val="accent1"/>
+          </a:effectRef>
+          <a:fontRef idx="minor">
+            <a:schemeClr val="tx1"/>
+          </a:fontRef>
+        </p:style>
+      </p:cxnSp>
+      <p:sp>
+        <p:nvSpPr>
+          <p:cNvPr id="51" name="文本框 50"/>
+          <p:cNvSpPr txBox="1"/>
+          <p:nvPr/>
+        </p:nvSpPr>
+        <p:spPr>
+          <a:xfrm>
+            <a:off x="4324160" y="3096272"/>
+            <a:ext cx="987899" cy="584775"/>
+          </a:xfrm>
+          <a:prstGeom prst="rect">
+            <a:avLst/>
+          </a:prstGeom>
+          <a:noFill/>
+        </p:spPr>
+        <p:txBody>
+          <a:bodyPr wrap="none" rtlCol="0">
+            <a:spAutoFit/>
+          </a:bodyPr>
+          <a:lstStyle/>
+          <a:p>
+            <a:r>
+              <a:rPr kumimoji="1" lang="en-US" altLang="zh-CN" smtClean="0"/>
+              <a:t> </a:t>
+            </a:r>
+            <a:r>
+              <a:rPr kumimoji="1" lang="en-US" altLang="zh-CN" dirty="0" err="1" smtClean="0"/>
+              <a:t>PyTorch</a:t>
+            </a:r>
+            <a:endParaRPr kumimoji="1" lang="en-US" altLang="zh-CN" dirty="0" smtClean="0"/>
+          </a:p>
+          <a:p>
+            <a:r>
+              <a:rPr kumimoji="1" lang="en-US" altLang="zh-CN" sz="1400" dirty="0" smtClean="0"/>
+              <a:t>(Facebook)</a:t>
+            </a:r>
+            <a:endParaRPr kumimoji="1" lang="zh-CN" altLang="en-US" sz="1400" dirty="0"/>
+          </a:p>
+        </p:txBody>
+      </p:sp>
+      <p:sp>
+        <p:nvSpPr>
+          <p:cNvPr id="52" name="文本框 51"/>
+          <p:cNvSpPr txBox="1"/>
+          <p:nvPr/>
+        </p:nvSpPr>
+        <p:spPr>
+          <a:xfrm>
+            <a:off x="1371600" y="4368800"/>
+            <a:ext cx="888385" cy="369332"/>
+          </a:xfrm>
+          <a:prstGeom prst="rect">
+            <a:avLst/>
+          </a:prstGeom>
+          <a:noFill/>
+        </p:spPr>
+        <p:txBody>
+          <a:bodyPr wrap="none" rtlCol="0">
+            <a:spAutoFit/>
+          </a:bodyPr>
+          <a:lstStyle/>
+          <a:p>
+            <a:r>
+              <a:rPr kumimoji="1" lang="en-US" altLang="zh-CN" dirty="0" err="1" smtClean="0"/>
+              <a:t>Theano</a:t>
+            </a:r>
+            <a:endParaRPr kumimoji="1" lang="zh-CN" altLang="en-US" dirty="0"/>
+          </a:p>
+        </p:txBody>
+      </p:sp>
+      <p:cxnSp>
+        <p:nvCxnSpPr>
+          <p:cNvPr id="54" name="直线箭头连接符 53"/>
+          <p:cNvCxnSpPr>
+            <a:stCxn id="52" idx="3"/>
+          </p:cNvCxnSpPr>
+          <p:nvPr/>
+        </p:nvCxnSpPr>
+        <p:spPr>
+          <a:xfrm>
+            <a:off x="2259985" y="4553466"/>
+            <a:ext cx="1736282" cy="0"/>
+          </a:xfrm>
+          <a:prstGeom prst="straightConnector1">
+            <a:avLst/>
+          </a:prstGeom>
+          <a:ln>
+            <a:tailEnd type="triangle"/>
+          </a:ln>
+        </p:spPr>
+        <p:style>
+          <a:lnRef idx="1">
+            <a:schemeClr val="accent1"/>
+          </a:lnRef>
+          <a:fillRef idx="0">
+            <a:schemeClr val="accent1"/>
+          </a:fillRef>
+          <a:effectRef idx="0">
+            <a:schemeClr val="accent1"/>
+          </a:effectRef>
+          <a:fontRef idx="minor">
+            <a:schemeClr val="tx1"/>
+          </a:fontRef>
+        </p:style>
+      </p:cxnSp>
+      <p:sp>
+        <p:nvSpPr>
+          <p:cNvPr id="55" name="文本框 54"/>
+          <p:cNvSpPr txBox="1"/>
+          <p:nvPr/>
+        </p:nvSpPr>
+        <p:spPr>
+          <a:xfrm>
+            <a:off x="4215038" y="4261078"/>
+            <a:ext cx="1250471" cy="584775"/>
+          </a:xfrm>
+          <a:prstGeom prst="rect">
+            <a:avLst/>
+          </a:prstGeom>
+          <a:noFill/>
+        </p:spPr>
+        <p:txBody>
+          <a:bodyPr wrap="none" rtlCol="0">
+            <a:spAutoFit/>
+          </a:bodyPr>
+          <a:lstStyle/>
+          <a:p>
+            <a:r>
+              <a:rPr kumimoji="1" lang="en-US" altLang="zh-CN" dirty="0" err="1" smtClean="0"/>
+              <a:t>TensorFlow</a:t>
+            </a:r>
+            <a:endParaRPr kumimoji="1" lang="en-US" altLang="zh-CN" dirty="0" smtClean="0"/>
+          </a:p>
+          <a:p>
+            <a:r>
+              <a:rPr kumimoji="1" lang="en-US" altLang="zh-CN" sz="1400" dirty="0" smtClean="0"/>
+              <a:t>     (Google)</a:t>
+            </a:r>
+            <a:endParaRPr kumimoji="1" lang="zh-CN" altLang="en-US" sz="1400" dirty="0"/>
+          </a:p>
+        </p:txBody>
+      </p:sp>
+    </p:spTree>
+    <p:extLst>
+      <p:ext uri="{BB962C8B-B14F-4D97-AF65-F5344CB8AC3E}">
+        <p14:creationId xmlns:p14="http://schemas.microsoft.com/office/powerpoint/2010/main" val="1625069229"/>
+      </p:ext>
+    </p:extLst>
+  </p:cSld>
+  <p:clrMapOvr>
+    <a:masterClrMapping/>
+  </p:clrMapOvr>
+  <p:timing>
+    <p:tnLst>
+      <p:par>
+        <p:cTn id="1" dur="indefinite" restart="never" nodeType="tmRoot"/>
+      </p:par>
+    </p:tnLst>
+  </p:timing>
+</p:sld>
+</file>
+
+<file path=ppt/slides/slide11.xml><?xml version="1.0" encoding="utf-8"?>
+<p:sld xmlns:a="http://schemas.openxmlformats.org/drawingml/2006/main" xmlns:r="http://schemas.openxmlformats.org/officeDocument/2006/relationships" xmlns:p="http://schemas.openxmlformats.org/presentationml/2006/main">
+  <p:cSld>
+    <p:spTree>
+      <p:nvGrpSpPr>
+        <p:cNvPr id="1" name=""/>
+        <p:cNvGrpSpPr/>
+        <p:nvPr/>
+      </p:nvGrpSpPr>
+      <p:grpSpPr>
+        <a:xfrm>
+          <a:off x="0" y="0"/>
+          <a:ext cx="0" cy="0"/>
+          <a:chOff x="0" y="0"/>
+          <a:chExt cx="0" cy="0"/>
+        </a:xfrm>
+      </p:grpSpPr>
+      <p:pic>
+        <p:nvPicPr>
+          <p:cNvPr id="8" name="内容占位符 7"/>
+          <p:cNvPicPr>
+            <a:picLocks noGrp="1" noChangeAspect="1"/>
+          </p:cNvPicPr>
+          <p:nvPr>
+            <p:ph idx="1"/>
+          </p:nvPr>
+        </p:nvPicPr>
+        <p:blipFill>
+          <a:blip r:embed="rId2">
+            <a:extLst>
+              <a:ext uri="{28A0092B-C50C-407E-A947-70E740481C1C}">
+                <a14:useLocalDpi xmlns:a14="http://schemas.microsoft.com/office/drawing/2010/main" val="0"/>
+              </a:ext>
+            </a:extLst>
+          </a:blip>
+          <a:stretch>
+            <a:fillRect/>
+          </a:stretch>
+        </p:blipFill>
+        <p:spPr>
+          <a:xfrm>
+            <a:off x="-449251" y="-1118025"/>
+            <a:ext cx="13039702" cy="2652243"/>
+          </a:xfrm>
+        </p:spPr>
+      </p:pic>
+      <p:sp>
+        <p:nvSpPr>
+          <p:cNvPr id="2" name="标题 1">
+            <a:extLst>
+              <a:ext uri="{FF2B5EF4-FFF2-40B4-BE49-F238E27FC236}">
+                <a16:creationId xmlns:a16="http://schemas.microsoft.com/office/drawing/2014/main" xmlns="" id="{729E7753-D934-41AF-979C-BE3013383BDA}"/>
+              </a:ext>
+            </a:extLst>
+          </p:cNvPr>
+          <p:cNvSpPr>
+            <a:spLocks noGrp="1"/>
+          </p:cNvSpPr>
+          <p:nvPr>
+            <p:ph type="title"/>
+          </p:nvPr>
+        </p:nvSpPr>
+        <p:spPr>
+          <a:xfrm>
+            <a:off x="1077849" y="-45562"/>
+            <a:ext cx="10515600" cy="1325563"/>
+          </a:xfrm>
+        </p:spPr>
+        <p:txBody>
+          <a:bodyPr>
+            <a:normAutofit/>
+          </a:bodyPr>
+          <a:lstStyle/>
+          <a:p>
+            <a:r>
+              <a:rPr lang="en-US" altLang="zh-CN" b="1" dirty="0" smtClean="0"/>
+              <a:t>6.</a:t>
+            </a:r>
+            <a:r>
+              <a:rPr lang="zh-CN" altLang="en-US" b="1" dirty="0" smtClean="0"/>
+              <a:t> </a:t>
+            </a:r>
+            <a:r>
+              <a:rPr lang="en-US" altLang="zh-CN" b="1" dirty="0" smtClean="0"/>
+              <a:t>Pros</a:t>
+            </a:r>
+            <a:r>
+              <a:rPr lang="zh-CN" altLang="en-US" b="1" dirty="0" smtClean="0"/>
+              <a:t> </a:t>
+            </a:r>
+            <a:r>
+              <a:rPr lang="en-US" altLang="zh-CN" b="1" dirty="0" smtClean="0"/>
+              <a:t>and cons</a:t>
+            </a:r>
+            <a:endParaRPr lang="en-HK" b="1" dirty="0"/>
+          </a:p>
+        </p:txBody>
+      </p:sp>
+      <p:pic>
+        <p:nvPicPr>
+          <p:cNvPr id="4" name="图形 3">
+            <a:extLst>
+              <a:ext uri="{FF2B5EF4-FFF2-40B4-BE49-F238E27FC236}">
+                <a16:creationId xmlns:a16="http://schemas.microsoft.com/office/drawing/2014/main" xmlns="" id="{3EF556CA-30DB-46CA-B010-E7BC06705578}"/>
+              </a:ext>
+            </a:extLst>
+          </p:cNvPr>
+          <p:cNvPicPr>
+            <a:picLocks noChangeAspect="1"/>
+          </p:cNvPicPr>
+          <p:nvPr/>
+        </p:nvPicPr>
+        <p:blipFill>
+          <a:blip r:embed="rId3">
+            <a:extLst>
+              <a:ext uri="{96DAC541-7B7A-43D3-8B79-37D633B846F1}">
+                <asvg:svgBlip xmlns:asvg="http://schemas.microsoft.com/office/drawing/2016/SVG/main" xmlns="" r:embed="rId5"/>
+              </a:ext>
+            </a:extLst>
+          </a:blip>
+          <a:stretch>
+            <a:fillRect/>
+          </a:stretch>
+        </p:blipFill>
+        <p:spPr>
+          <a:xfrm>
+            <a:off x="-50800" y="6122728"/>
+            <a:ext cx="12242800" cy="1278197"/>
+          </a:xfrm>
+          <a:prstGeom prst="rect">
+            <a:avLst/>
+          </a:prstGeom>
+        </p:spPr>
+      </p:pic>
+      <p:sp>
+        <p:nvSpPr>
+          <p:cNvPr id="5" name="箭头: 五边形 4">
+            <a:extLst>
+              <a:ext uri="{FF2B5EF4-FFF2-40B4-BE49-F238E27FC236}">
+                <a16:creationId xmlns:a16="http://schemas.microsoft.com/office/drawing/2014/main" xmlns="" id="{61E862C7-DDED-46B2-88A9-92A4D3F40475}"/>
+              </a:ext>
+            </a:extLst>
+          </p:cNvPr>
+          <p:cNvSpPr/>
+          <p:nvPr/>
+        </p:nvSpPr>
+        <p:spPr>
+          <a:xfrm rot="5400000">
+            <a:off x="-60257" y="234315"/>
+            <a:ext cx="1234440" cy="765810"/>
+          </a:xfrm>
+          <a:prstGeom prst="homePlate">
+            <a:avLst/>
+          </a:prstGeom>
+          <a:solidFill>
+            <a:srgbClr val="034246"/>
+          </a:solidFill>
+        </p:spPr>
+        <p:style>
+          <a:lnRef idx="2">
+            <a:schemeClr val="accent1">
+              <a:shade val="50000"/>
+            </a:schemeClr>
+          </a:lnRef>
+          <a:fillRef idx="1">
+            <a:schemeClr val="accent1"/>
+          </a:fillRef>
+          <a:effectRef idx="0">
+            <a:schemeClr val="accent1"/>
+          </a:effectRef>
+          <a:fontRef idx="minor">
+            <a:schemeClr val="lt1"/>
+          </a:fontRef>
+        </p:style>
+        <p:txBody>
+          <a:bodyPr rtlCol="0" anchor="ctr"/>
+          <a:lstStyle/>
+          <a:p>
+            <a:pPr algn="ctr"/>
+            <a:endParaRPr lang="en-HK"/>
+          </a:p>
+        </p:txBody>
+      </p:sp>
+      <p:pic>
+        <p:nvPicPr>
+          <p:cNvPr id="6" name="图形 5">
+            <a:extLst>
+              <a:ext uri="{FF2B5EF4-FFF2-40B4-BE49-F238E27FC236}">
+                <a16:creationId xmlns:a16="http://schemas.microsoft.com/office/drawing/2014/main" xmlns="" id="{217E1EC4-7E0E-4611-9AC8-528215714F14}"/>
+              </a:ext>
+            </a:extLst>
+          </p:cNvPr>
+          <p:cNvPicPr>
+            <a:picLocks noChangeAspect="1"/>
+          </p:cNvPicPr>
+          <p:nvPr/>
+        </p:nvPicPr>
+        <p:blipFill>
+          <a:blip r:embed="rId6">
+            <a:extLst>
+              <a:ext uri="{96DAC541-7B7A-43D3-8B79-37D633B846F1}">
+                <asvg:svgBlip xmlns:asvg="http://schemas.microsoft.com/office/drawing/2016/SVG/main" xmlns="" r:embed="rId7"/>
+              </a:ext>
+            </a:extLst>
+          </a:blip>
+          <a:stretch>
+            <a:fillRect/>
+          </a:stretch>
+        </p:blipFill>
+        <p:spPr>
+          <a:xfrm>
+            <a:off x="312039" y="103823"/>
+            <a:ext cx="489848" cy="717523"/>
+          </a:xfrm>
+          <a:prstGeom prst="rect">
+            <a:avLst/>
+          </a:prstGeom>
+        </p:spPr>
+      </p:pic>
+      <p:sp>
+        <p:nvSpPr>
+          <p:cNvPr id="51" name="文本框 50"/>
+          <p:cNvSpPr txBox="1"/>
+          <p:nvPr/>
+        </p:nvSpPr>
+        <p:spPr>
+          <a:xfrm>
+            <a:off x="583899" y="1534218"/>
+            <a:ext cx="987899" cy="584775"/>
+          </a:xfrm>
+          <a:prstGeom prst="rect">
+            <a:avLst/>
+          </a:prstGeom>
+          <a:noFill/>
+        </p:spPr>
+        <p:txBody>
+          <a:bodyPr wrap="none" rtlCol="0">
+            <a:spAutoFit/>
+          </a:bodyPr>
+          <a:lstStyle/>
+          <a:p>
+            <a:r>
+              <a:rPr kumimoji="1" lang="en-US" altLang="zh-CN" dirty="0" smtClean="0"/>
+              <a:t> </a:t>
+            </a:r>
+            <a:r>
+              <a:rPr kumimoji="1" lang="en-US" altLang="zh-CN" dirty="0" err="1" smtClean="0"/>
+              <a:t>PyTorch</a:t>
+            </a:r>
+            <a:endParaRPr kumimoji="1" lang="en-US" altLang="zh-CN" dirty="0" smtClean="0"/>
+          </a:p>
+          <a:p>
+            <a:r>
+              <a:rPr kumimoji="1" lang="en-US" altLang="zh-CN" sz="1400" dirty="0" smtClean="0"/>
+              <a:t>(Facebook)</a:t>
+            </a:r>
+            <a:endParaRPr kumimoji="1" lang="zh-CN" altLang="en-US" sz="1400" dirty="0"/>
+          </a:p>
+        </p:txBody>
+      </p:sp>
+      <p:sp>
+        <p:nvSpPr>
+          <p:cNvPr id="55" name="文本框 54"/>
+          <p:cNvSpPr txBox="1"/>
+          <p:nvPr/>
+        </p:nvSpPr>
+        <p:spPr>
+          <a:xfrm>
+            <a:off x="474777" y="2699024"/>
+            <a:ext cx="1250471" cy="584775"/>
+          </a:xfrm>
+          <a:prstGeom prst="rect">
+            <a:avLst/>
+          </a:prstGeom>
+          <a:noFill/>
+        </p:spPr>
+        <p:txBody>
+          <a:bodyPr wrap="none" rtlCol="0">
+            <a:spAutoFit/>
+          </a:bodyPr>
+          <a:lstStyle/>
+          <a:p>
+            <a:r>
+              <a:rPr kumimoji="1" lang="en-US" altLang="zh-CN" dirty="0" err="1" smtClean="0"/>
+              <a:t>TensorFlow</a:t>
+            </a:r>
+            <a:endParaRPr kumimoji="1" lang="en-US" altLang="zh-CN" dirty="0" smtClean="0"/>
+          </a:p>
+          <a:p>
+            <a:r>
+              <a:rPr kumimoji="1" lang="en-US" altLang="zh-CN" sz="1400" dirty="0" smtClean="0"/>
+              <a:t>     (Google)</a:t>
+            </a:r>
+            <a:endParaRPr kumimoji="1" lang="zh-CN" altLang="en-US" sz="1400" dirty="0"/>
+          </a:p>
+        </p:txBody>
+      </p:sp>
+      <p:pic>
+        <p:nvPicPr>
+          <p:cNvPr id="3" name="图片 2"/>
+          <p:cNvPicPr>
+            <a:picLocks noChangeAspect="1"/>
+          </p:cNvPicPr>
+          <p:nvPr/>
+        </p:nvPicPr>
+        <p:blipFill>
+          <a:blip r:embed="rId8">
+            <a:extLst>
+              <a:ext uri="{28A0092B-C50C-407E-A947-70E740481C1C}">
+                <a14:useLocalDpi xmlns:a14="http://schemas.microsoft.com/office/drawing/2010/main" val="0"/>
+              </a:ext>
+            </a:extLst>
+          </a:blip>
+          <a:stretch>
+            <a:fillRect/>
+          </a:stretch>
+        </p:blipFill>
+        <p:spPr>
+          <a:xfrm>
+            <a:off x="6050178" y="1190957"/>
+            <a:ext cx="5431612" cy="2235200"/>
+          </a:xfrm>
+          <a:prstGeom prst="rect">
+            <a:avLst/>
+          </a:prstGeom>
+        </p:spPr>
+      </p:pic>
+      <p:sp>
+        <p:nvSpPr>
+          <p:cNvPr id="7" name="文本框 6"/>
+          <p:cNvSpPr txBox="1"/>
+          <p:nvPr/>
+        </p:nvSpPr>
+        <p:spPr>
+          <a:xfrm>
+            <a:off x="6335649" y="3412974"/>
+            <a:ext cx="4860671" cy="276999"/>
+          </a:xfrm>
+          <a:prstGeom prst="rect">
+            <a:avLst/>
+          </a:prstGeom>
+          <a:noFill/>
+        </p:spPr>
+        <p:txBody>
+          <a:bodyPr wrap="square" rtlCol="0">
+            <a:spAutoFit/>
+          </a:bodyPr>
+          <a:lstStyle/>
+          <a:p>
+            <a:r>
+              <a:rPr kumimoji="1" lang="is-IS" altLang="zh-CN" sz="1200" dirty="0"/>
+              <a:t>NAACL </a:t>
+            </a:r>
+            <a:r>
+              <a:rPr kumimoji="1" lang="is-IS" altLang="zh-CN" sz="1200" dirty="0" smtClean="0"/>
+              <a:t>and ACL</a:t>
+            </a:r>
+            <a:r>
+              <a:rPr kumimoji="1" lang="zh-CN" altLang="en-US" sz="1200" dirty="0" smtClean="0"/>
+              <a:t> </a:t>
+            </a:r>
+            <a:r>
+              <a:rPr kumimoji="1" lang="en-US" altLang="zh-CN" sz="1200" dirty="0" smtClean="0"/>
+              <a:t>are the top conferences for natural language processing</a:t>
+            </a:r>
+            <a:r>
+              <a:rPr kumimoji="1" lang="is-IS" altLang="zh-CN" sz="1200" dirty="0"/>
+              <a:t> </a:t>
+            </a:r>
+            <a:endParaRPr kumimoji="1" lang="zh-CN" altLang="en-US" sz="1200" dirty="0"/>
+          </a:p>
+        </p:txBody>
+      </p:sp>
+      <p:sp>
+        <p:nvSpPr>
+          <p:cNvPr id="10" name="文本框 9"/>
+          <p:cNvSpPr txBox="1"/>
+          <p:nvPr/>
+        </p:nvSpPr>
+        <p:spPr>
+          <a:xfrm>
+            <a:off x="4820647" y="4041141"/>
+            <a:ext cx="7128298" cy="2308324"/>
+          </a:xfrm>
+          <a:prstGeom prst="rect">
+            <a:avLst/>
+          </a:prstGeom>
+          <a:noFill/>
+        </p:spPr>
+        <p:txBody>
+          <a:bodyPr wrap="none" rtlCol="0">
+            <a:spAutoFit/>
+          </a:bodyPr>
+          <a:lstStyle/>
+          <a:p>
+            <a:r>
+              <a:rPr kumimoji="1" lang="en-US" altLang="zh-CN" dirty="0" smtClean="0"/>
+              <a:t>Industry</a:t>
+            </a:r>
+            <a:r>
+              <a:rPr kumimoji="1" lang="zh-CN" altLang="en-US" dirty="0" smtClean="0"/>
+              <a:t> </a:t>
+            </a:r>
+            <a:r>
+              <a:rPr kumimoji="1" lang="en-US" altLang="zh-CN" dirty="0" smtClean="0"/>
+              <a:t>world:</a:t>
+            </a:r>
+            <a:br>
+              <a:rPr kumimoji="1" lang="en-US" altLang="zh-CN" dirty="0" smtClean="0"/>
+            </a:br>
+            <a:r>
+              <a:rPr kumimoji="1" lang="en-US" altLang="zh-CN" dirty="0" smtClean="0"/>
+              <a:t>1. </a:t>
+            </a:r>
+            <a:r>
+              <a:rPr kumimoji="1" lang="en-US" altLang="zh-CN" dirty="0"/>
+              <a:t>python </a:t>
+            </a:r>
+            <a:r>
+              <a:rPr kumimoji="1" lang="en-US" altLang="zh-CN" dirty="0" smtClean="0"/>
+              <a:t>environment leads to huge consumption on servers</a:t>
+            </a:r>
+          </a:p>
+          <a:p>
+            <a:endParaRPr kumimoji="1" lang="en-US" altLang="zh-CN" dirty="0"/>
+          </a:p>
+          <a:p>
+            <a:r>
+              <a:rPr kumimoji="1" lang="en-US" altLang="zh-CN" dirty="0" smtClean="0"/>
+              <a:t>2. Mobility: python interpreter cannot be embedded in mobile binary files</a:t>
+            </a:r>
+          </a:p>
+          <a:p>
+            <a:endParaRPr kumimoji="1" lang="en-US" altLang="zh-CN" dirty="0"/>
+          </a:p>
+          <a:p>
+            <a:r>
+              <a:rPr kumimoji="1" lang="en-US" altLang="zh-CN" dirty="0" smtClean="0"/>
+              <a:t>3. Service: update without shutting down </a:t>
+            </a:r>
+          </a:p>
+          <a:p>
+            <a:endParaRPr kumimoji="1" lang="en-US" altLang="zh-CN" dirty="0"/>
+          </a:p>
+          <a:p>
+            <a:r>
+              <a:rPr kumimoji="1" lang="en-US" altLang="zh-CN" dirty="0" smtClean="0"/>
+              <a:t>4. deployment</a:t>
+            </a:r>
+            <a:endParaRPr kumimoji="1" lang="zh-CN" altLang="en-US" dirty="0"/>
+          </a:p>
+        </p:txBody>
+      </p:sp>
+      <p:pic>
+        <p:nvPicPr>
+          <p:cNvPr id="11" name="图片 10"/>
+          <p:cNvPicPr>
+            <a:picLocks noChangeAspect="1"/>
+          </p:cNvPicPr>
+          <p:nvPr/>
+        </p:nvPicPr>
+        <p:blipFill>
+          <a:blip r:embed="rId9">
+            <a:extLst>
+              <a:ext uri="{28A0092B-C50C-407E-A947-70E740481C1C}">
+                <a14:useLocalDpi xmlns:a14="http://schemas.microsoft.com/office/drawing/2010/main" val="0"/>
+              </a:ext>
+            </a:extLst>
+          </a:blip>
+          <a:stretch>
+            <a:fillRect/>
+          </a:stretch>
+        </p:blipFill>
+        <p:spPr>
+          <a:xfrm>
+            <a:off x="400833" y="4267877"/>
+            <a:ext cx="4176760" cy="2301725"/>
+          </a:xfrm>
+          <a:prstGeom prst="rect">
+            <a:avLst/>
+          </a:prstGeom>
+        </p:spPr>
+      </p:pic>
+    </p:spTree>
+    <p:extLst>
+      <p:ext uri="{BB962C8B-B14F-4D97-AF65-F5344CB8AC3E}">
+        <p14:creationId xmlns:p14="http://schemas.microsoft.com/office/powerpoint/2010/main" val="526333337"/>
+      </p:ext>
+    </p:extLst>
+  </p:cSld>
+  <p:clrMapOvr>
+    <a:masterClrMapping/>
+  </p:clrMapOvr>
+  <p:timing>
+    <p:tnLst>
+      <p:par>
+        <p:cTn id="1" dur="indefinite" restart="never" nodeType="tmRoot"/>
+      </p:par>
+    </p:tnLst>
+  </p:timing>
+</p:sld>
+</file>
+
+<file path=ppt/slides/slide12.xml><?xml version="1.0" encoding="utf-8"?>
+<p:sld xmlns:a="http://schemas.openxmlformats.org/drawingml/2006/main" xmlns:r="http://schemas.openxmlformats.org/officeDocument/2006/relationships" xmlns:p="http://schemas.openxmlformats.org/presentationml/2006/main">
+  <p:cSld>
+    <p:spTree>
+      <p:nvGrpSpPr>
+        <p:cNvPr id="1" name=""/>
+        <p:cNvGrpSpPr/>
+        <p:nvPr/>
+      </p:nvGrpSpPr>
+      <p:grpSpPr>
+        <a:xfrm>
+          <a:off x="0" y="0"/>
+          <a:ext cx="0" cy="0"/>
+          <a:chOff x="0" y="0"/>
+          <a:chExt cx="0" cy="0"/>
+        </a:xfrm>
+      </p:grpSpPr>
+      <p:pic>
+        <p:nvPicPr>
+          <p:cNvPr id="8" name="内容占位符 7"/>
+          <p:cNvPicPr>
+            <a:picLocks noGrp="1" noChangeAspect="1"/>
+          </p:cNvPicPr>
+          <p:nvPr>
+            <p:ph idx="1"/>
+          </p:nvPr>
+        </p:nvPicPr>
+        <p:blipFill>
+          <a:blip r:embed="rId2">
+            <a:extLst>
+              <a:ext uri="{28A0092B-C50C-407E-A947-70E740481C1C}">
+                <a14:useLocalDpi xmlns:a14="http://schemas.microsoft.com/office/drawing/2010/main" val="0"/>
+              </a:ext>
+            </a:extLst>
+          </a:blip>
+          <a:stretch>
+            <a:fillRect/>
+          </a:stretch>
+        </p:blipFill>
+        <p:spPr>
+          <a:xfrm>
+            <a:off x="-449251" y="-1118025"/>
+            <a:ext cx="13039702" cy="2652243"/>
+          </a:xfrm>
+        </p:spPr>
+      </p:pic>
+      <p:sp>
+        <p:nvSpPr>
+          <p:cNvPr id="2" name="标题 1">
+            <a:extLst>
+              <a:ext uri="{FF2B5EF4-FFF2-40B4-BE49-F238E27FC236}">
+                <a16:creationId xmlns:a16="http://schemas.microsoft.com/office/drawing/2014/main" xmlns="" id="{729E7753-D934-41AF-979C-BE3013383BDA}"/>
+              </a:ext>
+            </a:extLst>
+          </p:cNvPr>
+          <p:cNvSpPr>
+            <a:spLocks noGrp="1"/>
+          </p:cNvSpPr>
+          <p:nvPr>
+            <p:ph type="title"/>
+          </p:nvPr>
+        </p:nvSpPr>
+        <p:spPr>
+          <a:xfrm>
+            <a:off x="1077849" y="-45562"/>
+            <a:ext cx="10515600" cy="1325563"/>
+          </a:xfrm>
+        </p:spPr>
+        <p:txBody>
+          <a:bodyPr>
+            <a:normAutofit/>
+          </a:bodyPr>
+          <a:lstStyle/>
+          <a:p>
+            <a:r>
+              <a:rPr lang="en-US" altLang="zh-CN" b="1" dirty="0" smtClean="0"/>
+              <a:t>6.</a:t>
+            </a:r>
+            <a:r>
+              <a:rPr lang="zh-CN" altLang="en-US" b="1" dirty="0" smtClean="0"/>
+              <a:t> </a:t>
+            </a:r>
+            <a:r>
+              <a:rPr lang="en-US" altLang="zh-CN" b="1" dirty="0" smtClean="0"/>
+              <a:t>Pros</a:t>
+            </a:r>
+            <a:r>
+              <a:rPr lang="zh-CN" altLang="en-US" b="1" dirty="0" smtClean="0"/>
+              <a:t> </a:t>
+            </a:r>
+            <a:r>
+              <a:rPr lang="en-US" altLang="zh-CN" b="1" dirty="0" smtClean="0"/>
+              <a:t>and cons</a:t>
+            </a:r>
+            <a:endParaRPr lang="en-HK" b="1" dirty="0"/>
+          </a:p>
+        </p:txBody>
+      </p:sp>
+      <p:pic>
+        <p:nvPicPr>
+          <p:cNvPr id="4" name="图形 3">
+            <a:extLst>
+              <a:ext uri="{FF2B5EF4-FFF2-40B4-BE49-F238E27FC236}">
+                <a16:creationId xmlns:a16="http://schemas.microsoft.com/office/drawing/2014/main" xmlns="" id="{3EF556CA-30DB-46CA-B010-E7BC06705578}"/>
+              </a:ext>
+            </a:extLst>
+          </p:cNvPr>
+          <p:cNvPicPr>
+            <a:picLocks noChangeAspect="1"/>
+          </p:cNvPicPr>
+          <p:nvPr/>
+        </p:nvPicPr>
+        <p:blipFill>
+          <a:blip r:embed="rId3">
+            <a:extLst>
+              <a:ext uri="{96DAC541-7B7A-43D3-8B79-37D633B846F1}">
+                <asvg:svgBlip xmlns:asvg="http://schemas.microsoft.com/office/drawing/2016/SVG/main" xmlns="" r:embed="rId5"/>
+              </a:ext>
+            </a:extLst>
+          </a:blip>
+          <a:stretch>
+            <a:fillRect/>
+          </a:stretch>
+        </p:blipFill>
+        <p:spPr>
+          <a:xfrm>
+            <a:off x="-50800" y="6122728"/>
+            <a:ext cx="12242800" cy="1278197"/>
+          </a:xfrm>
+          <a:prstGeom prst="rect">
+            <a:avLst/>
+          </a:prstGeom>
+        </p:spPr>
+      </p:pic>
+      <p:sp>
+        <p:nvSpPr>
+          <p:cNvPr id="5" name="箭头: 五边形 4">
+            <a:extLst>
+              <a:ext uri="{FF2B5EF4-FFF2-40B4-BE49-F238E27FC236}">
+                <a16:creationId xmlns:a16="http://schemas.microsoft.com/office/drawing/2014/main" xmlns="" id="{61E862C7-DDED-46B2-88A9-92A4D3F40475}"/>
+              </a:ext>
+            </a:extLst>
+          </p:cNvPr>
+          <p:cNvSpPr/>
+          <p:nvPr/>
+        </p:nvSpPr>
+        <p:spPr>
+          <a:xfrm rot="5400000">
+            <a:off x="-60257" y="234315"/>
+            <a:ext cx="1234440" cy="765810"/>
+          </a:xfrm>
+          <a:prstGeom prst="homePlate">
+            <a:avLst/>
+          </a:prstGeom>
+          <a:solidFill>
+            <a:srgbClr val="034246"/>
+          </a:solidFill>
+        </p:spPr>
+        <p:style>
+          <a:lnRef idx="2">
+            <a:schemeClr val="accent1">
+              <a:shade val="50000"/>
+            </a:schemeClr>
+          </a:lnRef>
+          <a:fillRef idx="1">
+            <a:schemeClr val="accent1"/>
+          </a:fillRef>
+          <a:effectRef idx="0">
+            <a:schemeClr val="accent1"/>
+          </a:effectRef>
+          <a:fontRef idx="minor">
+            <a:schemeClr val="lt1"/>
+          </a:fontRef>
+        </p:style>
+        <p:txBody>
+          <a:bodyPr rtlCol="0" anchor="ctr"/>
+          <a:lstStyle/>
+          <a:p>
+            <a:pPr algn="ctr"/>
+            <a:endParaRPr lang="en-HK"/>
+          </a:p>
+        </p:txBody>
+      </p:sp>
+      <p:pic>
+        <p:nvPicPr>
+          <p:cNvPr id="6" name="图形 5">
+            <a:extLst>
+              <a:ext uri="{FF2B5EF4-FFF2-40B4-BE49-F238E27FC236}">
+                <a16:creationId xmlns:a16="http://schemas.microsoft.com/office/drawing/2014/main" xmlns="" id="{217E1EC4-7E0E-4611-9AC8-528215714F14}"/>
+              </a:ext>
+            </a:extLst>
+          </p:cNvPr>
+          <p:cNvPicPr>
+            <a:picLocks noChangeAspect="1"/>
+          </p:cNvPicPr>
+          <p:nvPr/>
+        </p:nvPicPr>
+        <p:blipFill>
+          <a:blip r:embed="rId6">
+            <a:extLst>
+              <a:ext uri="{96DAC541-7B7A-43D3-8B79-37D633B846F1}">
+                <asvg:svgBlip xmlns:asvg="http://schemas.microsoft.com/office/drawing/2016/SVG/main" xmlns="" r:embed="rId7"/>
+              </a:ext>
+            </a:extLst>
+          </a:blip>
+          <a:stretch>
+            <a:fillRect/>
+          </a:stretch>
+        </p:blipFill>
+        <p:spPr>
+          <a:xfrm>
+            <a:off x="312039" y="103823"/>
+            <a:ext cx="489848" cy="717523"/>
+          </a:xfrm>
+          <a:prstGeom prst="rect">
+            <a:avLst/>
+          </a:prstGeom>
+        </p:spPr>
+      </p:pic>
       <p:sp>
         <p:nvSpPr>
           <p:cNvPr id="13" name="椭圆 12"/>
@@ -6238,7 +7514,7 @@
 </p:sld>
 </file>
 
-<file path=ppt/slides/slide11.xml><?xml version="1.0" encoding="utf-8"?>
+<file path=ppt/slides/slide13.xml><?xml version="1.0" encoding="utf-8"?>
 <p:sld xmlns:a="http://schemas.openxmlformats.org/drawingml/2006/main" xmlns:r="http://schemas.openxmlformats.org/officeDocument/2006/relationships" xmlns:p="http://schemas.openxmlformats.org/presentationml/2006/main">
   <p:cSld>
     <p:spTree>
@@ -10966,12 +12242,16 @@
           <a:lstStyle/>
           <a:p>
             <a:r>
-              <a:rPr lang="en-US" altLang="zh-CN" b="1" dirty="0" smtClean="0"/>
+              <a:rPr lang="en-US" altLang="zh-CN" b="1" dirty="0"/>
               <a:t>5. Application of </a:t>
             </a:r>
             <a:r>
-              <a:rPr lang="en-US" altLang="zh-CN" b="1" dirty="0" err="1" smtClean="0"/>
+              <a:rPr lang="en-US" altLang="zh-CN" b="1" dirty="0" err="1"/>
               <a:t>tensorflow</a:t>
+            </a:r>
+            <a:r>
+              <a:rPr lang="en-US" altLang="zh-CN" b="1" dirty="0"/>
+              <a:t> -- NLP </a:t>
             </a:r>
             <a:endParaRPr lang="en-HK" b="1" dirty="0"/>
           </a:p>
@@ -10995,7 +12275,7 @@
           <a:blip r:embed="rId3">
             <a:extLst>
               <a:ext uri="{96DAC541-7B7A-43D3-8B79-37D633B846F1}">
-                <asvg:svgBlip xmlns:asvg="http://schemas.microsoft.com/office/drawing/2016/SVG/main" xmlns="" r:embed="rId5"/>
+                <asvg:svgBlip xmlns:asvg="http://schemas.microsoft.com/office/drawing/2016/SVG/main" xmlns="" r:embed="rId4"/>
               </a:ext>
             </a:extLst>
           </a:blip>
@@ -11077,10 +12357,10 @@
           <p:nvPr/>
         </p:nvPicPr>
         <p:blipFill>
-          <a:blip r:embed="rId6">
+          <a:blip r:embed="rId5">
             <a:extLst>
               <a:ext uri="{96DAC541-7B7A-43D3-8B79-37D633B846F1}">
-                <asvg:svgBlip xmlns:asvg="http://schemas.microsoft.com/office/drawing/2016/SVG/main" xmlns="" r:embed="rId7"/>
+                <asvg:svgBlip xmlns:asvg="http://schemas.microsoft.com/office/drawing/2016/SVG/main" xmlns="" r:embed="rId6"/>
               </a:ext>
             </a:extLst>
           </a:blip>
@@ -11098,23 +12378,324 @@
           </a:prstGeom>
         </p:spPr>
       </p:pic>
+      <p:sp>
+        <p:nvSpPr>
+          <p:cNvPr id="128" name="文本框 127"/>
+          <p:cNvSpPr txBox="1"/>
+          <p:nvPr/>
+        </p:nvSpPr>
+        <p:spPr>
+          <a:xfrm>
+            <a:off x="556963" y="5553848"/>
+            <a:ext cx="11121121" cy="1200329"/>
+          </a:xfrm>
+          <a:prstGeom prst="rect">
+            <a:avLst/>
+          </a:prstGeom>
+          <a:noFill/>
+        </p:spPr>
+        <p:txBody>
+          <a:bodyPr wrap="none" rtlCol="0">
+            <a:spAutoFit/>
+          </a:bodyPr>
+          <a:lstStyle/>
+          <a:p>
+            <a:r>
+              <a:rPr kumimoji="1" lang="en-US" altLang="zh-CN" dirty="0"/>
+              <a:t>Picture</a:t>
+            </a:r>
+            <a:r>
+              <a:rPr kumimoji="1" lang="zh-CN" altLang="en-US" dirty="0"/>
+              <a:t> </a:t>
+            </a:r>
+            <a:r>
+              <a:rPr kumimoji="1" lang="en-US" altLang="zh-CN" dirty="0"/>
+              <a:t>from</a:t>
+            </a:r>
+            <a:r>
+              <a:rPr kumimoji="1" lang="zh-CN" altLang="en-US" dirty="0"/>
+              <a:t> </a:t>
+            </a:r>
+            <a:r>
+              <a:rPr lang="en-US" altLang="zh-CN" dirty="0"/>
+              <a:t>:</a:t>
+            </a:r>
+          </a:p>
+          <a:p>
+            <a:r>
+              <a:rPr lang="en-US" altLang="zh-CN" dirty="0"/>
+              <a:t>[1] Attention Is All You Need</a:t>
+            </a:r>
+          </a:p>
+          <a:p>
+            <a:r>
+              <a:rPr kumimoji="1" lang="en-US" altLang="zh-CN" dirty="0"/>
+              <a:t>[2] BERT: Pre-training of Deep Bidirectional Transformers for Language Understanding</a:t>
+            </a:r>
+          </a:p>
+          <a:p>
+            <a:r>
+              <a:rPr kumimoji="1" lang="en-US" altLang="zh-CN" dirty="0"/>
+              <a:t>[3] </a:t>
+            </a:r>
+            <a:r>
+              <a:rPr kumimoji="1" lang="en-US" altLang="zh-CN" dirty="0" err="1"/>
+              <a:t>XLNet</a:t>
+            </a:r>
+            <a:r>
+              <a:rPr kumimoji="1" lang="en-US" altLang="zh-CN" dirty="0"/>
+              <a:t>: Generalized Auto regressive Pretraining </a:t>
+            </a:r>
+            <a:r>
+              <a:rPr kumimoji="1" lang="en-US" altLang="zh-CN" dirty="0" err="1"/>
+              <a:t>fo</a:t>
+            </a:r>
+            <a:r>
+              <a:rPr kumimoji="1" lang="en-US" altLang="zh-CN" dirty="0"/>
+              <a:t> </a:t>
+            </a:r>
+            <a:r>
+              <a:rPr kumimoji="1" lang="en-US" altLang="zh-CN" dirty="0" err="1"/>
+              <a:t>rLanguage</a:t>
+            </a:r>
+            <a:r>
+              <a:rPr kumimoji="1" lang="en-US" altLang="zh-CN" dirty="0"/>
+              <a:t> Understanding https://arxiv.org/pdf/1906.08237.pdf</a:t>
+            </a:r>
+            <a:endParaRPr kumimoji="1" lang="zh-CN" altLang="en-US" dirty="0"/>
+          </a:p>
+        </p:txBody>
+      </p:sp>
+      <p:pic>
+        <p:nvPicPr>
+          <p:cNvPr id="3" name="图片 2">
+            <a:extLst>
+              <a:ext uri="{FF2B5EF4-FFF2-40B4-BE49-F238E27FC236}">
+                <a16:creationId xmlns:a16="http://schemas.microsoft.com/office/drawing/2014/main" xmlns="" id="{0642A652-9092-4B49-9F13-A1AC496CEBC7}"/>
+              </a:ext>
+            </a:extLst>
+          </p:cNvPr>
+          <p:cNvPicPr>
+            <a:picLocks noChangeAspect="1"/>
+          </p:cNvPicPr>
+          <p:nvPr/>
+        </p:nvPicPr>
+        <p:blipFill>
+          <a:blip r:embed="rId7"/>
+          <a:stretch>
+            <a:fillRect/>
+          </a:stretch>
+        </p:blipFill>
+        <p:spPr>
+          <a:xfrm>
+            <a:off x="977774" y="2606681"/>
+            <a:ext cx="2381373" cy="2824419"/>
+          </a:xfrm>
+          <a:prstGeom prst="rect">
+            <a:avLst/>
+          </a:prstGeom>
+        </p:spPr>
+      </p:pic>
+      <p:sp>
+        <p:nvSpPr>
+          <p:cNvPr id="9" name="文本框 8">
+            <a:extLst>
+              <a:ext uri="{FF2B5EF4-FFF2-40B4-BE49-F238E27FC236}">
+                <a16:creationId xmlns:a16="http://schemas.microsoft.com/office/drawing/2014/main" xmlns="" id="{925116B3-747D-4D37-B828-5A92C8A187C5}"/>
+              </a:ext>
+            </a:extLst>
+          </p:cNvPr>
+          <p:cNvSpPr txBox="1"/>
+          <p:nvPr/>
+        </p:nvSpPr>
+        <p:spPr>
+          <a:xfrm>
+            <a:off x="1077849" y="1327541"/>
+            <a:ext cx="2181225" cy="954107"/>
+          </a:xfrm>
+          <a:prstGeom prst="rect">
+            <a:avLst/>
+          </a:prstGeom>
+          <a:noFill/>
+        </p:spPr>
+        <p:txBody>
+          <a:bodyPr wrap="square" rtlCol="0">
+            <a:spAutoFit/>
+          </a:bodyPr>
+          <a:lstStyle/>
+          <a:p>
+            <a:pPr algn="ctr"/>
+            <a:r>
+              <a:rPr lang="en-US" altLang="zh-CN" sz="2800" dirty="0"/>
+              <a:t>2016-2017</a:t>
+            </a:r>
+          </a:p>
+          <a:p>
+            <a:pPr algn="ctr"/>
+            <a:r>
+              <a:rPr lang="en-US" altLang="zh-CN" sz="2800" dirty="0"/>
+              <a:t>transformer</a:t>
+            </a:r>
+            <a:endParaRPr lang="zh-CN" altLang="en-US" sz="2800" dirty="0"/>
+          </a:p>
+        </p:txBody>
+      </p:sp>
+      <p:pic>
+        <p:nvPicPr>
+          <p:cNvPr id="13" name="图片 12">
+            <a:extLst>
+              <a:ext uri="{FF2B5EF4-FFF2-40B4-BE49-F238E27FC236}">
+                <a16:creationId xmlns:a16="http://schemas.microsoft.com/office/drawing/2014/main" xmlns="" id="{494E15AC-3F0A-48C4-93BE-B3C5D5838943}"/>
+              </a:ext>
+            </a:extLst>
+          </p:cNvPr>
+          <p:cNvPicPr>
+            <a:picLocks noChangeAspect="1"/>
+          </p:cNvPicPr>
+          <p:nvPr/>
+        </p:nvPicPr>
+        <p:blipFill>
+          <a:blip r:embed="rId8"/>
+          <a:stretch>
+            <a:fillRect/>
+          </a:stretch>
+        </p:blipFill>
+        <p:spPr>
+          <a:xfrm>
+            <a:off x="4448114" y="3126927"/>
+            <a:ext cx="2381372" cy="2152761"/>
+          </a:xfrm>
+          <a:prstGeom prst="rect">
+            <a:avLst/>
+          </a:prstGeom>
+        </p:spPr>
+      </p:pic>
+      <p:sp>
+        <p:nvSpPr>
+          <p:cNvPr id="22" name="矩形 21">
+            <a:extLst>
+              <a:ext uri="{FF2B5EF4-FFF2-40B4-BE49-F238E27FC236}">
+                <a16:creationId xmlns:a16="http://schemas.microsoft.com/office/drawing/2014/main" xmlns="" id="{FF23AF33-D36E-4D2F-925F-C9ED7041418D}"/>
+              </a:ext>
+            </a:extLst>
+          </p:cNvPr>
+          <p:cNvSpPr/>
+          <p:nvPr/>
+        </p:nvSpPr>
+        <p:spPr>
+          <a:xfrm>
+            <a:off x="8702645" y="1449386"/>
+            <a:ext cx="2028825" cy="954107"/>
+          </a:xfrm>
+          <a:prstGeom prst="rect">
+            <a:avLst/>
+          </a:prstGeom>
+        </p:spPr>
+        <p:txBody>
+          <a:bodyPr wrap="square">
+            <a:spAutoFit/>
+          </a:bodyPr>
+          <a:lstStyle/>
+          <a:p>
+            <a:pPr algn="ctr"/>
+            <a:r>
+              <a:rPr lang="en-US" altLang="zh-CN" sz="2800" dirty="0"/>
+              <a:t>2019</a:t>
+            </a:r>
+          </a:p>
+          <a:p>
+            <a:pPr algn="ctr"/>
+            <a:r>
+              <a:rPr lang="en-US" altLang="zh-CN" sz="2800" dirty="0" err="1"/>
+              <a:t>XLNet</a:t>
+            </a:r>
+            <a:endParaRPr lang="zh-CN" altLang="en-US" sz="2800" dirty="0"/>
+          </a:p>
+        </p:txBody>
+      </p:sp>
+      <p:sp>
+        <p:nvSpPr>
+          <p:cNvPr id="68" name="矩形 67">
+            <a:extLst>
+              <a:ext uri="{FF2B5EF4-FFF2-40B4-BE49-F238E27FC236}">
+                <a16:creationId xmlns:a16="http://schemas.microsoft.com/office/drawing/2014/main" xmlns="" id="{172B2EF1-F09A-4D98-B4DA-1BB859704179}"/>
+              </a:ext>
+            </a:extLst>
+          </p:cNvPr>
+          <p:cNvSpPr/>
+          <p:nvPr/>
+        </p:nvSpPr>
+        <p:spPr>
+          <a:xfrm>
+            <a:off x="4624387" y="1449387"/>
+            <a:ext cx="2028825" cy="954107"/>
+          </a:xfrm>
+          <a:prstGeom prst="rect">
+            <a:avLst/>
+          </a:prstGeom>
+        </p:spPr>
+        <p:txBody>
+          <a:bodyPr wrap="square">
+            <a:spAutoFit/>
+          </a:bodyPr>
+          <a:lstStyle/>
+          <a:p>
+            <a:pPr algn="ctr"/>
+            <a:r>
+              <a:rPr lang="en-US" altLang="zh-CN" sz="2800" dirty="0"/>
+              <a:t>2018</a:t>
+            </a:r>
+          </a:p>
+          <a:p>
+            <a:pPr algn="ctr"/>
+            <a:r>
+              <a:rPr lang="en-US" altLang="zh-CN" sz="2800" dirty="0"/>
+              <a:t>BERT</a:t>
+            </a:r>
+            <a:endParaRPr lang="zh-CN" altLang="en-US" sz="2800" dirty="0"/>
+          </a:p>
+        </p:txBody>
+      </p:sp>
+      <p:pic>
+        <p:nvPicPr>
+          <p:cNvPr id="24" name="图片 23">
+            <a:extLst>
+              <a:ext uri="{FF2B5EF4-FFF2-40B4-BE49-F238E27FC236}">
+                <a16:creationId xmlns:a16="http://schemas.microsoft.com/office/drawing/2014/main" xmlns="" id="{88F3AE07-48F3-4EA8-B445-192A4E0857E5}"/>
+              </a:ext>
+            </a:extLst>
+          </p:cNvPr>
+          <p:cNvPicPr>
+            <a:picLocks noChangeAspect="1"/>
+          </p:cNvPicPr>
+          <p:nvPr/>
+        </p:nvPicPr>
+        <p:blipFill>
+          <a:blip r:embed="rId9"/>
+          <a:stretch>
+            <a:fillRect/>
+          </a:stretch>
+        </p:blipFill>
+        <p:spPr>
+          <a:xfrm>
+            <a:off x="7560999" y="3253467"/>
+            <a:ext cx="4032450" cy="1899680"/>
+          </a:xfrm>
+          <a:prstGeom prst="rect">
+            <a:avLst/>
+          </a:prstGeom>
+        </p:spPr>
+      </p:pic>
     </p:spTree>
     <p:extLst>
       <p:ext uri="{BB962C8B-B14F-4D97-AF65-F5344CB8AC3E}">
-        <p14:creationId xmlns:p14="http://schemas.microsoft.com/office/powerpoint/2010/main" val="1302835920"/>
+        <p14:creationId xmlns:p14="http://schemas.microsoft.com/office/powerpoint/2010/main" val="885869957"/>
       </p:ext>
     </p:extLst>
   </p:cSld>
   <p:clrMapOvr>
     <a:masterClrMapping/>
   </p:clrMapOvr>
-  <p:timing>
-    <p:tnLst>
-      <p:par>
-        <p:cTn id="1" dur="indefinite" restart="never" nodeType="tmRoot"/>
-      </p:par>
-    </p:tnLst>
-  </p:timing>
 </p:sld>
 </file>
 
@@ -11159,7 +12740,7 @@
         </p:blipFill>
         <p:spPr>
           <a:xfrm>
-            <a:off x="-449251" y="-1118025"/>
+            <a:off x="-577070" y="-1019703"/>
             <a:ext cx="13039702" cy="2652243"/>
           </a:xfrm>
         </p:spPr>
@@ -11193,24 +12774,20 @@
           <a:lstStyle/>
           <a:p>
             <a:r>
-              <a:rPr lang="en-US" altLang="zh-CN" b="1" dirty="0" smtClean="0"/>
-              <a:t>6.</a:t>
-            </a:r>
-            <a:r>
-              <a:rPr lang="zh-CN" altLang="en-US" b="1" dirty="0" smtClean="0"/>
-              <a:t> </a:t>
-            </a:r>
-            <a:r>
-              <a:rPr lang="en-US" altLang="zh-CN" b="1" dirty="0" smtClean="0"/>
-              <a:t>Pros</a:t>
-            </a:r>
-            <a:r>
-              <a:rPr lang="zh-CN" altLang="en-US" b="1" dirty="0" smtClean="0"/>
-              <a:t> </a:t>
-            </a:r>
-            <a:r>
-              <a:rPr lang="en-US" altLang="zh-CN" b="1" dirty="0" smtClean="0"/>
-              <a:t>and cons</a:t>
+              <a:rPr lang="en-US" altLang="zh-CN" b="1" dirty="0"/>
+              <a:t>5. Application of </a:t>
+            </a:r>
+            <a:r>
+              <a:rPr lang="en-US" altLang="zh-CN" b="1" dirty="0" err="1"/>
+              <a:t>tensorflow</a:t>
+            </a:r>
+            <a:r>
+              <a:rPr lang="en-US" altLang="zh-CN" b="1" dirty="0"/>
+              <a:t>  -- </a:t>
+            </a:r>
+            <a:r>
+              <a:rPr lang="en-US" altLang="zh-CN" dirty="0"/>
+              <a:t>Enterprises</a:t>
             </a:r>
             <a:endParaRPr lang="en-HK" b="1" dirty="0"/>
           </a:p>
@@ -11234,7 +12811,7 @@
           <a:blip r:embed="rId3">
             <a:extLst>
               <a:ext uri="{96DAC541-7B7A-43D3-8B79-37D633B846F1}">
-                <asvg:svgBlip xmlns:asvg="http://schemas.microsoft.com/office/drawing/2016/SVG/main" xmlns="" r:embed="rId5"/>
+                <asvg:svgBlip xmlns:asvg="http://schemas.microsoft.com/office/drawing/2016/SVG/main" xmlns="" r:embed="rId4"/>
               </a:ext>
             </a:extLst>
           </a:blip>
@@ -11316,10 +12893,10 @@
           <p:nvPr/>
         </p:nvPicPr>
         <p:blipFill>
-          <a:blip r:embed="rId6">
+          <a:blip r:embed="rId5">
             <a:extLst>
               <a:ext uri="{96DAC541-7B7A-43D3-8B79-37D633B846F1}">
-                <asvg:svgBlip xmlns:asvg="http://schemas.microsoft.com/office/drawing/2016/SVG/main" xmlns="" r:embed="rId7"/>
+                <asvg:svgBlip xmlns:asvg="http://schemas.microsoft.com/office/drawing/2016/SVG/main" xmlns="" r:embed="rId6"/>
               </a:ext>
             </a:extLst>
           </a:blip>
@@ -11337,555 +12914,108 @@
           </a:prstGeom>
         </p:spPr>
       </p:pic>
-      <p:pic>
-        <p:nvPicPr>
-          <p:cNvPr id="9" name="图片 8"/>
-          <p:cNvPicPr>
-            <a:picLocks noChangeAspect="1"/>
-          </p:cNvPicPr>
-          <p:nvPr/>
-        </p:nvPicPr>
-        <p:blipFill>
-          <a:blip r:embed="rId8"/>
-          <a:stretch>
-            <a:fillRect/>
-          </a:stretch>
-        </p:blipFill>
-        <p:spPr>
-          <a:xfrm>
-            <a:off x="4215038" y="2115054"/>
-            <a:ext cx="1206144" cy="337499"/>
+      <p:sp>
+        <p:nvSpPr>
+          <p:cNvPr id="7" name="矩形 6">
+            <a:extLst>
+              <a:ext uri="{FF2B5EF4-FFF2-40B4-BE49-F238E27FC236}">
+                <a16:creationId xmlns:a16="http://schemas.microsoft.com/office/drawing/2014/main" xmlns="" id="{0E6E5E10-CB6E-48A9-958C-AC330CBA839D}"/>
+              </a:ext>
+            </a:extLst>
+          </p:cNvPr>
+          <p:cNvSpPr/>
+          <p:nvPr/>
+        </p:nvSpPr>
+        <p:spPr>
+          <a:xfrm>
+            <a:off x="1077849" y="1632540"/>
+            <a:ext cx="10239080" cy="2308324"/>
           </a:xfrm>
           <a:prstGeom prst="rect">
             <a:avLst/>
           </a:prstGeom>
         </p:spPr>
-      </p:pic>
-      <p:cxnSp>
-        <p:nvCxnSpPr>
-          <p:cNvPr id="22" name="曲线连接符 21"/>
-          <p:cNvCxnSpPr/>
-          <p:nvPr/>
-        </p:nvCxnSpPr>
-        <p:spPr>
-          <a:xfrm rot="5400000" flipH="1" flipV="1">
-            <a:off x="5339136" y="1742383"/>
-            <a:ext cx="563763" cy="399670"/>
-          </a:xfrm>
-          <a:prstGeom prst="curvedConnector3">
-            <a:avLst>
-              <a:gd name="adj1" fmla="val 50000"/>
-            </a:avLst>
-          </a:prstGeom>
-          <a:ln>
-            <a:tailEnd type="triangle"/>
-          </a:ln>
-        </p:spPr>
-        <p:style>
-          <a:lnRef idx="1">
-            <a:schemeClr val="accent1"/>
-          </a:lnRef>
-          <a:fillRef idx="0">
-            <a:schemeClr val="accent1"/>
-          </a:fillRef>
-          <a:effectRef idx="0">
-            <a:schemeClr val="accent1"/>
-          </a:effectRef>
-          <a:fontRef idx="minor">
-            <a:schemeClr val="tx1"/>
-          </a:fontRef>
-        </p:style>
-      </p:cxnSp>
-      <p:sp>
-        <p:nvSpPr>
-          <p:cNvPr id="24" name="文本框 23"/>
-          <p:cNvSpPr txBox="1"/>
-          <p:nvPr/>
-        </p:nvSpPr>
-        <p:spPr>
-          <a:xfrm>
-            <a:off x="5052690" y="1333697"/>
-            <a:ext cx="1862241" cy="369332"/>
-          </a:xfrm>
-          <a:prstGeom prst="rect">
-            <a:avLst/>
-          </a:prstGeom>
-          <a:noFill/>
-        </p:spPr>
-        <p:txBody>
-          <a:bodyPr wrap="none" rtlCol="0">
+        <p:txBody>
+          <a:bodyPr wrap="square">
             <a:spAutoFit/>
           </a:bodyPr>
           <a:lstStyle/>
           <a:p>
             <a:r>
-              <a:rPr kumimoji="1" lang="en-US" altLang="zh-CN" dirty="0" smtClean="0"/>
-              <a:t>Image</a:t>
-            </a:r>
-            <a:r>
-              <a:rPr kumimoji="1" lang="zh-CN" altLang="en-US" dirty="0" smtClean="0"/>
-              <a:t> </a:t>
-            </a:r>
-            <a:r>
-              <a:rPr kumimoji="1" lang="en-US" altLang="zh-CN" dirty="0" smtClean="0"/>
-              <a:t>processing</a:t>
-            </a:r>
-            <a:endParaRPr kumimoji="1" lang="zh-CN" altLang="en-US" dirty="0"/>
-          </a:p>
-        </p:txBody>
-      </p:sp>
-      <p:sp>
-        <p:nvSpPr>
-          <p:cNvPr id="26" name="文本框 25"/>
-          <p:cNvSpPr txBox="1"/>
-          <p:nvPr/>
-        </p:nvSpPr>
-        <p:spPr>
-          <a:xfrm>
-            <a:off x="936978" y="1806222"/>
-            <a:ext cx="1173270" cy="584775"/>
-          </a:xfrm>
-          <a:prstGeom prst="rect">
-            <a:avLst/>
-          </a:prstGeom>
-          <a:noFill/>
-        </p:spPr>
-        <p:txBody>
-          <a:bodyPr wrap="none" rtlCol="0">
-            <a:spAutoFit/>
-          </a:bodyPr>
-          <a:lstStyle/>
-          <a:p>
-            <a:r>
-              <a:rPr kumimoji="1" lang="en-US" altLang="zh-CN" dirty="0" smtClean="0"/>
-              <a:t>       </a:t>
-            </a:r>
-            <a:r>
-              <a:rPr kumimoji="1" lang="en-US" altLang="zh-CN" dirty="0" err="1" smtClean="0"/>
-              <a:t>Caffe</a:t>
-            </a:r>
-            <a:r>
-              <a:rPr kumimoji="1" lang="en-US" altLang="zh-CN" dirty="0" smtClean="0"/>
-              <a:t> </a:t>
-            </a:r>
-          </a:p>
-          <a:p>
-            <a:r>
-              <a:rPr kumimoji="1" lang="en-US" altLang="zh-CN" sz="1400" dirty="0" smtClean="0"/>
-              <a:t>(UC Berkeley)</a:t>
-            </a:r>
-            <a:endParaRPr kumimoji="1" lang="zh-CN" altLang="en-US" sz="1400" dirty="0"/>
-          </a:p>
-        </p:txBody>
-      </p:sp>
-      <p:cxnSp>
-        <p:nvCxnSpPr>
-          <p:cNvPr id="29" name="直线箭头连接符 28"/>
-          <p:cNvCxnSpPr>
-            <a:stCxn id="26" idx="3"/>
-          </p:cNvCxnSpPr>
-          <p:nvPr/>
-        </p:nvCxnSpPr>
-        <p:spPr>
-          <a:xfrm>
-            <a:off x="2110248" y="2098610"/>
-            <a:ext cx="1886019" cy="30778"/>
-          </a:xfrm>
-          <a:prstGeom prst="straightConnector1">
-            <a:avLst/>
-          </a:prstGeom>
-          <a:ln>
-            <a:tailEnd type="triangle"/>
-          </a:ln>
-        </p:spPr>
-        <p:style>
-          <a:lnRef idx="1">
-            <a:schemeClr val="accent1"/>
-          </a:lnRef>
-          <a:fillRef idx="0">
-            <a:schemeClr val="accent1"/>
-          </a:fillRef>
-          <a:effectRef idx="0">
-            <a:schemeClr val="accent1"/>
-          </a:effectRef>
-          <a:fontRef idx="minor">
-            <a:schemeClr val="tx1"/>
-          </a:fontRef>
-        </p:style>
-      </p:cxnSp>
-      <p:sp>
-        <p:nvSpPr>
-          <p:cNvPr id="68" name="文本框 67"/>
-          <p:cNvSpPr txBox="1"/>
-          <p:nvPr/>
-        </p:nvSpPr>
-        <p:spPr>
-          <a:xfrm>
-            <a:off x="3996267" y="1796011"/>
-            <a:ext cx="1206677" cy="369332"/>
-          </a:xfrm>
-          <a:prstGeom prst="rect">
-            <a:avLst/>
-          </a:prstGeom>
-          <a:noFill/>
-        </p:spPr>
-        <p:txBody>
-          <a:bodyPr wrap="none" rtlCol="0">
-            <a:spAutoFit/>
-          </a:bodyPr>
-          <a:lstStyle/>
-          <a:p>
-            <a:r>
-              <a:rPr kumimoji="1" lang="en-US" altLang="zh-CN" dirty="0" smtClean="0"/>
-              <a:t>       Caffe2 </a:t>
-            </a:r>
-          </a:p>
-        </p:txBody>
-      </p:sp>
-      <p:sp>
-        <p:nvSpPr>
-          <p:cNvPr id="45" name="文本框 44"/>
-          <p:cNvSpPr txBox="1"/>
-          <p:nvPr/>
-        </p:nvSpPr>
-        <p:spPr>
-          <a:xfrm>
-            <a:off x="8507464" y="1445332"/>
-            <a:ext cx="820994" cy="584775"/>
-          </a:xfrm>
-          <a:prstGeom prst="rect">
-            <a:avLst/>
-          </a:prstGeom>
-          <a:noFill/>
-        </p:spPr>
-        <p:txBody>
-          <a:bodyPr wrap="none" rtlCol="0">
-            <a:spAutoFit/>
-          </a:bodyPr>
-          <a:lstStyle/>
-          <a:p>
-            <a:r>
-              <a:rPr kumimoji="1" lang="en-US" altLang="zh-CN" dirty="0" smtClean="0"/>
-              <a:t>Paddle</a:t>
-            </a:r>
-          </a:p>
-          <a:p>
-            <a:r>
-              <a:rPr kumimoji="1" lang="en-US" altLang="zh-CN" sz="1400" dirty="0" smtClean="0"/>
-              <a:t> (Baidu)</a:t>
-            </a:r>
-          </a:p>
-        </p:txBody>
-      </p:sp>
-      <p:sp>
-        <p:nvSpPr>
-          <p:cNvPr id="46" name="文本框 45"/>
-          <p:cNvSpPr txBox="1"/>
-          <p:nvPr/>
-        </p:nvSpPr>
-        <p:spPr>
-          <a:xfrm>
-            <a:off x="8418305" y="2352464"/>
-            <a:ext cx="999313" cy="584775"/>
-          </a:xfrm>
-          <a:prstGeom prst="rect">
-            <a:avLst/>
-          </a:prstGeom>
-          <a:noFill/>
-        </p:spPr>
-        <p:txBody>
-          <a:bodyPr wrap="none" rtlCol="0">
-            <a:spAutoFit/>
-          </a:bodyPr>
-          <a:lstStyle/>
-          <a:p>
-            <a:r>
-              <a:rPr kumimoji="1" lang="en-US" altLang="zh-CN" dirty="0" smtClean="0"/>
-              <a:t>   CNTK</a:t>
-            </a:r>
-          </a:p>
-          <a:p>
-            <a:r>
-              <a:rPr kumimoji="1" lang="en-US" altLang="zh-CN" sz="1400" dirty="0" smtClean="0"/>
-              <a:t>(Microsoft)</a:t>
-            </a:r>
-            <a:endParaRPr kumimoji="1" lang="zh-CN" altLang="en-US" sz="1400" dirty="0"/>
-          </a:p>
-        </p:txBody>
-      </p:sp>
-      <p:sp>
-        <p:nvSpPr>
-          <p:cNvPr id="47" name="文本框 46"/>
-          <p:cNvSpPr txBox="1"/>
-          <p:nvPr/>
-        </p:nvSpPr>
-        <p:spPr>
-          <a:xfrm>
-            <a:off x="8470340" y="3330464"/>
-            <a:ext cx="895245" cy="584775"/>
-          </a:xfrm>
-          <a:prstGeom prst="rect">
-            <a:avLst/>
-          </a:prstGeom>
-          <a:noFill/>
-        </p:spPr>
-        <p:txBody>
-          <a:bodyPr wrap="none" rtlCol="0">
-            <a:spAutoFit/>
-          </a:bodyPr>
-          <a:lstStyle/>
-          <a:p>
-            <a:r>
-              <a:rPr kumimoji="1" lang="en-US" altLang="zh-CN" smtClean="0"/>
-              <a:t> </a:t>
-            </a:r>
-            <a:r>
-              <a:rPr kumimoji="1" lang="en-US" altLang="zh-CN" dirty="0" err="1" smtClean="0"/>
-              <a:t>MXNet</a:t>
-            </a:r>
-            <a:endParaRPr kumimoji="1" lang="en-US" altLang="zh-CN" dirty="0" smtClean="0"/>
-          </a:p>
-          <a:p>
-            <a:r>
-              <a:rPr kumimoji="1" lang="en-US" altLang="zh-CN" sz="1400" dirty="0" smtClean="0"/>
-              <a:t>(Amazon)</a:t>
-            </a:r>
-            <a:endParaRPr kumimoji="1" lang="zh-CN" altLang="en-US" sz="1400" dirty="0"/>
-          </a:p>
-        </p:txBody>
-      </p:sp>
-      <p:sp>
-        <p:nvSpPr>
-          <p:cNvPr id="48" name="文本框 47"/>
-          <p:cNvSpPr txBox="1"/>
-          <p:nvPr/>
-        </p:nvSpPr>
-        <p:spPr>
-          <a:xfrm>
-            <a:off x="1077849" y="3107696"/>
-            <a:ext cx="1415900" cy="584775"/>
-          </a:xfrm>
-          <a:prstGeom prst="rect">
-            <a:avLst/>
-          </a:prstGeom>
-          <a:noFill/>
-        </p:spPr>
-        <p:txBody>
-          <a:bodyPr wrap="none" rtlCol="0">
-            <a:spAutoFit/>
-          </a:bodyPr>
-          <a:lstStyle/>
-          <a:p>
-            <a:r>
-              <a:rPr kumimoji="1" lang="en-US" altLang="zh-CN" smtClean="0"/>
-              <a:t>      Torch</a:t>
-            </a:r>
-            <a:endParaRPr kumimoji="1" lang="en-US" altLang="zh-CN" dirty="0" smtClean="0"/>
-          </a:p>
-          <a:p>
-            <a:r>
-              <a:rPr kumimoji="1" lang="en-US" altLang="zh-CN" sz="1400" dirty="0" smtClean="0"/>
-              <a:t>(NYU/ Facebook)</a:t>
-            </a:r>
-            <a:endParaRPr kumimoji="1" lang="zh-CN" altLang="en-US" sz="1400" dirty="0"/>
-          </a:p>
-        </p:txBody>
-      </p:sp>
-      <p:cxnSp>
-        <p:nvCxnSpPr>
-          <p:cNvPr id="50" name="直线箭头连接符 49"/>
-          <p:cNvCxnSpPr>
-            <a:stCxn id="48" idx="3"/>
-          </p:cNvCxnSpPr>
-          <p:nvPr/>
-        </p:nvCxnSpPr>
-        <p:spPr>
-          <a:xfrm flipV="1">
-            <a:off x="2493749" y="3400083"/>
-            <a:ext cx="1502518" cy="1"/>
-          </a:xfrm>
-          <a:prstGeom prst="straightConnector1">
-            <a:avLst/>
-          </a:prstGeom>
-          <a:ln>
-            <a:tailEnd type="triangle"/>
-          </a:ln>
-        </p:spPr>
-        <p:style>
-          <a:lnRef idx="1">
-            <a:schemeClr val="accent1"/>
-          </a:lnRef>
-          <a:fillRef idx="0">
-            <a:schemeClr val="accent1"/>
-          </a:fillRef>
-          <a:effectRef idx="0">
-            <a:schemeClr val="accent1"/>
-          </a:effectRef>
-          <a:fontRef idx="minor">
-            <a:schemeClr val="tx1"/>
-          </a:fontRef>
-        </p:style>
-      </p:cxnSp>
-      <p:sp>
-        <p:nvSpPr>
-          <p:cNvPr id="51" name="文本框 50"/>
-          <p:cNvSpPr txBox="1"/>
-          <p:nvPr/>
-        </p:nvSpPr>
-        <p:spPr>
-          <a:xfrm>
-            <a:off x="4324160" y="3096272"/>
-            <a:ext cx="987899" cy="584775"/>
-          </a:xfrm>
-          <a:prstGeom prst="rect">
-            <a:avLst/>
-          </a:prstGeom>
-          <a:noFill/>
-        </p:spPr>
-        <p:txBody>
-          <a:bodyPr wrap="none" rtlCol="0">
-            <a:spAutoFit/>
-          </a:bodyPr>
-          <a:lstStyle/>
-          <a:p>
-            <a:r>
-              <a:rPr kumimoji="1" lang="en-US" altLang="zh-CN" smtClean="0"/>
-              <a:t> </a:t>
-            </a:r>
-            <a:r>
-              <a:rPr kumimoji="1" lang="en-US" altLang="zh-CN" dirty="0" err="1" smtClean="0"/>
-              <a:t>PyTorch</a:t>
-            </a:r>
-            <a:endParaRPr kumimoji="1" lang="en-US" altLang="zh-CN" dirty="0" smtClean="0"/>
-          </a:p>
-          <a:p>
-            <a:r>
-              <a:rPr kumimoji="1" lang="en-US" altLang="zh-CN" sz="1400" dirty="0" smtClean="0"/>
-              <a:t>(Facebook)</a:t>
-            </a:r>
-            <a:endParaRPr kumimoji="1" lang="zh-CN" altLang="en-US" sz="1400" dirty="0"/>
-          </a:p>
-        </p:txBody>
-      </p:sp>
-      <p:sp>
-        <p:nvSpPr>
-          <p:cNvPr id="52" name="文本框 51"/>
-          <p:cNvSpPr txBox="1"/>
-          <p:nvPr/>
-        </p:nvSpPr>
-        <p:spPr>
-          <a:xfrm>
-            <a:off x="1371600" y="4368800"/>
-            <a:ext cx="888385" cy="369332"/>
-          </a:xfrm>
-          <a:prstGeom prst="rect">
-            <a:avLst/>
-          </a:prstGeom>
-          <a:noFill/>
-        </p:spPr>
-        <p:txBody>
-          <a:bodyPr wrap="none" rtlCol="0">
-            <a:spAutoFit/>
-          </a:bodyPr>
-          <a:lstStyle/>
-          <a:p>
-            <a:r>
-              <a:rPr kumimoji="1" lang="en-US" altLang="zh-CN" dirty="0" err="1" smtClean="0"/>
-              <a:t>Theano</a:t>
-            </a:r>
-            <a:endParaRPr kumimoji="1" lang="zh-CN" altLang="en-US" dirty="0"/>
-          </a:p>
-        </p:txBody>
-      </p:sp>
-      <p:cxnSp>
-        <p:nvCxnSpPr>
-          <p:cNvPr id="54" name="直线箭头连接符 53"/>
-          <p:cNvCxnSpPr>
-            <a:stCxn id="52" idx="3"/>
-          </p:cNvCxnSpPr>
-          <p:nvPr/>
-        </p:nvCxnSpPr>
-        <p:spPr>
-          <a:xfrm>
-            <a:off x="2259985" y="4553466"/>
-            <a:ext cx="1736282" cy="0"/>
-          </a:xfrm>
-          <a:prstGeom prst="straightConnector1">
-            <a:avLst/>
-          </a:prstGeom>
-          <a:ln>
-            <a:tailEnd type="triangle"/>
-          </a:ln>
-        </p:spPr>
-        <p:style>
-          <a:lnRef idx="1">
-            <a:schemeClr val="accent1"/>
-          </a:lnRef>
-          <a:fillRef idx="0">
-            <a:schemeClr val="accent1"/>
-          </a:fillRef>
-          <a:effectRef idx="0">
-            <a:schemeClr val="accent1"/>
-          </a:effectRef>
-          <a:fontRef idx="minor">
-            <a:schemeClr val="tx1"/>
-          </a:fontRef>
-        </p:style>
-      </p:cxnSp>
-      <p:sp>
-        <p:nvSpPr>
-          <p:cNvPr id="55" name="文本框 54"/>
-          <p:cNvSpPr txBox="1"/>
-          <p:nvPr/>
-        </p:nvSpPr>
-        <p:spPr>
-          <a:xfrm>
-            <a:off x="4215038" y="4261078"/>
-            <a:ext cx="1250471" cy="584775"/>
-          </a:xfrm>
-          <a:prstGeom prst="rect">
-            <a:avLst/>
-          </a:prstGeom>
-          <a:noFill/>
-        </p:spPr>
-        <p:txBody>
-          <a:bodyPr wrap="none" rtlCol="0">
-            <a:spAutoFit/>
-          </a:bodyPr>
-          <a:lstStyle/>
-          <a:p>
-            <a:r>
-              <a:rPr kumimoji="1" lang="en-US" altLang="zh-CN" dirty="0" err="1" smtClean="0"/>
-              <a:t>TensorFlow</a:t>
-            </a:r>
-            <a:endParaRPr kumimoji="1" lang="en-US" altLang="zh-CN" dirty="0" smtClean="0"/>
-          </a:p>
-          <a:p>
-            <a:r>
-              <a:rPr kumimoji="1" lang="en-US" altLang="zh-CN" sz="1400" dirty="0" smtClean="0"/>
-              <a:t>     (Google)</a:t>
-            </a:r>
-            <a:endParaRPr kumimoji="1" lang="zh-CN" altLang="en-US" sz="1400" dirty="0"/>
+              <a:rPr lang="en-US" altLang="zh-CN" dirty="0">
+                <a:solidFill>
+                  <a:srgbClr val="333333"/>
+                </a:solidFill>
+                <a:latin typeface="Times New Roman" panose="02020603050405020304" pitchFamily="18" charset="0"/>
+                <a:cs typeface="Times New Roman" panose="02020603050405020304" pitchFamily="18" charset="0"/>
+              </a:rPr>
+              <a:t>in terms of </a:t>
+            </a:r>
+            <a:r>
+              <a:rPr lang="en-US" altLang="zh-CN" b="1" dirty="0">
+                <a:solidFill>
+                  <a:srgbClr val="333333"/>
+                </a:solidFill>
+                <a:latin typeface="Times New Roman" panose="02020603050405020304" pitchFamily="18" charset="0"/>
+                <a:cs typeface="Times New Roman" panose="02020603050405020304" pitchFamily="18" charset="0"/>
+              </a:rPr>
+              <a:t>marketing</a:t>
+            </a:r>
+            <a:r>
+              <a:rPr lang="en-US" altLang="zh-CN" dirty="0">
+                <a:solidFill>
+                  <a:srgbClr val="333333"/>
+                </a:solidFill>
+                <a:latin typeface="Times New Roman" panose="02020603050405020304" pitchFamily="18" charset="0"/>
+                <a:cs typeface="Times New Roman" panose="02020603050405020304" pitchFamily="18" charset="0"/>
+              </a:rPr>
+              <a:t>, Coca-Cola uses TensorFlow as a marketing tool in its customer loyalty program. Coca-Cola printed a 14-bit code on the back of bottle caps and created a machine learning system that uses TensorFlow to easily identify Numbers (often hard to see) to create proof of purchase</a:t>
+            </a:r>
+          </a:p>
+          <a:p>
+            <a:endParaRPr lang="en-US" altLang="zh-CN" dirty="0">
+              <a:solidFill>
+                <a:srgbClr val="333333"/>
+              </a:solidFill>
+              <a:latin typeface="Times New Roman" panose="02020603050405020304" pitchFamily="18" charset="0"/>
+              <a:cs typeface="Times New Roman" panose="02020603050405020304" pitchFamily="18" charset="0"/>
+            </a:endParaRPr>
+          </a:p>
+          <a:p>
+            <a:r>
+              <a:rPr lang="en-US" altLang="zh-CN" dirty="0">
+                <a:latin typeface="Times New Roman" panose="02020603050405020304" pitchFamily="18" charset="0"/>
+                <a:cs typeface="Times New Roman" panose="02020603050405020304" pitchFamily="18" charset="0"/>
+              </a:rPr>
+              <a:t>In terms of </a:t>
+            </a:r>
+            <a:r>
+              <a:rPr lang="en-US" altLang="zh-CN" b="1" dirty="0">
+                <a:latin typeface="Times New Roman" panose="02020603050405020304" pitchFamily="18" charset="0"/>
+                <a:cs typeface="Times New Roman" panose="02020603050405020304" pitchFamily="18" charset="0"/>
+              </a:rPr>
+              <a:t>telecom services</a:t>
+            </a:r>
+            <a:r>
+              <a:rPr lang="en-US" altLang="zh-CN" dirty="0">
+                <a:latin typeface="Times New Roman" panose="02020603050405020304" pitchFamily="18" charset="0"/>
+                <a:cs typeface="Times New Roman" panose="02020603050405020304" pitchFamily="18" charset="0"/>
+              </a:rPr>
+              <a:t>, China telecom business office APP builds a neural network to learn to recognize telecom recharge cards. Finally, it can be easily recognized in the case of backlight, jitter and severe digital occlusion. The success rate of model training is 99.3%, and it takes 0.05 seconds to complete the recognition.</a:t>
+            </a:r>
           </a:p>
         </p:txBody>
       </p:sp>
     </p:spTree>
     <p:extLst>
       <p:ext uri="{BB962C8B-B14F-4D97-AF65-F5344CB8AC3E}">
-        <p14:creationId xmlns:p14="http://schemas.microsoft.com/office/powerpoint/2010/main" val="1625069229"/>
+        <p14:creationId xmlns:p14="http://schemas.microsoft.com/office/powerpoint/2010/main" val="2098564796"/>
       </p:ext>
     </p:extLst>
   </p:cSld>
   <p:clrMapOvr>
     <a:masterClrMapping/>
   </p:clrMapOvr>
-  <p:timing>
-    <p:tnLst>
-      <p:par>
-        <p:cTn id="1" dur="indefinite" restart="never" nodeType="tmRoot"/>
-      </p:par>
-    </p:tnLst>
-  </p:timing>
 </p:sld>
 </file>
 
@@ -11930,7 +13060,7 @@
         </p:blipFill>
         <p:spPr>
           <a:xfrm>
-            <a:off x="-449251" y="-1118025"/>
+            <a:off x="-577070" y="-1019703"/>
             <a:ext cx="13039702" cy="2652243"/>
           </a:xfrm>
         </p:spPr>
@@ -11964,24 +13094,20 @@
           <a:lstStyle/>
           <a:p>
             <a:r>
-              <a:rPr lang="en-US" altLang="zh-CN" b="1" dirty="0" smtClean="0"/>
-              <a:t>6.</a:t>
-            </a:r>
-            <a:r>
-              <a:rPr lang="zh-CN" altLang="en-US" b="1" dirty="0" smtClean="0"/>
-              <a:t> </a:t>
-            </a:r>
-            <a:r>
-              <a:rPr lang="en-US" altLang="zh-CN" b="1" dirty="0" smtClean="0"/>
-              <a:t>Pros</a:t>
-            </a:r>
-            <a:r>
-              <a:rPr lang="zh-CN" altLang="en-US" b="1" dirty="0" smtClean="0"/>
-              <a:t> </a:t>
-            </a:r>
-            <a:r>
-              <a:rPr lang="en-US" altLang="zh-CN" b="1" dirty="0" smtClean="0"/>
-              <a:t>and cons</a:t>
+              <a:rPr lang="en-US" altLang="zh-CN" b="1" dirty="0"/>
+              <a:t>5. Application of </a:t>
+            </a:r>
+            <a:r>
+              <a:rPr lang="en-US" altLang="zh-CN" b="1" dirty="0" err="1"/>
+              <a:t>tensorflow</a:t>
+            </a:r>
+            <a:r>
+              <a:rPr lang="en-US" altLang="zh-CN" b="1" dirty="0"/>
+              <a:t>  -- </a:t>
+            </a:r>
+            <a:r>
+              <a:rPr lang="en-US" altLang="zh-CN" dirty="0"/>
+              <a:t> individuals</a:t>
             </a:r>
             <a:endParaRPr lang="en-HK" b="1" dirty="0"/>
           </a:p>
@@ -12005,7 +13131,7 @@
           <a:blip r:embed="rId3">
             <a:extLst>
               <a:ext uri="{96DAC541-7B7A-43D3-8B79-37D633B846F1}">
-                <asvg:svgBlip xmlns:asvg="http://schemas.microsoft.com/office/drawing/2016/SVG/main" xmlns="" r:embed="rId5"/>
+                <asvg:svgBlip xmlns:asvg="http://schemas.microsoft.com/office/drawing/2016/SVG/main" xmlns="" r:embed="rId4"/>
               </a:ext>
             </a:extLst>
           </a:blip>
@@ -12087,10 +13213,10 @@
           <p:nvPr/>
         </p:nvPicPr>
         <p:blipFill>
-          <a:blip r:embed="rId6">
+          <a:blip r:embed="rId5">
             <a:extLst>
               <a:ext uri="{96DAC541-7B7A-43D3-8B79-37D633B846F1}">
-                <asvg:svgBlip xmlns:asvg="http://schemas.microsoft.com/office/drawing/2016/SVG/main" xmlns="" r:embed="rId7"/>
+                <asvg:svgBlip xmlns:asvg="http://schemas.microsoft.com/office/drawing/2016/SVG/main" xmlns="" r:embed="rId6"/>
               </a:ext>
             </a:extLst>
           </a:blip>
@@ -12110,85 +13236,103 @@
       </p:pic>
       <p:sp>
         <p:nvSpPr>
-          <p:cNvPr id="51" name="文本框 50"/>
-          <p:cNvSpPr txBox="1"/>
-          <p:nvPr/>
-        </p:nvSpPr>
-        <p:spPr>
-          <a:xfrm>
-            <a:off x="583899" y="1534218"/>
-            <a:ext cx="987899" cy="584775"/>
+          <p:cNvPr id="7" name="矩形 6">
+            <a:extLst>
+              <a:ext uri="{FF2B5EF4-FFF2-40B4-BE49-F238E27FC236}">
+                <a16:creationId xmlns:a16="http://schemas.microsoft.com/office/drawing/2014/main" xmlns="" id="{0E6E5E10-CB6E-48A9-958C-AC330CBA839D}"/>
+              </a:ext>
+            </a:extLst>
+          </p:cNvPr>
+          <p:cNvSpPr/>
+          <p:nvPr/>
+        </p:nvSpPr>
+        <p:spPr>
+          <a:xfrm>
+            <a:off x="489756" y="1728913"/>
+            <a:ext cx="3313176" cy="923330"/>
           </a:xfrm>
           <a:prstGeom prst="rect">
             <a:avLst/>
           </a:prstGeom>
-          <a:noFill/>
-        </p:spPr>
-        <p:txBody>
-          <a:bodyPr wrap="none" rtlCol="0">
+        </p:spPr>
+        <p:txBody>
+          <a:bodyPr wrap="square">
             <a:spAutoFit/>
           </a:bodyPr>
           <a:lstStyle/>
           <a:p>
             <a:r>
-              <a:rPr kumimoji="1" lang="en-US" altLang="zh-CN" dirty="0" smtClean="0"/>
-              <a:t> </a:t>
-            </a:r>
-            <a:r>
-              <a:rPr kumimoji="1" lang="en-US" altLang="zh-CN" dirty="0" err="1" smtClean="0"/>
-              <a:t>PyTorch</a:t>
-            </a:r>
-            <a:endParaRPr kumimoji="1" lang="en-US" altLang="zh-CN" dirty="0" smtClean="0"/>
-          </a:p>
-          <a:p>
-            <a:r>
-              <a:rPr kumimoji="1" lang="en-US" altLang="zh-CN" sz="1400" dirty="0" smtClean="0"/>
-              <a:t>(Facebook)</a:t>
-            </a:r>
-            <a:endParaRPr kumimoji="1" lang="zh-CN" altLang="en-US" sz="1400" dirty="0"/>
-          </a:p>
-        </p:txBody>
-      </p:sp>
-      <p:sp>
-        <p:nvSpPr>
-          <p:cNvPr id="55" name="文本框 54"/>
-          <p:cNvSpPr txBox="1"/>
-          <p:nvPr/>
-        </p:nvSpPr>
-        <p:spPr>
-          <a:xfrm>
-            <a:off x="474777" y="2699024"/>
-            <a:ext cx="1250471" cy="584775"/>
+              <a:rPr lang="en-US" altLang="zh-CN" dirty="0"/>
+              <a:t>Wear a Mask, A very interesting app that masks your avatar. [4]</a:t>
+            </a:r>
+          </a:p>
+          <a:p>
+            <a:endParaRPr lang="en-US" altLang="zh-CN" dirty="0"/>
+          </a:p>
+        </p:txBody>
+      </p:sp>
+      <p:sp>
+        <p:nvSpPr>
+          <p:cNvPr id="10" name="矩形 9">
+            <a:extLst>
+              <a:ext uri="{FF2B5EF4-FFF2-40B4-BE49-F238E27FC236}">
+                <a16:creationId xmlns:a16="http://schemas.microsoft.com/office/drawing/2014/main" xmlns="" id="{E6D616A1-78CD-4702-B0F6-2558B79A6057}"/>
+              </a:ext>
+            </a:extLst>
+          </p:cNvPr>
+          <p:cNvSpPr/>
+          <p:nvPr/>
+        </p:nvSpPr>
+        <p:spPr>
+          <a:xfrm>
+            <a:off x="801887" y="5506829"/>
+            <a:ext cx="4625369" cy="923330"/>
           </a:xfrm>
           <a:prstGeom prst="rect">
             <a:avLst/>
           </a:prstGeom>
-          <a:noFill/>
-        </p:spPr>
-        <p:txBody>
-          <a:bodyPr wrap="none" rtlCol="0">
+        </p:spPr>
+        <p:txBody>
+          <a:bodyPr wrap="none">
             <a:spAutoFit/>
           </a:bodyPr>
           <a:lstStyle/>
           <a:p>
             <a:r>
-              <a:rPr kumimoji="1" lang="en-US" altLang="zh-CN" dirty="0" err="1" smtClean="0"/>
-              <a:t>TensorFlow</a:t>
-            </a:r>
-            <a:endParaRPr kumimoji="1" lang="en-US" altLang="zh-CN" dirty="0" smtClean="0"/>
-          </a:p>
-          <a:p>
-            <a:r>
-              <a:rPr kumimoji="1" lang="en-US" altLang="zh-CN" sz="1400" dirty="0" smtClean="0"/>
-              <a:t>     (Google)</a:t>
-            </a:r>
-            <a:endParaRPr kumimoji="1" lang="zh-CN" altLang="en-US" sz="1400" dirty="0"/>
+              <a:rPr lang="en-US" altLang="zh-CN" dirty="0"/>
+              <a:t>[4]https://github.com/zamhown/wear-a-mask</a:t>
+            </a:r>
+          </a:p>
+          <a:p>
+            <a:r>
+              <a:rPr lang="en-US" altLang="zh-CN" dirty="0"/>
+              <a:t>[5] </a:t>
+            </a:r>
+            <a:r>
+              <a:rPr lang="en-US" altLang="zh-CN" dirty="0">
+                <a:hlinkClick r:id="rId7"/>
+              </a:rPr>
+              <a:t>https://github.com/mgechev/movement.js</a:t>
+            </a:r>
+            <a:endParaRPr lang="en-US" altLang="zh-CN" dirty="0"/>
+          </a:p>
+          <a:p>
+            <a:r>
+              <a:rPr lang="en-US" altLang="zh-CN" dirty="0"/>
+              <a:t>[6]https://github.com/zhanyongsheng/LetsJum</a:t>
+            </a:r>
           </a:p>
         </p:txBody>
       </p:sp>
       <p:pic>
         <p:nvPicPr>
-          <p:cNvPr id="3" name="图片 2"/>
+          <p:cNvPr id="9" name="图片 8">
+            <a:extLst>
+              <a:ext uri="{FF2B5EF4-FFF2-40B4-BE49-F238E27FC236}">
+                <a16:creationId xmlns:a16="http://schemas.microsoft.com/office/drawing/2014/main" xmlns="" id="{F34B8978-5FBA-4F65-ACA8-3F18D3E2903E}"/>
+              </a:ext>
+            </a:extLst>
+          </p:cNvPr>
           <p:cNvPicPr>
             <a:picLocks noChangeAspect="1"/>
           </p:cNvPicPr>
@@ -12208,8 +13352,8 @@
         </p:blipFill>
         <p:spPr>
           <a:xfrm>
-            <a:off x="6050178" y="1190957"/>
-            <a:ext cx="5431612" cy="2235200"/>
+            <a:off x="8277225" y="2879981"/>
+            <a:ext cx="1389831" cy="3088513"/>
           </a:xfrm>
           <a:prstGeom prst="rect">
             <a:avLst/>
@@ -12218,154 +13362,134 @@
       </p:pic>
       <p:sp>
         <p:nvSpPr>
-          <p:cNvPr id="7" name="文本框 6"/>
-          <p:cNvSpPr txBox="1"/>
-          <p:nvPr/>
-        </p:nvSpPr>
-        <p:spPr>
-          <a:xfrm>
-            <a:off x="6335649" y="3412974"/>
-            <a:ext cx="4860671" cy="276999"/>
+          <p:cNvPr id="11" name="矩形 10">
+            <a:extLst>
+              <a:ext uri="{FF2B5EF4-FFF2-40B4-BE49-F238E27FC236}">
+                <a16:creationId xmlns:a16="http://schemas.microsoft.com/office/drawing/2014/main" xmlns="" id="{4CF3A791-93E3-426C-B735-F92DE966E307}"/>
+              </a:ext>
+            </a:extLst>
+          </p:cNvPr>
+          <p:cNvSpPr/>
+          <p:nvPr/>
+        </p:nvSpPr>
+        <p:spPr>
+          <a:xfrm>
+            <a:off x="7640278" y="1525419"/>
+            <a:ext cx="3237271" cy="1200329"/>
           </a:xfrm>
           <a:prstGeom prst="rect">
             <a:avLst/>
           </a:prstGeom>
-          <a:noFill/>
-        </p:spPr>
-        <p:txBody>
-          <a:bodyPr wrap="square" rtlCol="0">
+        </p:spPr>
+        <p:txBody>
+          <a:bodyPr wrap="square">
             <a:spAutoFit/>
           </a:bodyPr>
           <a:lstStyle/>
           <a:p>
             <a:r>
-              <a:rPr kumimoji="1" lang="is-IS" altLang="zh-CN" sz="1200" dirty="0"/>
-              <a:t>NAACL </a:t>
-            </a:r>
-            <a:r>
-              <a:rPr kumimoji="1" lang="is-IS" altLang="zh-CN" sz="1200" dirty="0" smtClean="0"/>
-              <a:t>and ACL</a:t>
-            </a:r>
-            <a:r>
-              <a:rPr kumimoji="1" lang="zh-CN" altLang="en-US" sz="1200" dirty="0" smtClean="0"/>
-              <a:t> </a:t>
-            </a:r>
-            <a:r>
-              <a:rPr kumimoji="1" lang="en-US" altLang="zh-CN" sz="1200" dirty="0" smtClean="0"/>
-              <a:t>are the top conferences for natural language processing</a:t>
-            </a:r>
-            <a:r>
-              <a:rPr kumimoji="1" lang="is-IS" altLang="zh-CN" sz="1200" dirty="0"/>
-              <a:t> </a:t>
-            </a:r>
-            <a:endParaRPr kumimoji="1" lang="zh-CN" altLang="en-US" sz="1200" dirty="0"/>
-          </a:p>
-        </p:txBody>
-      </p:sp>
-      <p:sp>
-        <p:nvSpPr>
-          <p:cNvPr id="10" name="文本框 9"/>
-          <p:cNvSpPr txBox="1"/>
-          <p:nvPr/>
-        </p:nvSpPr>
-        <p:spPr>
-          <a:xfrm>
-            <a:off x="4820647" y="4041141"/>
-            <a:ext cx="7128298" cy="2308324"/>
+              <a:rPr lang="en-US" altLang="zh-CN" dirty="0"/>
+              <a:t>An implementation of TensorFlow that automatically plays WeChat hop on Android phones[6]</a:t>
+            </a:r>
+          </a:p>
+        </p:txBody>
+      </p:sp>
+      <p:sp>
+        <p:nvSpPr>
+          <p:cNvPr id="12" name="矩形 11">
+            <a:extLst>
+              <a:ext uri="{FF2B5EF4-FFF2-40B4-BE49-F238E27FC236}">
+                <a16:creationId xmlns:a16="http://schemas.microsoft.com/office/drawing/2014/main" xmlns="" id="{086EF21F-2450-4B50-BF99-7C730549EF60}"/>
+              </a:ext>
+            </a:extLst>
+          </p:cNvPr>
+          <p:cNvSpPr/>
+          <p:nvPr/>
+        </p:nvSpPr>
+        <p:spPr>
+          <a:xfrm>
+            <a:off x="4065017" y="1632540"/>
+            <a:ext cx="3313175" cy="923330"/>
           </a:xfrm>
           <a:prstGeom prst="rect">
             <a:avLst/>
           </a:prstGeom>
-          <a:noFill/>
-        </p:spPr>
-        <p:txBody>
-          <a:bodyPr wrap="none" rtlCol="0">
+        </p:spPr>
+        <p:txBody>
+          <a:bodyPr wrap="square">
             <a:spAutoFit/>
           </a:bodyPr>
           <a:lstStyle/>
           <a:p>
             <a:r>
-              <a:rPr kumimoji="1" lang="en-US" altLang="zh-CN" dirty="0" smtClean="0"/>
-              <a:t>Industry</a:t>
-            </a:r>
-            <a:r>
-              <a:rPr kumimoji="1" lang="zh-CN" altLang="en-US" dirty="0" smtClean="0"/>
-              <a:t> </a:t>
-            </a:r>
-            <a:r>
-              <a:rPr kumimoji="1" lang="en-US" altLang="zh-CN" dirty="0" smtClean="0"/>
-              <a:t>world:</a:t>
-            </a:r>
-            <a:br>
-              <a:rPr kumimoji="1" lang="en-US" altLang="zh-CN" dirty="0" smtClean="0"/>
-            </a:br>
-            <a:r>
-              <a:rPr kumimoji="1" lang="en-US" altLang="zh-CN" dirty="0" smtClean="0"/>
-              <a:t>1. </a:t>
-            </a:r>
-            <a:r>
-              <a:rPr kumimoji="1" lang="en-US" altLang="zh-CN" dirty="0"/>
-              <a:t>python </a:t>
-            </a:r>
-            <a:r>
-              <a:rPr kumimoji="1" lang="en-US" altLang="zh-CN" dirty="0" smtClean="0"/>
-              <a:t>environment leads to huge consumption on servers</a:t>
-            </a:r>
-          </a:p>
-          <a:p>
-            <a:endParaRPr kumimoji="1" lang="en-US" altLang="zh-CN" dirty="0"/>
-          </a:p>
-          <a:p>
-            <a:r>
-              <a:rPr kumimoji="1" lang="en-US" altLang="zh-CN" dirty="0" smtClean="0"/>
-              <a:t>2. Mobility: python interpreter cannot be embedded in mobile binary files</a:t>
-            </a:r>
-          </a:p>
-          <a:p>
-            <a:endParaRPr kumimoji="1" lang="en-US" altLang="zh-CN" dirty="0"/>
-          </a:p>
-          <a:p>
-            <a:r>
-              <a:rPr kumimoji="1" lang="en-US" altLang="zh-CN" dirty="0" smtClean="0"/>
-              <a:t>3. Service: update without shutting down </a:t>
-            </a:r>
-          </a:p>
-          <a:p>
-            <a:endParaRPr kumimoji="1" lang="en-US" altLang="zh-CN" dirty="0"/>
-          </a:p>
-          <a:p>
-            <a:r>
-              <a:rPr kumimoji="1" lang="en-US" altLang="zh-CN" dirty="0" smtClean="0"/>
-              <a:t>4. deployment</a:t>
-            </a:r>
-            <a:endParaRPr kumimoji="1" lang="zh-CN" altLang="en-US" dirty="0"/>
+              <a:rPr lang="en-US" altLang="zh-CN" dirty="0"/>
+              <a:t>Without </a:t>
+            </a:r>
+            <a:r>
+              <a:rPr lang="en-US" altLang="zh-CN" dirty="0" err="1"/>
+              <a:t>keyboard,all</a:t>
+            </a:r>
+            <a:r>
+              <a:rPr lang="en-US" altLang="zh-CN" dirty="0"/>
+              <a:t> you need to play Mortal Kombat on your laptop is a front-facing camera.[5]</a:t>
+            </a:r>
           </a:p>
         </p:txBody>
       </p:sp>
       <p:pic>
         <p:nvPicPr>
-          <p:cNvPr id="11" name="图片 10"/>
+          <p:cNvPr id="3" name="图片 2">
+            <a:extLst>
+              <a:ext uri="{FF2B5EF4-FFF2-40B4-BE49-F238E27FC236}">
+                <a16:creationId xmlns:a16="http://schemas.microsoft.com/office/drawing/2014/main" xmlns="" id="{F77C9EC8-A455-4553-8EBC-9D14305CF552}"/>
+              </a:ext>
+            </a:extLst>
+          </p:cNvPr>
           <p:cNvPicPr>
             <a:picLocks noChangeAspect="1"/>
           </p:cNvPicPr>
           <p:nvPr/>
         </p:nvPicPr>
         <p:blipFill>
-          <a:blip r:embed="rId9">
-            <a:extLst>
-              <a:ext uri="{28A0092B-C50C-407E-A947-70E740481C1C}">
-                <a14:useLocalDpi xmlns:a14="http://schemas.microsoft.com/office/drawing/2010/main" val="0"/>
-              </a:ext>
-            </a:extLst>
-          </a:blip>
+          <a:blip r:embed="rId9"/>
           <a:stretch>
             <a:fillRect/>
           </a:stretch>
         </p:blipFill>
         <p:spPr>
           <a:xfrm>
-            <a:off x="400833" y="4267877"/>
-            <a:ext cx="4176760" cy="2301725"/>
+            <a:off x="4065016" y="3256649"/>
+            <a:ext cx="3313176" cy="2153807"/>
+          </a:xfrm>
+          <a:prstGeom prst="rect">
+            <a:avLst/>
+          </a:prstGeom>
+        </p:spPr>
+      </p:pic>
+      <p:pic>
+        <p:nvPicPr>
+          <p:cNvPr id="13" name="图片 12">
+            <a:extLst>
+              <a:ext uri="{FF2B5EF4-FFF2-40B4-BE49-F238E27FC236}">
+                <a16:creationId xmlns:a16="http://schemas.microsoft.com/office/drawing/2014/main" xmlns="" id="{DC538AF9-B354-47F5-B989-D6B5AD59EE47}"/>
+              </a:ext>
+            </a:extLst>
+          </p:cNvPr>
+          <p:cNvPicPr>
+            <a:picLocks noChangeAspect="1"/>
+          </p:cNvPicPr>
+          <p:nvPr/>
+        </p:nvPicPr>
+        <p:blipFill>
+          <a:blip r:embed="rId10"/>
+          <a:stretch>
+            <a:fillRect/>
+          </a:stretch>
+        </p:blipFill>
+        <p:spPr>
+          <a:xfrm>
+            <a:off x="260678" y="3378157"/>
+            <a:ext cx="3542254" cy="1157906"/>
           </a:xfrm>
           <a:prstGeom prst="rect">
             <a:avLst/>
@@ -12375,20 +13499,13 @@
     </p:spTree>
     <p:extLst>
       <p:ext uri="{BB962C8B-B14F-4D97-AF65-F5344CB8AC3E}">
-        <p14:creationId xmlns:p14="http://schemas.microsoft.com/office/powerpoint/2010/main" val="526333337"/>
+        <p14:creationId xmlns:p14="http://schemas.microsoft.com/office/powerpoint/2010/main" val="1149561828"/>
       </p:ext>
     </p:extLst>
   </p:cSld>
   <p:clrMapOvr>
     <a:masterClrMapping/>
   </p:clrMapOvr>
-  <p:timing>
-    <p:tnLst>
-      <p:par>
-        <p:cTn id="1" dur="indefinite" restart="never" nodeType="tmRoot"/>
-      </p:par>
-    </p:tnLst>
-  </p:timing>
 </p:sld>
 </file>
 
